--- a/Proj1/doc/Neutreeko.pptx
+++ b/Proj1/doc/Neutreeko.pptx
@@ -218,7 +218,7 @@
           <a:p>
             <a:fld id="{D9EA7D21-7E7E-4E69-8980-F2C3AB1CFA8E}" type="datetimeFigureOut">
               <a:rPr lang="pt-PT" smtClean="0"/>
-              <a:t>01/04/2021</a:t>
+              <a:t>02/04/2021</a:t>
             </a:fld>
             <a:endParaRPr lang="pt-PT"/>
           </a:p>
@@ -632,7 +632,7 @@
           <a:p>
             <a:fld id="{A8762A3A-0E7E-48AB-BEA2-87AC6A6981D4}" type="datetime1">
               <a:rPr lang="pt-PT" smtClean="0"/>
-              <a:t>01/04/2021</a:t>
+              <a:t>02/04/2021</a:t>
             </a:fld>
             <a:endParaRPr lang="pt-PT"/>
           </a:p>
@@ -833,7 +833,7 @@
           <a:p>
             <a:fld id="{4CD54A0B-2F9E-46D6-BE0F-7F2DFF6F30BC}" type="datetime1">
               <a:rPr lang="pt-PT" smtClean="0"/>
-              <a:t>01/04/2021</a:t>
+              <a:t>02/04/2021</a:t>
             </a:fld>
             <a:endParaRPr lang="pt-PT"/>
           </a:p>
@@ -1044,7 +1044,7 @@
           <a:p>
             <a:fld id="{99E9EC95-A535-49ED-AA24-62ACB904959B}" type="datetime1">
               <a:rPr lang="pt-PT" smtClean="0"/>
-              <a:t>01/04/2021</a:t>
+              <a:t>02/04/2021</a:t>
             </a:fld>
             <a:endParaRPr lang="pt-PT"/>
           </a:p>
@@ -1245,7 +1245,7 @@
           <a:p>
             <a:fld id="{87E2826B-8641-404B-9760-58C17C7AA257}" type="datetime1">
               <a:rPr lang="pt-PT" smtClean="0"/>
-              <a:t>01/04/2021</a:t>
+              <a:t>02/04/2021</a:t>
             </a:fld>
             <a:endParaRPr lang="pt-PT"/>
           </a:p>
@@ -1523,7 +1523,7 @@
           <a:p>
             <a:fld id="{FE63305B-164B-47C8-8048-DB67414B149F}" type="datetime1">
               <a:rPr lang="pt-PT" smtClean="0"/>
-              <a:t>01/04/2021</a:t>
+              <a:t>02/04/2021</a:t>
             </a:fld>
             <a:endParaRPr lang="pt-PT"/>
           </a:p>
@@ -1791,7 +1791,7 @@
           <a:p>
             <a:fld id="{FD8F2592-1E72-497A-8966-7C94BA0E3A19}" type="datetime1">
               <a:rPr lang="pt-PT" smtClean="0"/>
-              <a:t>01/04/2021</a:t>
+              <a:t>02/04/2021</a:t>
             </a:fld>
             <a:endParaRPr lang="pt-PT"/>
           </a:p>
@@ -2206,7 +2206,7 @@
           <a:p>
             <a:fld id="{0472EA26-C852-4C70-8377-91E6918AFB5F}" type="datetime1">
               <a:rPr lang="pt-PT" smtClean="0"/>
-              <a:t>01/04/2021</a:t>
+              <a:t>02/04/2021</a:t>
             </a:fld>
             <a:endParaRPr lang="pt-PT"/>
           </a:p>
@@ -2350,7 +2350,7 @@
           <a:p>
             <a:fld id="{582A8956-12F0-45F5-BDFA-AB0B6BF32141}" type="datetime1">
               <a:rPr lang="pt-PT" smtClean="0"/>
-              <a:t>01/04/2021</a:t>
+              <a:t>02/04/2021</a:t>
             </a:fld>
             <a:endParaRPr lang="pt-PT"/>
           </a:p>
@@ -2466,7 +2466,7 @@
           <a:p>
             <a:fld id="{A3176B22-385F-4253-A4E3-9A8BE943DD42}" type="datetime1">
               <a:rPr lang="pt-PT" smtClean="0"/>
-              <a:t>01/04/2021</a:t>
+              <a:t>02/04/2021</a:t>
             </a:fld>
             <a:endParaRPr lang="pt-PT"/>
           </a:p>
@@ -2780,7 +2780,7 @@
           <a:p>
             <a:fld id="{7A8746ED-0FF5-4D14-9251-CC2BD7AB4CC8}" type="datetime1">
               <a:rPr lang="pt-PT" smtClean="0"/>
-              <a:t>01/04/2021</a:t>
+              <a:t>02/04/2021</a:t>
             </a:fld>
             <a:endParaRPr lang="pt-PT"/>
           </a:p>
@@ -3071,7 +3071,7 @@
           <a:p>
             <a:fld id="{BB430B28-8ED8-4988-BF73-261503368F89}" type="datetime1">
               <a:rPr lang="pt-PT" smtClean="0"/>
-              <a:t>01/04/2021</a:t>
+              <a:t>02/04/2021</a:t>
             </a:fld>
             <a:endParaRPr lang="pt-PT"/>
           </a:p>
@@ -3315,7 +3315,7 @@
           <a:p>
             <a:fld id="{A8973630-2439-4966-A35D-CBA2E5259A9E}" type="datetime1">
               <a:rPr lang="pt-PT" smtClean="0"/>
-              <a:t>01/04/2021</a:t>
+              <a:t>02/04/2021</a:t>
             </a:fld>
             <a:endParaRPr lang="pt-PT"/>
           </a:p>
@@ -4384,8 +4384,8 @@
         </p:nvSpPr>
         <p:spPr>
           <a:xfrm>
-            <a:off x="713433" y="1526186"/>
-            <a:ext cx="10640367" cy="923330"/>
+            <a:off x="713433" y="1391712"/>
+            <a:ext cx="10640367" cy="4801314"/>
           </a:xfrm>
           <a:prstGeom prst="rect">
             <a:avLst/>
@@ -4398,38 +4398,149 @@
           </a:bodyPr>
           <a:lstStyle/>
           <a:p>
-            <a:r>
-              <a:rPr lang="pt-PT" dirty="0"/>
+            <a:pPr algn="just"/>
+            <a:r>
+              <a:rPr lang="pt-PT" sz="1700" dirty="0"/>
               <a:t>Com base nas tabelas dos </a:t>
             </a:r>
             <a:r>
-              <a:rPr lang="pt-PT" i="1" dirty="0"/>
+              <a:rPr lang="pt-PT" sz="1700" i="1" dirty="0"/>
               <a:t>slides </a:t>
             </a:r>
             <a:r>
-              <a:rPr lang="pt-PT" dirty="0"/>
+              <a:rPr lang="pt-PT" sz="1700" dirty="0"/>
               <a:t>anteriores, é possível concluir que:</a:t>
             </a:r>
           </a:p>
           <a:p>
-            <a:endParaRPr lang="pt-PT" dirty="0"/>
-          </a:p>
-          <a:p>
-            <a:pPr marL="285750" indent="-285750">
+            <a:pPr algn="just"/>
+            <a:endParaRPr lang="pt-PT" sz="1700" dirty="0"/>
+          </a:p>
+          <a:p>
+            <a:pPr marL="285750" indent="-285750" algn="just">
               <a:buFont typeface="Arial" panose="020B0604020202020204" pitchFamily="34" charset="0"/>
               <a:buChar char="•"/>
             </a:pPr>
             <a:r>
-              <a:rPr lang="pt-PT" dirty="0"/>
+              <a:rPr lang="pt-PT" sz="1700" dirty="0"/>
               <a:t>O tempo de processamento do algoritmo </a:t>
             </a:r>
             <a:r>
-              <a:rPr lang="pt-PT" dirty="0" err="1"/>
+              <a:rPr lang="pt-PT" sz="1700" dirty="0" err="1"/>
               <a:t>Minimax</a:t>
             </a:r>
             <a:r>
-              <a:rPr lang="pt-PT" dirty="0"/>
-              <a:t> é exponencial.</a:t>
+              <a:rPr lang="pt-PT" sz="1700" dirty="0"/>
+              <a:t> é exponencial relativamente à profundidade da árvore gerada e ao </a:t>
+            </a:r>
+            <a:r>
+              <a:rPr lang="pt-PT" sz="1700" i="1" dirty="0" err="1"/>
+              <a:t>branching</a:t>
+            </a:r>
+            <a:r>
+              <a:rPr lang="pt-PT" sz="1700" i="1" dirty="0"/>
+              <a:t> </a:t>
+            </a:r>
+            <a:r>
+              <a:rPr lang="pt-PT" sz="1700" i="1" dirty="0" err="1"/>
+              <a:t>factor</a:t>
+            </a:r>
+            <a:r>
+              <a:rPr lang="pt-PT" sz="1700" i="1" dirty="0"/>
+              <a:t> </a:t>
+            </a:r>
+            <a:r>
+              <a:rPr lang="pt-PT" sz="1700" dirty="0"/>
+              <a:t>associada à mesma, mesmo que sejam utilizados </a:t>
+            </a:r>
+            <a:r>
+              <a:rPr lang="pt-PT" sz="1700" i="1" dirty="0"/>
+              <a:t>cuts.</a:t>
+            </a:r>
+            <a:endParaRPr lang="pt-PT" sz="1700" dirty="0"/>
+          </a:p>
+          <a:p>
+            <a:pPr marL="742950" lvl="1" indent="-285750" algn="just">
+              <a:buFontTx/>
+              <a:buChar char="-"/>
+            </a:pPr>
+            <a:r>
+              <a:rPr lang="pt-PT" sz="1700" dirty="0"/>
+              <a:t>É notória a melhoria em termos de eficiência temporal bem como em número de nós processados através do uso de </a:t>
+            </a:r>
+            <a:r>
+              <a:rPr lang="pt-PT" sz="1700" i="1" dirty="0"/>
+              <a:t>cuts</a:t>
+            </a:r>
+            <a:r>
+              <a:rPr lang="pt-PT" sz="1700" dirty="0"/>
+              <a:t>, sendo que quanto maior a profundidade usada, melhor o desempenho destes. Por exemplo, para uma profundidade de 5, é possível verificar que houve melhorias de 14 para 2 segundos de processamento. Para além disso, a ordenação prévia dos nós por ordem decrescente de avaliação contribui para uma melhoria na eficiência do algoritmo.</a:t>
+            </a:r>
+          </a:p>
+          <a:p>
+            <a:pPr marL="742950" lvl="1" indent="-285750" algn="just">
+              <a:buFontTx/>
+              <a:buChar char="-"/>
+            </a:pPr>
+            <a:r>
+              <a:rPr lang="pt-PT" sz="1700" dirty="0"/>
+              <a:t>Contudo, o uso de </a:t>
+            </a:r>
+            <a:r>
+              <a:rPr lang="pt-PT" sz="1700" i="1" dirty="0"/>
+              <a:t>cuts </a:t>
+            </a:r>
+            <a:r>
+              <a:rPr lang="pt-PT" sz="1700" dirty="0"/>
+              <a:t>não revela grandes melhorias temporais para profundidades baixas, como é visível nos gráficos relativos a profundidade 2, apesar do número de nós processados ser ligeiramente menor.</a:t>
+            </a:r>
+          </a:p>
+          <a:p>
+            <a:pPr marL="285750" indent="-285750" algn="just">
+              <a:buFont typeface="Arial" panose="020B0604020202020204" pitchFamily="34" charset="0"/>
+              <a:buChar char="•"/>
+            </a:pPr>
+            <a:r>
+              <a:rPr lang="pt-PT" sz="1700" dirty="0"/>
+              <a:t>O uso de funções heurísticas mais complexas influencia o desempenho global do algoritmo.</a:t>
+            </a:r>
+          </a:p>
+          <a:p>
+            <a:pPr marL="742950" lvl="1" indent="-285750" algn="just">
+              <a:buFontTx/>
+              <a:buChar char="-"/>
+            </a:pPr>
+            <a:r>
+              <a:rPr lang="pt-PT" sz="1700" dirty="0"/>
+              <a:t>À semelhança dos </a:t>
+            </a:r>
+            <a:r>
+              <a:rPr lang="pt-PT" sz="1700" i="1" dirty="0"/>
+              <a:t>cuts</a:t>
+            </a:r>
+            <a:r>
+              <a:rPr lang="pt-PT" sz="1700" dirty="0"/>
+              <a:t>, a utilização de um função heurística complexa não prejudica o desempenho do algoritmo para profundidades baixas. </a:t>
+            </a:r>
+          </a:p>
+          <a:p>
+            <a:pPr marL="742950" lvl="1" indent="-285750" algn="just">
+              <a:buFontTx/>
+              <a:buChar char="-"/>
+            </a:pPr>
+            <a:r>
+              <a:rPr lang="pt-PT" sz="1700" dirty="0"/>
+              <a:t>Contudo, para profundidades mais elevadas, é notório que o desempenho do algoritmo se torna pior, chegando mesmo a duplicar o tempo de processamento de uma jogada bem como o número de nós processados.</a:t>
+            </a:r>
+          </a:p>
+          <a:p>
+            <a:pPr marL="285750" indent="-285750" algn="just">
+              <a:buFont typeface="Arial" panose="020B0604020202020204" pitchFamily="34" charset="0"/>
+              <a:buChar char="•"/>
+            </a:pPr>
+            <a:r>
+              <a:rPr lang="pt-PT" sz="1700" dirty="0"/>
+              <a:t>Sendo o jogo bastante simplista nota-se que profundidades baixas já são capazes de jogar o jogo bastante bem.</a:t>
             </a:r>
           </a:p>
         </p:txBody>
@@ -7420,7 +7531,7 @@
             <a:pPr algn="just"/>
             <a:r>
               <a:rPr lang="pt-PT" b="1" dirty="0"/>
-              <a:t>Função Heurística</a:t>
+              <a:t>Funções Heurísticas</a:t>
             </a:r>
           </a:p>
           <a:p>
@@ -7458,13 +7569,13 @@
           <p:nvPr>
             <p:extLst>
               <p:ext uri="{D42A27DB-BD31-4B8C-83A1-F6EECF244321}">
-                <p14:modId xmlns:p14="http://schemas.microsoft.com/office/powerpoint/2010/main" val="1464295579"/>
+                <p14:modId xmlns:p14="http://schemas.microsoft.com/office/powerpoint/2010/main" val="2315259227"/>
               </p:ext>
             </p:extLst>
           </p:nvPr>
         </p:nvGraphicFramePr>
         <p:xfrm>
-          <a:off x="731240" y="1109735"/>
+          <a:off x="731240" y="1011124"/>
           <a:ext cx="10729520" cy="1483360"/>
         </p:xfrm>
         <a:graphic>
@@ -7627,12 +7738,82 @@
           </a:graphicData>
         </a:graphic>
       </p:graphicFrame>
+      <p:sp>
+        <p:nvSpPr>
+          <p:cNvPr id="5" name="CaixaDeTexto 4">
+            <a:extLst>
+              <a:ext uri="{FF2B5EF4-FFF2-40B4-BE49-F238E27FC236}">
+                <a16:creationId xmlns:a16="http://schemas.microsoft.com/office/drawing/2014/main" id="{A3F179FD-6857-4199-AC10-31363B0680A5}"/>
+              </a:ext>
+            </a:extLst>
+          </p:cNvPr>
+          <p:cNvSpPr txBox="1"/>
+          <p:nvPr/>
+        </p:nvSpPr>
+        <p:spPr>
+          <a:xfrm>
+            <a:off x="731240" y="2773608"/>
+            <a:ext cx="5257183" cy="3293209"/>
+          </a:xfrm>
+          <a:prstGeom prst="rect">
+            <a:avLst/>
+          </a:prstGeom>
+          <a:noFill/>
+        </p:spPr>
+        <p:txBody>
+          <a:bodyPr wrap="square" rtlCol="0">
+            <a:spAutoFit/>
+          </a:bodyPr>
+          <a:lstStyle/>
+          <a:p>
+            <a:pPr algn="just"/>
+            <a:r>
+              <a:rPr lang="pt-PT" sz="1600" dirty="0"/>
+              <a:t>As duas últimas avaliações apenas são feitas caso não existam 3 peças da mesma cor em linha, dado que não faz sentido verificar estes casos para uma situação em que já existe um vencedor da partida.</a:t>
+            </a:r>
+          </a:p>
+          <a:p>
+            <a:pPr algn="just"/>
+            <a:endParaRPr lang="pt-PT" sz="1600" dirty="0"/>
+          </a:p>
+          <a:p>
+            <a:pPr algn="just"/>
+            <a:r>
+              <a:rPr lang="pt-PT" sz="1600" dirty="0"/>
+              <a:t>Existe a possibilidade de utilizar uma função heurística mais simples, que apenas tem em conta se uma </a:t>
+            </a:r>
+            <a:r>
+              <a:rPr lang="pt-PT" sz="1600" i="1" dirty="0" err="1"/>
+              <a:t>board</a:t>
+            </a:r>
+            <a:r>
+              <a:rPr lang="pt-PT" sz="1600" i="1" dirty="0"/>
+              <a:t> </a:t>
+            </a:r>
+            <a:r>
+              <a:rPr lang="pt-PT" sz="1600" dirty="0"/>
+              <a:t>tem 3 peças em linhas (ou não), ou uma função heurística mais complexa, que tem em conta os três parâmetros acima descritos.</a:t>
+            </a:r>
+          </a:p>
+          <a:p>
+            <a:pPr algn="just"/>
+            <a:endParaRPr lang="pt-PT" sz="1600" dirty="0"/>
+          </a:p>
+          <a:p>
+            <a:pPr algn="just"/>
+            <a:r>
+              <a:rPr lang="pt-PT" sz="1600" dirty="0"/>
+              <a:t>Para além disso, é também adicionada à avaliação da jogada um valor aleatório entre 0 e 5, de modo a poder diferenciar tabuleiros com a mesma avaliação.</a:t>
+            </a:r>
+          </a:p>
+        </p:txBody>
+      </p:sp>
       <p:pic>
         <p:nvPicPr>
-          <p:cNvPr id="4" name="Imagem 3">
+          <p:cNvPr id="9" name="Imagem 8">
             <a:extLst>
               <a:ext uri="{FF2B5EF4-FFF2-40B4-BE49-F238E27FC236}">
-                <a16:creationId xmlns:a16="http://schemas.microsoft.com/office/drawing/2014/main" id="{5A176397-7F4A-4E16-A5CE-269CA654F213}"/>
+                <a16:creationId xmlns:a16="http://schemas.microsoft.com/office/drawing/2014/main" id="{82F6FE8B-D9DF-4D4A-9522-9090930CE23C}"/>
               </a:ext>
             </a:extLst>
           </p:cNvPr>
@@ -7649,61 +7830,44 @@
         </p:blipFill>
         <p:spPr>
           <a:xfrm>
-            <a:off x="7968343" y="2846903"/>
-            <a:ext cx="3140725" cy="3286805"/>
+            <a:off x="8830356" y="2773608"/>
+            <a:ext cx="2630404" cy="3169666"/>
           </a:xfrm>
           <a:prstGeom prst="rect">
             <a:avLst/>
           </a:prstGeom>
         </p:spPr>
       </p:pic>
-      <p:sp>
-        <p:nvSpPr>
-          <p:cNvPr id="5" name="CaixaDeTexto 4">
+      <p:pic>
+        <p:nvPicPr>
+          <p:cNvPr id="11" name="Imagem 10">
             <a:extLst>
               <a:ext uri="{FF2B5EF4-FFF2-40B4-BE49-F238E27FC236}">
-                <a16:creationId xmlns:a16="http://schemas.microsoft.com/office/drawing/2014/main" id="{A3F179FD-6857-4199-AC10-31363B0680A5}"/>
+                <a16:creationId xmlns:a16="http://schemas.microsoft.com/office/drawing/2014/main" id="{9C2A8935-9ACD-422E-AD39-F11693853BD8}"/>
               </a:ext>
             </a:extLst>
           </p:cNvPr>
-          <p:cNvSpPr txBox="1"/>
+          <p:cNvPicPr>
+            <a:picLocks noChangeAspect="1"/>
+          </p:cNvPicPr>
           <p:nvPr/>
-        </p:nvSpPr>
+        </p:nvPicPr>
+        <p:blipFill>
+          <a:blip r:embed="rId3"/>
+          <a:stretch>
+            <a:fillRect/>
+          </a:stretch>
+        </p:blipFill>
         <p:spPr>
           <a:xfrm>
-            <a:off x="731240" y="3416440"/>
-            <a:ext cx="6925604" cy="2031325"/>
+            <a:off x="6203578" y="3345247"/>
+            <a:ext cx="2534554" cy="2026388"/>
           </a:xfrm>
           <a:prstGeom prst="rect">
             <a:avLst/>
           </a:prstGeom>
-          <a:noFill/>
         </p:spPr>
-        <p:txBody>
-          <a:bodyPr wrap="square" rtlCol="0">
-            <a:spAutoFit/>
-          </a:bodyPr>
-          <a:lstStyle/>
-          <a:p>
-            <a:pPr algn="just"/>
-            <a:r>
-              <a:rPr lang="pt-PT" dirty="0"/>
-              <a:t>As duas últimas avaliações apenas são feitas caso não existam 3 peças da mesma cor em linha, dado que não faz sentido verificar estes casos para uma situação em que já existe um vencedor da partida.</a:t>
-            </a:r>
-          </a:p>
-          <a:p>
-            <a:pPr algn="just"/>
-            <a:endParaRPr lang="pt-PT" dirty="0"/>
-          </a:p>
-          <a:p>
-            <a:pPr algn="just"/>
-            <a:r>
-              <a:rPr lang="pt-PT" dirty="0"/>
-              <a:t>Para além disso, é também adicionada à avaliação da jogada um valor aleatório entre 0 e 5, de modo a poder diferenciar tabuleiros com a mesma avaliação.</a:t>
-            </a:r>
-          </a:p>
-        </p:txBody>
-      </p:sp>
+      </p:pic>
     </p:spTree>
     <p:extLst>
       <p:ext uri="{BB962C8B-B14F-4D97-AF65-F5344CB8AC3E}">
@@ -8816,12 +8980,12 @@
               <a:buChar char="•"/>
             </a:pPr>
             <a:r>
-              <a:rPr lang="pt-PT" sz="1900" dirty="0" err="1">
+              <a:rPr lang="pt-PT" sz="1900" i="1" dirty="0" err="1">
                 <a:cs typeface="Arial" panose="020B0604020202020204" pitchFamily="34" charset="0"/>
               </a:rPr>
               <a:t>Minimax</a:t>
             </a:r>
-            <a:endParaRPr lang="pt-PT" sz="1900" dirty="0">
+            <a:endParaRPr lang="pt-PT" sz="1900" i="1" dirty="0">
               <a:cs typeface="Arial" panose="020B0604020202020204" pitchFamily="34" charset="0"/>
             </a:endParaRPr>
           </a:p>
@@ -8837,48 +9001,48 @@
               <a:buChar char="•"/>
             </a:pPr>
             <a:r>
-              <a:rPr lang="pt-PT" sz="1900" dirty="0" err="1">
+              <a:rPr lang="pt-PT" sz="1900" i="1" dirty="0" err="1">
                 <a:cs typeface="Arial" panose="020B0604020202020204" pitchFamily="34" charset="0"/>
               </a:rPr>
               <a:t>Minimax</a:t>
             </a:r>
             <a:r>
-              <a:rPr lang="pt-PT" sz="1900" dirty="0">
+              <a:rPr lang="pt-PT" sz="1900" i="1" dirty="0">
                 <a:cs typeface="Arial" panose="020B0604020202020204" pitchFamily="34" charset="0"/>
               </a:rPr>
               <a:t> </a:t>
             </a:r>
             <a:r>
-              <a:rPr lang="pt-PT" sz="1900" dirty="0" err="1">
+              <a:rPr lang="pt-PT" sz="1900" i="1" dirty="0" err="1">
                 <a:cs typeface="Arial" panose="020B0604020202020204" pitchFamily="34" charset="0"/>
               </a:rPr>
               <a:t>with</a:t>
             </a:r>
             <a:r>
-              <a:rPr lang="pt-PT" sz="1900" dirty="0">
+              <a:rPr lang="pt-PT" sz="1900" i="1" dirty="0">
                 <a:cs typeface="Arial" panose="020B0604020202020204" pitchFamily="34" charset="0"/>
               </a:rPr>
               <a:t> </a:t>
             </a:r>
             <a:r>
-              <a:rPr lang="pt-PT" sz="1900" dirty="0" err="1">
+              <a:rPr lang="pt-PT" sz="1900" i="1" dirty="0" err="1">
                 <a:cs typeface="Arial" panose="020B0604020202020204" pitchFamily="34" charset="0"/>
               </a:rPr>
               <a:t>alpha</a:t>
             </a:r>
             <a:r>
-              <a:rPr lang="pt-PT" sz="1900" dirty="0">
+              <a:rPr lang="pt-PT" sz="1900" i="1" dirty="0">
                 <a:cs typeface="Arial" panose="020B0604020202020204" pitchFamily="34" charset="0"/>
               </a:rPr>
               <a:t>/beta </a:t>
             </a:r>
             <a:r>
-              <a:rPr lang="pt-PT" sz="1900" dirty="0" err="1">
+              <a:rPr lang="pt-PT" sz="1900" i="1" dirty="0" err="1">
                 <a:cs typeface="Arial" panose="020B0604020202020204" pitchFamily="34" charset="0"/>
               </a:rPr>
               <a:t>pruning</a:t>
             </a:r>
-            <a:endParaRPr lang="pt-PT" sz="1900" dirty="0">
+            <a:endParaRPr lang="pt-PT" sz="1900" i="1" dirty="0">
               <a:cs typeface="Arial" panose="020B0604020202020204" pitchFamily="34" charset="0"/>
             </a:endParaRPr>
           </a:p>
@@ -8909,7 +9073,7 @@
         <p:spPr>
           <a:xfrm>
             <a:off x="713433" y="2481943"/>
-            <a:ext cx="10640367" cy="2031325"/>
+            <a:ext cx="10640367" cy="3970318"/>
           </a:xfrm>
           <a:prstGeom prst="rect">
             <a:avLst/>
@@ -8922,9 +9086,10 @@
           </a:bodyPr>
           <a:lstStyle/>
           <a:p>
+            <a:pPr algn="just"/>
             <a:r>
               <a:rPr lang="pt-PT" dirty="0"/>
-              <a:t>Estes dois algoritmos foram usados para profundidades de 1, 3 e 5, que correspondem às profundidades de cada um dos </a:t>
+              <a:t>Estes dois algoritmos foram usados para profundidades de 2, 4 e 5, que correspondem às profundidades de cada um dos </a:t>
             </a:r>
             <a:r>
               <a:rPr lang="pt-PT" i="1" dirty="0" err="1"/>
@@ -8968,13 +9133,35 @@
             </a:r>
           </a:p>
           <a:p>
+            <a:pPr algn="just"/>
             <a:endParaRPr lang="pt-PT" i="1" dirty="0"/>
           </a:p>
           <a:p>
+            <a:pPr algn="just"/>
             <a:r>
               <a:rPr lang="pt-PT" dirty="0"/>
-              <a:t>Nos slides seguintes estão representadas as estatísticas relativas a cada um dos algoritmos implementados. Para tal, foram efetuadas duas jogadas diferentes para cada profundidade, sendo que cada jogada foi repetida 3 vezes. Foram anotados os tempos de cada jogada, bem como o número de nós processados.</a:t>
-            </a:r>
+              <a:t>Nos slides seguintes estão representadas as estatísticas relativas a cada um dos algoritmos implementados. Para tal, foram efetuadas duas jogadas diferentes para cada profundidade, sendo que cada jogada foi repetida 3 vezes, de modo a obter dados mais fidedignos. Para além disso foram tidas em conta as duas funções heurísticas implementadas, para avaliar qual o grau de influência destas na eficiência temporal de cada jogada.</a:t>
+            </a:r>
+          </a:p>
+          <a:p>
+            <a:pPr algn="just"/>
+            <a:endParaRPr lang="pt-PT" dirty="0"/>
+          </a:p>
+          <a:p>
+            <a:pPr algn="just"/>
+            <a:r>
+              <a:rPr lang="pt-PT" dirty="0"/>
+              <a:t>Para além disso, encontram-se em Anexo os gráficos gerados, que servem como forma de melhorar a interpretação dos resultados obtidos e consequentes conclusões retiradas.</a:t>
+            </a:r>
+          </a:p>
+          <a:p>
+            <a:endParaRPr lang="pt-PT" dirty="0"/>
+          </a:p>
+          <a:p>
+            <a:endParaRPr lang="pt-PT" dirty="0"/>
+          </a:p>
+          <a:p>
+            <a:endParaRPr lang="pt-PT" dirty="0"/>
           </a:p>
         </p:txBody>
       </p:sp>
@@ -9347,14 +9534,14 @@
           <p:nvPr>
             <p:extLst>
               <p:ext uri="{D42A27DB-BD31-4B8C-83A1-F6EECF244321}">
-                <p14:modId xmlns:p14="http://schemas.microsoft.com/office/powerpoint/2010/main" val="2963432211"/>
+                <p14:modId xmlns:p14="http://schemas.microsoft.com/office/powerpoint/2010/main" val="2341349776"/>
               </p:ext>
             </p:extLst>
           </p:nvPr>
         </p:nvGraphicFramePr>
         <p:xfrm>
-          <a:off x="512464" y="226088"/>
-          <a:ext cx="10898484" cy="5870100"/>
+          <a:off x="391885" y="130998"/>
+          <a:ext cx="11364878" cy="6031200"/>
         </p:xfrm>
         <a:graphic>
           <a:graphicData uri="http://schemas.openxmlformats.org/drawingml/2006/table">
@@ -9363,51 +9550,79 @@
                 <a:tableStyleId>{5C22544A-7EE6-4342-B048-85BDC9FD1C3A}</a:tableStyleId>
               </a:tblPr>
               <a:tblGrid>
-                <a:gridCol w="1816414">
+                <a:gridCol w="1894147">
                   <a:extLst>
                     <a:ext uri="{9D8B030D-6E8A-4147-A177-3AD203B41FA5}">
                       <a16:colId xmlns:a16="http://schemas.microsoft.com/office/drawing/2014/main" val="3828459933"/>
                     </a:ext>
                   </a:extLst>
                 </a:gridCol>
-                <a:gridCol w="1816414">
+                <a:gridCol w="1894147">
                   <a:extLst>
                     <a:ext uri="{9D8B030D-6E8A-4147-A177-3AD203B41FA5}">
                       <a16:colId xmlns:a16="http://schemas.microsoft.com/office/drawing/2014/main" val="91787989"/>
                     </a:ext>
                   </a:extLst>
                 </a:gridCol>
-                <a:gridCol w="1816414">
+                <a:gridCol w="947073">
                   <a:extLst>
                     <a:ext uri="{9D8B030D-6E8A-4147-A177-3AD203B41FA5}">
                       <a16:colId xmlns:a16="http://schemas.microsoft.com/office/drawing/2014/main" val="1489870587"/>
                     </a:ext>
                   </a:extLst>
                 </a:gridCol>
-                <a:gridCol w="1816414">
+                <a:gridCol w="947073">
+                  <a:extLst>
+                    <a:ext uri="{9D8B030D-6E8A-4147-A177-3AD203B41FA5}">
+                      <a16:colId xmlns:a16="http://schemas.microsoft.com/office/drawing/2014/main" val="451205215"/>
+                    </a:ext>
+                  </a:extLst>
+                </a:gridCol>
+                <a:gridCol w="947073">
                   <a:extLst>
                     <a:ext uri="{9D8B030D-6E8A-4147-A177-3AD203B41FA5}">
                       <a16:colId xmlns:a16="http://schemas.microsoft.com/office/drawing/2014/main" val="620966299"/>
                     </a:ext>
                   </a:extLst>
                 </a:gridCol>
-                <a:gridCol w="1816414">
+                <a:gridCol w="947073">
+                  <a:extLst>
+                    <a:ext uri="{9D8B030D-6E8A-4147-A177-3AD203B41FA5}">
+                      <a16:colId xmlns:a16="http://schemas.microsoft.com/office/drawing/2014/main" val="3540561523"/>
+                    </a:ext>
+                  </a:extLst>
+                </a:gridCol>
+                <a:gridCol w="947073">
                   <a:extLst>
                     <a:ext uri="{9D8B030D-6E8A-4147-A177-3AD203B41FA5}">
                       <a16:colId xmlns:a16="http://schemas.microsoft.com/office/drawing/2014/main" val="2100544662"/>
                     </a:ext>
                   </a:extLst>
                 </a:gridCol>
-                <a:gridCol w="1816414">
+                <a:gridCol w="947073">
+                  <a:extLst>
+                    <a:ext uri="{9D8B030D-6E8A-4147-A177-3AD203B41FA5}">
+                      <a16:colId xmlns:a16="http://schemas.microsoft.com/office/drawing/2014/main" val="268779471"/>
+                    </a:ext>
+                  </a:extLst>
+                </a:gridCol>
+                <a:gridCol w="947073">
                   <a:extLst>
                     <a:ext uri="{9D8B030D-6E8A-4147-A177-3AD203B41FA5}">
                       <a16:colId xmlns:a16="http://schemas.microsoft.com/office/drawing/2014/main" val="3592477251"/>
                     </a:ext>
                   </a:extLst>
                 </a:gridCol>
+                <a:gridCol w="947073">
+                  <a:extLst>
+                    <a:ext uri="{9D8B030D-6E8A-4147-A177-3AD203B41FA5}">
+                      <a16:colId xmlns:a16="http://schemas.microsoft.com/office/drawing/2014/main" val="3904051723"/>
+                    </a:ext>
+                  </a:extLst>
+                </a:gridCol>
               </a:tblGrid>
-              <a:tr h="522681">
-                <a:tc>
+              <a:tr h="636364">
+                <a:tc rowSpan="2">
                   <a:txBody>
                     <a:bodyPr/>
                     <a:lstStyle/>
@@ -9421,7 +9636,7 @@
                   </a:txBody>
                   <a:tcPr anchor="ctr"/>
                 </a:tc>
-                <a:tc>
+                <a:tc rowSpan="2">
                   <a:txBody>
                     <a:bodyPr/>
                     <a:lstStyle/>
@@ -9435,7 +9650,7 @@
                   </a:txBody>
                   <a:tcPr anchor="ctr"/>
                 </a:tc>
-                <a:tc>
+                <a:tc gridSpan="2">
                   <a:txBody>
                     <a:bodyPr/>
                     <a:lstStyle/>
@@ -9449,7 +9664,17 @@
                   </a:txBody>
                   <a:tcPr anchor="ctr"/>
                 </a:tc>
-                <a:tc>
+                <a:tc hMerge="1">
+                  <a:txBody>
+                    <a:bodyPr/>
+                    <a:lstStyle/>
+                    <a:p>
+                      <a:endParaRPr lang="pt-PT"/>
+                    </a:p>
+                  </a:txBody>
+                  <a:tcPr/>
+                </a:tc>
+                <a:tc gridSpan="2">
                   <a:txBody>
                     <a:bodyPr/>
                     <a:lstStyle/>
@@ -9463,7 +9688,17 @@
                   </a:txBody>
                   <a:tcPr anchor="ctr"/>
                 </a:tc>
-                <a:tc>
+                <a:tc hMerge="1">
+                  <a:txBody>
+                    <a:bodyPr/>
+                    <a:lstStyle/>
+                    <a:p>
+                      <a:endParaRPr lang="pt-PT"/>
+                    </a:p>
+                  </a:txBody>
+                  <a:tcPr/>
+                </a:tc>
+                <a:tc gridSpan="2">
                   <a:txBody>
                     <a:bodyPr/>
                     <a:lstStyle/>
@@ -9477,7 +9712,17 @@
                   </a:txBody>
                   <a:tcPr anchor="ctr"/>
                 </a:tc>
-                <a:tc>
+                <a:tc hMerge="1">
+                  <a:txBody>
+                    <a:bodyPr/>
+                    <a:lstStyle/>
+                    <a:p>
+                      <a:endParaRPr lang="pt-PT"/>
+                    </a:p>
+                  </a:txBody>
+                  <a:tcPr/>
+                </a:tc>
+                <a:tc gridSpan="2">
                   <a:txBody>
                     <a:bodyPr/>
                     <a:lstStyle/>
@@ -9507,13 +9752,290 @@
                   </a:txBody>
                   <a:tcPr anchor="ctr"/>
                 </a:tc>
+                <a:tc hMerge="1">
+                  <a:txBody>
+                    <a:bodyPr/>
+                    <a:lstStyle/>
+                    <a:p>
+                      <a:endParaRPr lang="pt-PT"/>
+                    </a:p>
+                  </a:txBody>
+                  <a:tcPr/>
+                </a:tc>
                 <a:extLst>
                   <a:ext uri="{0D108BD9-81ED-4DB2-BD59-A6C34878D82A}">
                     <a16:rowId xmlns:a16="http://schemas.microsoft.com/office/drawing/2014/main" val="3234096587"/>
                   </a:ext>
                 </a:extLst>
               </a:tr>
-              <a:tr h="224006">
+              <a:tr h="363637">
+                <a:tc vMerge="1">
+                  <a:txBody>
+                    <a:bodyPr/>
+                    <a:lstStyle/>
+                    <a:p>
+                      <a:endParaRPr lang="pt-PT"/>
+                    </a:p>
+                  </a:txBody>
+                  <a:tcPr/>
+                </a:tc>
+                <a:tc vMerge="1">
+                  <a:txBody>
+                    <a:bodyPr/>
+                    <a:lstStyle/>
+                    <a:p>
+                      <a:endParaRPr lang="pt-PT"/>
+                    </a:p>
+                  </a:txBody>
+                  <a:tcPr/>
+                </a:tc>
+                <a:tc>
+                  <a:txBody>
+                    <a:bodyPr/>
+                    <a:lstStyle/>
+                    <a:p>
+                      <a:pPr algn="ctr"/>
+                      <a:r>
+                        <a:rPr lang="pt-PT" b="1" dirty="0" err="1">
+                          <a:solidFill>
+                            <a:schemeClr val="bg1"/>
+                          </a:solidFill>
+                        </a:rPr>
+                        <a:t>Heur</a:t>
+                      </a:r>
+                      <a:r>
+                        <a:rPr lang="pt-PT" b="1" dirty="0">
+                          <a:solidFill>
+                            <a:schemeClr val="bg1"/>
+                          </a:solidFill>
+                        </a:rPr>
+                        <a:t> 1</a:t>
+                      </a:r>
+                    </a:p>
+                  </a:txBody>
+                  <a:tcPr anchor="ctr">
+                    <a:solidFill>
+                      <a:schemeClr val="accent1"/>
+                    </a:solidFill>
+                  </a:tcPr>
+                </a:tc>
+                <a:tc>
+                  <a:txBody>
+                    <a:bodyPr/>
+                    <a:lstStyle/>
+                    <a:p>
+                      <a:pPr algn="ctr"/>
+                      <a:r>
+                        <a:rPr lang="pt-PT" b="1" dirty="0" err="1">
+                          <a:solidFill>
+                            <a:schemeClr val="bg1"/>
+                          </a:solidFill>
+                        </a:rPr>
+                        <a:t>Heur</a:t>
+                      </a:r>
+                      <a:r>
+                        <a:rPr lang="pt-PT" b="1" dirty="0">
+                          <a:solidFill>
+                            <a:schemeClr val="bg1"/>
+                          </a:solidFill>
+                        </a:rPr>
+                        <a:t> 2</a:t>
+                      </a:r>
+                    </a:p>
+                  </a:txBody>
+                  <a:tcPr anchor="ctr">
+                    <a:solidFill>
+                      <a:schemeClr val="accent1"/>
+                    </a:solidFill>
+                  </a:tcPr>
+                </a:tc>
+                <a:tc>
+                  <a:txBody>
+                    <a:bodyPr/>
+                    <a:lstStyle/>
+                    <a:p>
+                      <a:pPr algn="ctr"/>
+                      <a:r>
+                        <a:rPr lang="pt-PT" b="1" dirty="0" err="1">
+                          <a:solidFill>
+                            <a:schemeClr val="bg1"/>
+                          </a:solidFill>
+                        </a:rPr>
+                        <a:t>Heur</a:t>
+                      </a:r>
+                      <a:r>
+                        <a:rPr lang="pt-PT" b="1" dirty="0">
+                          <a:solidFill>
+                            <a:schemeClr val="bg1"/>
+                          </a:solidFill>
+                        </a:rPr>
+                        <a:t> 1</a:t>
+                      </a:r>
+                    </a:p>
+                  </a:txBody>
+                  <a:tcPr anchor="ctr">
+                    <a:solidFill>
+                      <a:schemeClr val="accent1"/>
+                    </a:solidFill>
+                  </a:tcPr>
+                </a:tc>
+                <a:tc>
+                  <a:txBody>
+                    <a:bodyPr/>
+                    <a:lstStyle/>
+                    <a:p>
+                      <a:pPr algn="ctr"/>
+                      <a:r>
+                        <a:rPr lang="pt-PT" b="1" dirty="0" err="1">
+                          <a:solidFill>
+                            <a:schemeClr val="bg1"/>
+                          </a:solidFill>
+                        </a:rPr>
+                        <a:t>Heur</a:t>
+                      </a:r>
+                      <a:r>
+                        <a:rPr lang="pt-PT" b="1" dirty="0">
+                          <a:solidFill>
+                            <a:schemeClr val="bg1"/>
+                          </a:solidFill>
+                        </a:rPr>
+                        <a:t> 2</a:t>
+                      </a:r>
+                    </a:p>
+                  </a:txBody>
+                  <a:tcPr anchor="ctr">
+                    <a:solidFill>
+                      <a:schemeClr val="accent1"/>
+                    </a:solidFill>
+                  </a:tcPr>
+                </a:tc>
+                <a:tc>
+                  <a:txBody>
+                    <a:bodyPr/>
+                    <a:lstStyle/>
+                    <a:p>
+                      <a:pPr algn="ctr"/>
+                      <a:r>
+                        <a:rPr lang="pt-PT" b="1" dirty="0" err="1">
+                          <a:solidFill>
+                            <a:schemeClr val="bg1"/>
+                          </a:solidFill>
+                        </a:rPr>
+                        <a:t>Heur</a:t>
+                      </a:r>
+                      <a:r>
+                        <a:rPr lang="pt-PT" b="1" dirty="0">
+                          <a:solidFill>
+                            <a:schemeClr val="bg1"/>
+                          </a:solidFill>
+                        </a:rPr>
+                        <a:t> 1</a:t>
+                      </a:r>
+                    </a:p>
+                  </a:txBody>
+                  <a:tcPr anchor="ctr">
+                    <a:solidFill>
+                      <a:schemeClr val="accent1"/>
+                    </a:solidFill>
+                  </a:tcPr>
+                </a:tc>
+                <a:tc>
+                  <a:txBody>
+                    <a:bodyPr/>
+                    <a:lstStyle/>
+                    <a:p>
+                      <a:pPr algn="ctr"/>
+                      <a:r>
+                        <a:rPr lang="pt-PT" b="1" dirty="0" err="1">
+                          <a:solidFill>
+                            <a:schemeClr val="bg1"/>
+                          </a:solidFill>
+                        </a:rPr>
+                        <a:t>Heur</a:t>
+                      </a:r>
+                      <a:r>
+                        <a:rPr lang="pt-PT" b="1" dirty="0">
+                          <a:solidFill>
+                            <a:schemeClr val="bg1"/>
+                          </a:solidFill>
+                        </a:rPr>
+                        <a:t> 2</a:t>
+                      </a:r>
+                    </a:p>
+                  </a:txBody>
+                  <a:tcPr anchor="ctr">
+                    <a:solidFill>
+                      <a:schemeClr val="accent1"/>
+                    </a:solidFill>
+                  </a:tcPr>
+                </a:tc>
+                <a:tc>
+                  <a:txBody>
+                    <a:bodyPr/>
+                    <a:lstStyle/>
+                    <a:p>
+                      <a:pPr algn="ctr"/>
+                      <a:r>
+                        <a:rPr lang="pt-PT" b="1" dirty="0" err="1">
+                          <a:solidFill>
+                            <a:schemeClr val="bg1"/>
+                          </a:solidFill>
+                        </a:rPr>
+                        <a:t>Heur</a:t>
+                      </a:r>
+                      <a:r>
+                        <a:rPr lang="pt-PT" b="1" dirty="0">
+                          <a:solidFill>
+                            <a:schemeClr val="bg1"/>
+                          </a:solidFill>
+                        </a:rPr>
+                        <a:t> 1</a:t>
+                      </a:r>
+                    </a:p>
+                  </a:txBody>
+                  <a:tcPr anchor="ctr">
+                    <a:solidFill>
+                      <a:schemeClr val="accent1"/>
+                    </a:solidFill>
+                  </a:tcPr>
+                </a:tc>
+                <a:tc>
+                  <a:txBody>
+                    <a:bodyPr/>
+                    <a:lstStyle/>
+                    <a:p>
+                      <a:pPr algn="ctr"/>
+                      <a:r>
+                        <a:rPr lang="pt-PT" b="1" dirty="0" err="1">
+                          <a:solidFill>
+                            <a:schemeClr val="bg1"/>
+                          </a:solidFill>
+                        </a:rPr>
+                        <a:t>Heur</a:t>
+                      </a:r>
+                      <a:r>
+                        <a:rPr lang="pt-PT" b="1" dirty="0">
+                          <a:solidFill>
+                            <a:schemeClr val="bg1"/>
+                          </a:solidFill>
+                        </a:rPr>
+                        <a:t> 2</a:t>
+                      </a:r>
+                    </a:p>
+                  </a:txBody>
+                  <a:tcPr anchor="ctr">
+                    <a:solidFill>
+                      <a:schemeClr val="accent1"/>
+                    </a:solidFill>
+                  </a:tcPr>
+                </a:tc>
+                <a:extLst>
+                  <a:ext uri="{0D108BD9-81ED-4DB2-BD59-A6C34878D82A}">
+                    <a16:rowId xmlns:a16="http://schemas.microsoft.com/office/drawing/2014/main" val="1665060865"/>
+                  </a:ext>
+                </a:extLst>
+              </a:tr>
+              <a:tr h="272728">
                 <a:tc rowSpan="18">
                   <a:txBody>
                     <a:bodyPr/>
@@ -9521,10 +10043,10 @@
                     <a:p>
                       <a:pPr algn="ctr"/>
                       <a:r>
-                        <a:rPr lang="pt-PT" sz="2800" dirty="0" err="1"/>
+                        <a:rPr lang="pt-PT" sz="2800" i="1" dirty="0" err="1"/>
                         <a:t>Minimax</a:t>
                       </a:r>
-                      <a:endParaRPr lang="pt-PT" sz="2000" dirty="0"/>
+                      <a:endParaRPr lang="pt-PT" sz="2000" i="1" dirty="0"/>
                     </a:p>
                   </a:txBody>
                   <a:tcPr anchor="ctr"/>
@@ -9537,7 +10059,21 @@
                       <a:pPr algn="ctr"/>
                       <a:r>
                         <a:rPr lang="pt-PT" sz="1800" dirty="0"/>
-                        <a:t>1</a:t>
+                        <a:t>2</a:t>
+                      </a:r>
+                    </a:p>
+                  </a:txBody>
+                  <a:tcPr anchor="ctr"/>
+                </a:tc>
+                <a:tc>
+                  <a:txBody>
+                    <a:bodyPr/>
+                    <a:lstStyle/>
+                    <a:p>
+                      <a:pPr algn="ctr"/>
+                      <a:r>
+                        <a:rPr lang="pt-PT" sz="1200" dirty="0"/>
+                        <a:t>264</a:t>
                       </a:r>
                     </a:p>
                   </a:txBody>
@@ -9581,6 +10117,36 @@
                       </a:pPr>
                       <a:r>
                         <a:rPr lang="pt-PT" sz="1200" dirty="0"/>
+                        <a:t>0.0268</a:t>
+                      </a:r>
+                    </a:p>
+                  </a:txBody>
+                  <a:tcPr anchor="ctr"/>
+                </a:tc>
+                <a:tc>
+                  <a:txBody>
+                    <a:bodyPr/>
+                    <a:lstStyle/>
+                    <a:p>
+                      <a:pPr marL="0" marR="0" lvl="0" indent="0" algn="ctr" defTabSz="914400" rtl="0" eaLnBrk="1" fontAlgn="auto" latinLnBrk="0" hangingPunct="1">
+                        <a:lnSpc>
+                          <a:spcPct val="100000"/>
+                        </a:lnSpc>
+                        <a:spcBef>
+                          <a:spcPts val="0"/>
+                        </a:spcBef>
+                        <a:spcAft>
+                          <a:spcPts val="0"/>
+                        </a:spcAft>
+                        <a:buClrTx/>
+                        <a:buSzTx/>
+                        <a:buFontTx/>
+                        <a:buNone/>
+                        <a:tabLst/>
+                        <a:defRPr/>
+                      </a:pPr>
+                      <a:r>
+                        <a:rPr lang="pt-PT" sz="1200" dirty="0"/>
                         <a:t>0.0204</a:t>
                       </a:r>
                     </a:p>
@@ -9594,7 +10160,37 @@
                     <a:p>
                       <a:pPr algn="ctr"/>
                       <a:r>
-                        <a:rPr lang="pt-PT" sz="1600" dirty="0"/>
+                        <a:rPr lang="pt-PT" sz="1200" dirty="0"/>
+                        <a:t>243.3</a:t>
+                      </a:r>
+                    </a:p>
+                  </a:txBody>
+                  <a:tcPr anchor="ctr"/>
+                </a:tc>
+                <a:tc rowSpan="3">
+                  <a:txBody>
+                    <a:bodyPr/>
+                    <a:lstStyle/>
+                    <a:p>
+                      <a:pPr marL="0" marR="0" lvl="0" indent="0" algn="ctr" defTabSz="914400" rtl="0" eaLnBrk="1" fontAlgn="auto" latinLnBrk="0" hangingPunct="1">
+                        <a:lnSpc>
+                          <a:spcPct val="100000"/>
+                        </a:lnSpc>
+                        <a:spcBef>
+                          <a:spcPts val="0"/>
+                        </a:spcBef>
+                        <a:spcAft>
+                          <a:spcPts val="0"/>
+                        </a:spcAft>
+                        <a:buClrTx/>
+                        <a:buSzTx/>
+                        <a:buFontTx/>
+                        <a:buNone/>
+                        <a:tabLst/>
+                        <a:defRPr/>
+                      </a:pPr>
+                      <a:r>
+                        <a:rPr lang="pt-PT" sz="1200" dirty="0"/>
                         <a:t>180</a:t>
                       </a:r>
                     </a:p>
@@ -9608,7 +10204,21 @@
                     <a:p>
                       <a:pPr algn="ctr"/>
                       <a:r>
-                        <a:rPr lang="pt-PT" sz="1600" dirty="0"/>
+                        <a:rPr lang="pt-PT" sz="1200" dirty="0"/>
+                        <a:t>0.2523</a:t>
+                      </a:r>
+                    </a:p>
+                  </a:txBody>
+                  <a:tcPr anchor="ctr"/>
+                </a:tc>
+                <a:tc rowSpan="3">
+                  <a:txBody>
+                    <a:bodyPr/>
+                    <a:lstStyle/>
+                    <a:p>
+                      <a:pPr algn="ctr"/>
+                      <a:r>
+                        <a:rPr lang="pt-PT" sz="1200" dirty="0"/>
                         <a:t>0.0207</a:t>
                       </a:r>
                     </a:p>
@@ -9621,26 +10231,40 @@
                   </a:ext>
                 </a:extLst>
               </a:tr>
-              <a:tr h="266523">
-                <a:tc vMerge="1">
-                  <a:txBody>
-                    <a:bodyPr/>
-                    <a:lstStyle/>
-                    <a:p>
-                      <a:endParaRPr lang="pt-PT"/>
-                    </a:p>
-                  </a:txBody>
-                  <a:tcPr/>
-                </a:tc>
-                <a:tc vMerge="1">
-                  <a:txBody>
-                    <a:bodyPr/>
-                    <a:lstStyle/>
-                    <a:p>
-                      <a:endParaRPr lang="pt-PT"/>
-                    </a:p>
-                  </a:txBody>
-                  <a:tcPr/>
+              <a:tr h="272728">
+                <a:tc vMerge="1">
+                  <a:txBody>
+                    <a:bodyPr/>
+                    <a:lstStyle/>
+                    <a:p>
+                      <a:endParaRPr lang="pt-PT"/>
+                    </a:p>
+                  </a:txBody>
+                  <a:tcPr/>
+                </a:tc>
+                <a:tc vMerge="1">
+                  <a:txBody>
+                    <a:bodyPr/>
+                    <a:lstStyle/>
+                    <a:p>
+                      <a:endParaRPr lang="pt-PT"/>
+                    </a:p>
+                  </a:txBody>
+                  <a:tcPr/>
+                </a:tc>
+                <a:tc>
+                  <a:txBody>
+                    <a:bodyPr/>
+                    <a:lstStyle/>
+                    <a:p>
+                      <a:pPr algn="ctr"/>
+                      <a:r>
+                        <a:rPr lang="pt-PT" sz="1200" dirty="0"/>
+                        <a:t>233</a:t>
+                      </a:r>
+                    </a:p>
+                  </a:txBody>
+                  <a:tcPr anchor="ctr"/>
                 </a:tc>
                 <a:tc>
                   <a:txBody>
@@ -9664,11 +10288,45 @@
                       <a:pPr algn="ctr"/>
                       <a:r>
                         <a:rPr lang="pt-PT" sz="1200" dirty="0"/>
+                        <a:t>0.0233</a:t>
+                      </a:r>
+                    </a:p>
+                  </a:txBody>
+                  <a:tcPr anchor="ctr"/>
+                </a:tc>
+                <a:tc>
+                  <a:txBody>
+                    <a:bodyPr/>
+                    <a:lstStyle/>
+                    <a:p>
+                      <a:pPr algn="ctr"/>
+                      <a:r>
+                        <a:rPr lang="pt-PT" sz="1200" dirty="0"/>
                         <a:t>0.0209</a:t>
                       </a:r>
                     </a:p>
                   </a:txBody>
                   <a:tcPr anchor="ctr"/>
+                </a:tc>
+                <a:tc vMerge="1">
+                  <a:txBody>
+                    <a:bodyPr/>
+                    <a:lstStyle/>
+                    <a:p>
+                      <a:endParaRPr lang="pt-PT"/>
+                    </a:p>
+                  </a:txBody>
+                  <a:tcPr/>
+                </a:tc>
+                <a:tc vMerge="1">
+                  <a:txBody>
+                    <a:bodyPr/>
+                    <a:lstStyle/>
+                    <a:p>
+                      <a:endParaRPr lang="pt-PT"/>
+                    </a:p>
+                  </a:txBody>
+                  <a:tcPr/>
                 </a:tc>
                 <a:tc vMerge="1">
                   <a:txBody>
@@ -9696,26 +10354,40 @@
                   </a:ext>
                 </a:extLst>
               </a:tr>
-              <a:tr h="0">
-                <a:tc vMerge="1">
-                  <a:txBody>
-                    <a:bodyPr/>
-                    <a:lstStyle/>
-                    <a:p>
-                      <a:endParaRPr lang="pt-PT"/>
-                    </a:p>
-                  </a:txBody>
-                  <a:tcPr/>
-                </a:tc>
-                <a:tc vMerge="1">
-                  <a:txBody>
-                    <a:bodyPr/>
-                    <a:lstStyle/>
-                    <a:p>
-                      <a:endParaRPr lang="pt-PT"/>
-                    </a:p>
-                  </a:txBody>
-                  <a:tcPr/>
+              <a:tr h="272728">
+                <a:tc vMerge="1">
+                  <a:txBody>
+                    <a:bodyPr/>
+                    <a:lstStyle/>
+                    <a:p>
+                      <a:endParaRPr lang="pt-PT"/>
+                    </a:p>
+                  </a:txBody>
+                  <a:tcPr/>
+                </a:tc>
+                <a:tc vMerge="1">
+                  <a:txBody>
+                    <a:bodyPr/>
+                    <a:lstStyle/>
+                    <a:p>
+                      <a:endParaRPr lang="pt-PT"/>
+                    </a:p>
+                  </a:txBody>
+                  <a:tcPr/>
+                </a:tc>
+                <a:tc>
+                  <a:txBody>
+                    <a:bodyPr/>
+                    <a:lstStyle/>
+                    <a:p>
+                      <a:pPr algn="ctr"/>
+                      <a:r>
+                        <a:rPr lang="pt-PT" sz="1200" dirty="0"/>
+                        <a:t>233</a:t>
+                      </a:r>
+                    </a:p>
+                  </a:txBody>
+                  <a:tcPr anchor="ctr"/>
                 </a:tc>
                 <a:tc>
                   <a:txBody>
@@ -9739,11 +10411,45 @@
                       <a:pPr algn="ctr"/>
                       <a:r>
                         <a:rPr lang="pt-PT" sz="1200" dirty="0"/>
+                        <a:t>0.0256</a:t>
+                      </a:r>
+                    </a:p>
+                  </a:txBody>
+                  <a:tcPr anchor="ctr"/>
+                </a:tc>
+                <a:tc>
+                  <a:txBody>
+                    <a:bodyPr/>
+                    <a:lstStyle/>
+                    <a:p>
+                      <a:pPr algn="ctr"/>
+                      <a:r>
+                        <a:rPr lang="pt-PT" sz="1200" dirty="0"/>
                         <a:t>0.0208</a:t>
                       </a:r>
                     </a:p>
                   </a:txBody>
                   <a:tcPr anchor="ctr"/>
+                </a:tc>
+                <a:tc vMerge="1">
+                  <a:txBody>
+                    <a:bodyPr/>
+                    <a:lstStyle/>
+                    <a:p>
+                      <a:endParaRPr lang="pt-PT"/>
+                    </a:p>
+                  </a:txBody>
+                  <a:tcPr/>
+                </a:tc>
+                <a:tc vMerge="1">
+                  <a:txBody>
+                    <a:bodyPr/>
+                    <a:lstStyle/>
+                    <a:p>
+                      <a:endParaRPr lang="pt-PT"/>
+                    </a:p>
+                  </a:txBody>
+                  <a:tcPr/>
                 </a:tc>
                 <a:tc vMerge="1">
                   <a:txBody>
@@ -9771,7 +10477,7 @@
                   </a:ext>
                 </a:extLst>
               </a:tr>
-              <a:tr h="224006">
+              <a:tr h="272728">
                 <a:tc vMerge="1">
                   <a:txBody>
                     <a:bodyPr/>
@@ -9814,6 +10520,34 @@
                       <a:pPr algn="ctr"/>
                       <a:r>
                         <a:rPr lang="pt-PT" sz="1200" dirty="0"/>
+                        <a:t>215</a:t>
+                      </a:r>
+                    </a:p>
+                  </a:txBody>
+                  <a:tcPr anchor="ctr"/>
+                </a:tc>
+                <a:tc>
+                  <a:txBody>
+                    <a:bodyPr/>
+                    <a:lstStyle/>
+                    <a:p>
+                      <a:pPr algn="ctr"/>
+                      <a:r>
+                        <a:rPr lang="pt-PT" sz="1200" dirty="0"/>
+                        <a:t>0.026</a:t>
+                      </a:r>
+                    </a:p>
+                  </a:txBody>
+                  <a:tcPr anchor="ctr"/>
+                </a:tc>
+                <a:tc>
+                  <a:txBody>
+                    <a:bodyPr/>
+                    <a:lstStyle/>
+                    <a:p>
+                      <a:pPr algn="ctr"/>
+                      <a:r>
+                        <a:rPr lang="pt-PT" sz="1200" dirty="0"/>
                         <a:t>0.0243</a:t>
                       </a:r>
                     </a:p>
@@ -9827,7 +10561,7 @@
                     <a:p>
                       <a:pPr algn="ctr"/>
                       <a:r>
-                        <a:rPr lang="pt-PT" sz="1600" dirty="0"/>
+                        <a:rPr lang="pt-PT" sz="1200" dirty="0"/>
                         <a:t>215</a:t>
                       </a:r>
                     </a:p>
@@ -9841,7 +10575,35 @@
                     <a:p>
                       <a:pPr algn="ctr"/>
                       <a:r>
-                        <a:rPr lang="pt-PT" sz="1600" dirty="0"/>
+                        <a:rPr lang="pt-PT" sz="1200" dirty="0"/>
+                        <a:t>215</a:t>
+                      </a:r>
+                    </a:p>
+                  </a:txBody>
+                  <a:tcPr anchor="ctr"/>
+                </a:tc>
+                <a:tc rowSpan="3">
+                  <a:txBody>
+                    <a:bodyPr/>
+                    <a:lstStyle/>
+                    <a:p>
+                      <a:pPr algn="ctr"/>
+                      <a:r>
+                        <a:rPr lang="pt-PT" sz="1200" dirty="0"/>
+                        <a:t>0.0257</a:t>
+                      </a:r>
+                    </a:p>
+                  </a:txBody>
+                  <a:tcPr anchor="ctr"/>
+                </a:tc>
+                <a:tc rowSpan="3">
+                  <a:txBody>
+                    <a:bodyPr/>
+                    <a:lstStyle/>
+                    <a:p>
+                      <a:pPr algn="ctr"/>
+                      <a:r>
+                        <a:rPr lang="pt-PT" sz="1200" dirty="0"/>
                         <a:t>0.0242</a:t>
                       </a:r>
                     </a:p>
@@ -9854,7 +10616,7 @@
                   </a:ext>
                 </a:extLst>
               </a:tr>
-              <a:tr h="224006">
+              <a:tr h="272728">
                 <a:tc vMerge="1">
                   <a:txBody>
                     <a:bodyPr/>
@@ -9897,11 +10659,59 @@
                       <a:pPr algn="ctr"/>
                       <a:r>
                         <a:rPr lang="pt-PT" sz="1200" dirty="0"/>
+                        <a:t>215</a:t>
+                      </a:r>
+                    </a:p>
+                  </a:txBody>
+                  <a:tcPr anchor="ctr"/>
+                </a:tc>
+                <a:tc>
+                  <a:txBody>
+                    <a:bodyPr/>
+                    <a:lstStyle/>
+                    <a:p>
+                      <a:pPr algn="ctr"/>
+                      <a:r>
+                        <a:rPr lang="pt-PT" sz="1200" dirty="0"/>
+                        <a:t>0.0289</a:t>
+                      </a:r>
+                    </a:p>
+                  </a:txBody>
+                  <a:tcPr anchor="ctr"/>
+                </a:tc>
+                <a:tc>
+                  <a:txBody>
+                    <a:bodyPr/>
+                    <a:lstStyle/>
+                    <a:p>
+                      <a:pPr algn="ctr"/>
+                      <a:r>
+                        <a:rPr lang="pt-PT" sz="1200" dirty="0"/>
                         <a:t>0.0243</a:t>
                       </a:r>
                     </a:p>
                   </a:txBody>
                   <a:tcPr anchor="ctr"/>
+                </a:tc>
+                <a:tc vMerge="1">
+                  <a:txBody>
+                    <a:bodyPr/>
+                    <a:lstStyle/>
+                    <a:p>
+                      <a:endParaRPr lang="pt-PT"/>
+                    </a:p>
+                  </a:txBody>
+                  <a:tcPr/>
+                </a:tc>
+                <a:tc vMerge="1">
+                  <a:txBody>
+                    <a:bodyPr/>
+                    <a:lstStyle/>
+                    <a:p>
+                      <a:endParaRPr lang="pt-PT"/>
+                    </a:p>
+                  </a:txBody>
+                  <a:tcPr/>
                 </a:tc>
                 <a:tc vMerge="1">
                   <a:txBody>
@@ -9929,7 +10739,7 @@
                   </a:ext>
                 </a:extLst>
               </a:tr>
-              <a:tr h="0">
+              <a:tr h="272728">
                 <a:tc vMerge="1">
                   <a:txBody>
                     <a:bodyPr/>
@@ -9972,11 +10782,59 @@
                       <a:pPr algn="ctr"/>
                       <a:r>
                         <a:rPr lang="pt-PT" sz="1200" dirty="0"/>
+                        <a:t>215</a:t>
+                      </a:r>
+                    </a:p>
+                  </a:txBody>
+                  <a:tcPr anchor="ctr"/>
+                </a:tc>
+                <a:tc>
+                  <a:txBody>
+                    <a:bodyPr/>
+                    <a:lstStyle/>
+                    <a:p>
+                      <a:pPr algn="ctr"/>
+                      <a:r>
+                        <a:rPr lang="pt-PT" sz="1200" dirty="0"/>
+                        <a:t>0.0222</a:t>
+                      </a:r>
+                    </a:p>
+                  </a:txBody>
+                  <a:tcPr anchor="ctr"/>
+                </a:tc>
+                <a:tc>
+                  <a:txBody>
+                    <a:bodyPr/>
+                    <a:lstStyle/>
+                    <a:p>
+                      <a:pPr algn="ctr"/>
+                      <a:r>
+                        <a:rPr lang="pt-PT" sz="1200" dirty="0"/>
                         <a:t>0.0240</a:t>
                       </a:r>
                     </a:p>
                   </a:txBody>
                   <a:tcPr anchor="ctr"/>
+                </a:tc>
+                <a:tc vMerge="1">
+                  <a:txBody>
+                    <a:bodyPr/>
+                    <a:lstStyle/>
+                    <a:p>
+                      <a:endParaRPr lang="pt-PT"/>
+                    </a:p>
+                  </a:txBody>
+                  <a:tcPr/>
+                </a:tc>
+                <a:tc vMerge="1">
+                  <a:txBody>
+                    <a:bodyPr/>
+                    <a:lstStyle/>
+                    <a:p>
+                      <a:endParaRPr lang="pt-PT"/>
+                    </a:p>
+                  </a:txBody>
+                  <a:tcPr/>
                 </a:tc>
                 <a:tc vMerge="1">
                   <a:txBody>
@@ -10004,7 +10862,7 @@
                   </a:ext>
                 </a:extLst>
               </a:tr>
-              <a:tr h="298675">
+              <a:tr h="281620">
                 <a:tc vMerge="1">
                   <a:txBody>
                     <a:bodyPr/>
@@ -10023,7 +10881,21 @@
                       <a:pPr algn="ctr"/>
                       <a:r>
                         <a:rPr lang="pt-PT" sz="2000" dirty="0"/>
-                        <a:t>3</a:t>
+                        <a:t>4</a:t>
+                      </a:r>
+                    </a:p>
+                  </a:txBody>
+                  <a:tcPr anchor="ctr"/>
+                </a:tc>
+                <a:tc>
+                  <a:txBody>
+                    <a:bodyPr/>
+                    <a:lstStyle/>
+                    <a:p>
+                      <a:pPr algn="ctr"/>
+                      <a:r>
+                        <a:rPr lang="pt-PT" sz="1200" dirty="0"/>
+                        <a:t>3593</a:t>
                       </a:r>
                     </a:p>
                   </a:txBody>
@@ -10051,6 +10923,20 @@
                       <a:pPr algn="ctr"/>
                       <a:r>
                         <a:rPr lang="pt-PT" sz="1200" dirty="0"/>
+                        <a:t>0.9462</a:t>
+                      </a:r>
+                    </a:p>
+                  </a:txBody>
+                  <a:tcPr anchor="ctr"/>
+                </a:tc>
+                <a:tc>
+                  <a:txBody>
+                    <a:bodyPr/>
+                    <a:lstStyle/>
+                    <a:p>
+                      <a:pPr algn="ctr"/>
+                      <a:r>
+                        <a:rPr lang="pt-PT" sz="1200" dirty="0"/>
                         <a:t>1.1318</a:t>
                       </a:r>
                     </a:p>
@@ -10064,8 +10950,8 @@
                     <a:p>
                       <a:pPr algn="ctr"/>
                       <a:r>
-                        <a:rPr lang="pt-PT" sz="1600" dirty="0"/>
-                        <a:t>5499.667</a:t>
+                        <a:rPr lang="pt-PT" sz="1200" dirty="0"/>
+                        <a:t>3638</a:t>
                       </a:r>
                     </a:p>
                   </a:txBody>
@@ -10078,7 +10964,35 @@
                     <a:p>
                       <a:pPr algn="ctr"/>
                       <a:r>
-                        <a:rPr lang="pt-PT" sz="1600" dirty="0"/>
+                        <a:rPr lang="pt-PT" sz="1200" dirty="0"/>
+                        <a:t>5499.7</a:t>
+                      </a:r>
+                    </a:p>
+                  </a:txBody>
+                  <a:tcPr anchor="ctr"/>
+                </a:tc>
+                <a:tc rowSpan="3">
+                  <a:txBody>
+                    <a:bodyPr/>
+                    <a:lstStyle/>
+                    <a:p>
+                      <a:pPr algn="ctr"/>
+                      <a:r>
+                        <a:rPr lang="pt-PT" sz="1200" dirty="0"/>
+                        <a:t>0.8353</a:t>
+                      </a:r>
+                    </a:p>
+                  </a:txBody>
+                  <a:tcPr anchor="ctr"/>
+                </a:tc>
+                <a:tc rowSpan="3">
+                  <a:txBody>
+                    <a:bodyPr/>
+                    <a:lstStyle/>
+                    <a:p>
+                      <a:pPr algn="ctr"/>
+                      <a:r>
+                        <a:rPr lang="pt-PT" sz="1200" dirty="0"/>
                         <a:t>1.1574</a:t>
                       </a:r>
                     </a:p>
@@ -10091,26 +11005,40 @@
                   </a:ext>
                 </a:extLst>
               </a:tr>
-              <a:tr h="298675">
-                <a:tc vMerge="1">
-                  <a:txBody>
-                    <a:bodyPr/>
-                    <a:lstStyle/>
-                    <a:p>
-                      <a:endParaRPr lang="pt-PT"/>
-                    </a:p>
-                  </a:txBody>
-                  <a:tcPr/>
-                </a:tc>
-                <a:tc vMerge="1">
-                  <a:txBody>
-                    <a:bodyPr/>
-                    <a:lstStyle/>
-                    <a:p>
-                      <a:endParaRPr lang="pt-PT"/>
-                    </a:p>
-                  </a:txBody>
-                  <a:tcPr/>
+              <a:tr h="281620">
+                <a:tc vMerge="1">
+                  <a:txBody>
+                    <a:bodyPr/>
+                    <a:lstStyle/>
+                    <a:p>
+                      <a:endParaRPr lang="pt-PT"/>
+                    </a:p>
+                  </a:txBody>
+                  <a:tcPr/>
+                </a:tc>
+                <a:tc vMerge="1">
+                  <a:txBody>
+                    <a:bodyPr/>
+                    <a:lstStyle/>
+                    <a:p>
+                      <a:endParaRPr lang="pt-PT"/>
+                    </a:p>
+                  </a:txBody>
+                  <a:tcPr/>
+                </a:tc>
+                <a:tc>
+                  <a:txBody>
+                    <a:bodyPr/>
+                    <a:lstStyle/>
+                    <a:p>
+                      <a:pPr algn="ctr"/>
+                      <a:r>
+                        <a:rPr lang="pt-PT" sz="1200" dirty="0"/>
+                        <a:t>3604</a:t>
+                      </a:r>
+                    </a:p>
+                  </a:txBody>
+                  <a:tcPr anchor="ctr"/>
                 </a:tc>
                 <a:tc>
                   <a:txBody>
@@ -10134,11 +11062,45 @@
                       <a:pPr algn="ctr"/>
                       <a:r>
                         <a:rPr lang="pt-PT" sz="1200" dirty="0"/>
+                        <a:t>0.7538</a:t>
+                      </a:r>
+                    </a:p>
+                  </a:txBody>
+                  <a:tcPr anchor="ctr"/>
+                </a:tc>
+                <a:tc>
+                  <a:txBody>
+                    <a:bodyPr/>
+                    <a:lstStyle/>
+                    <a:p>
+                      <a:pPr algn="ctr"/>
+                      <a:r>
+                        <a:rPr lang="pt-PT" sz="1200" dirty="0"/>
                         <a:t>1.2414</a:t>
                       </a:r>
                     </a:p>
                   </a:txBody>
                   <a:tcPr anchor="ctr"/>
+                </a:tc>
+                <a:tc vMerge="1">
+                  <a:txBody>
+                    <a:bodyPr/>
+                    <a:lstStyle/>
+                    <a:p>
+                      <a:endParaRPr lang="pt-PT"/>
+                    </a:p>
+                  </a:txBody>
+                  <a:tcPr/>
+                </a:tc>
+                <a:tc vMerge="1">
+                  <a:txBody>
+                    <a:bodyPr/>
+                    <a:lstStyle/>
+                    <a:p>
+                      <a:endParaRPr lang="pt-PT"/>
+                    </a:p>
+                  </a:txBody>
+                  <a:tcPr/>
                 </a:tc>
                 <a:tc vMerge="1">
                   <a:txBody>
@@ -10166,26 +11128,40 @@
                   </a:ext>
                 </a:extLst>
               </a:tr>
-              <a:tr h="298675">
-                <a:tc vMerge="1">
-                  <a:txBody>
-                    <a:bodyPr/>
-                    <a:lstStyle/>
-                    <a:p>
-                      <a:endParaRPr lang="pt-PT"/>
-                    </a:p>
-                  </a:txBody>
-                  <a:tcPr/>
-                </a:tc>
-                <a:tc vMerge="1">
-                  <a:txBody>
-                    <a:bodyPr/>
-                    <a:lstStyle/>
-                    <a:p>
-                      <a:endParaRPr lang="pt-PT"/>
-                    </a:p>
-                  </a:txBody>
-                  <a:tcPr/>
+              <a:tr h="281620">
+                <a:tc vMerge="1">
+                  <a:txBody>
+                    <a:bodyPr/>
+                    <a:lstStyle/>
+                    <a:p>
+                      <a:endParaRPr lang="pt-PT"/>
+                    </a:p>
+                  </a:txBody>
+                  <a:tcPr/>
+                </a:tc>
+                <a:tc vMerge="1">
+                  <a:txBody>
+                    <a:bodyPr/>
+                    <a:lstStyle/>
+                    <a:p>
+                      <a:endParaRPr lang="pt-PT"/>
+                    </a:p>
+                  </a:txBody>
+                  <a:tcPr/>
+                </a:tc>
+                <a:tc>
+                  <a:txBody>
+                    <a:bodyPr/>
+                    <a:lstStyle/>
+                    <a:p>
+                      <a:pPr algn="ctr"/>
+                      <a:r>
+                        <a:rPr lang="pt-PT" sz="1200" dirty="0"/>
+                        <a:t>3717</a:t>
+                      </a:r>
+                    </a:p>
+                  </a:txBody>
+                  <a:tcPr anchor="ctr"/>
                 </a:tc>
                 <a:tc>
                   <a:txBody>
@@ -10209,11 +11185,45 @@
                       <a:pPr algn="ctr"/>
                       <a:r>
                         <a:rPr lang="pt-PT" sz="1200" dirty="0"/>
+                        <a:t>0.8058</a:t>
+                      </a:r>
+                    </a:p>
+                  </a:txBody>
+                  <a:tcPr anchor="ctr"/>
+                </a:tc>
+                <a:tc>
+                  <a:txBody>
+                    <a:bodyPr/>
+                    <a:lstStyle/>
+                    <a:p>
+                      <a:pPr algn="ctr"/>
+                      <a:r>
+                        <a:rPr lang="pt-PT" sz="1200" dirty="0"/>
                         <a:t>1.0991</a:t>
                       </a:r>
                     </a:p>
                   </a:txBody>
                   <a:tcPr anchor="ctr"/>
+                </a:tc>
+                <a:tc vMerge="1">
+                  <a:txBody>
+                    <a:bodyPr/>
+                    <a:lstStyle/>
+                    <a:p>
+                      <a:endParaRPr lang="pt-PT"/>
+                    </a:p>
+                  </a:txBody>
+                  <a:tcPr/>
+                </a:tc>
+                <a:tc vMerge="1">
+                  <a:txBody>
+                    <a:bodyPr/>
+                    <a:lstStyle/>
+                    <a:p>
+                      <a:endParaRPr lang="pt-PT"/>
+                    </a:p>
+                  </a:txBody>
+                  <a:tcPr/>
                 </a:tc>
                 <a:tc vMerge="1">
                   <a:txBody>
@@ -10241,26 +11251,40 @@
                   </a:ext>
                 </a:extLst>
               </a:tr>
-              <a:tr h="298675">
-                <a:tc vMerge="1">
-                  <a:txBody>
-                    <a:bodyPr/>
-                    <a:lstStyle/>
-                    <a:p>
-                      <a:endParaRPr lang="pt-PT"/>
-                    </a:p>
-                  </a:txBody>
-                  <a:tcPr/>
-                </a:tc>
-                <a:tc vMerge="1">
-                  <a:txBody>
-                    <a:bodyPr/>
-                    <a:lstStyle/>
-                    <a:p>
-                      <a:endParaRPr lang="pt-PT"/>
-                    </a:p>
-                  </a:txBody>
-                  <a:tcPr/>
+              <a:tr h="281620">
+                <a:tc vMerge="1">
+                  <a:txBody>
+                    <a:bodyPr/>
+                    <a:lstStyle/>
+                    <a:p>
+                      <a:endParaRPr lang="pt-PT"/>
+                    </a:p>
+                  </a:txBody>
+                  <a:tcPr/>
+                </a:tc>
+                <a:tc vMerge="1">
+                  <a:txBody>
+                    <a:bodyPr/>
+                    <a:lstStyle/>
+                    <a:p>
+                      <a:endParaRPr lang="pt-PT"/>
+                    </a:p>
+                  </a:txBody>
+                  <a:tcPr/>
+                </a:tc>
+                <a:tc>
+                  <a:txBody>
+                    <a:bodyPr/>
+                    <a:lstStyle/>
+                    <a:p>
+                      <a:pPr algn="ctr"/>
+                      <a:r>
+                        <a:rPr lang="pt-PT" sz="1200" dirty="0"/>
+                        <a:t>6800</a:t>
+                      </a:r>
+                    </a:p>
+                  </a:txBody>
+                  <a:tcPr anchor="ctr"/>
                 </a:tc>
                 <a:tc>
                   <a:txBody>
@@ -10284,6 +11308,20 @@
                       <a:pPr algn="ctr"/>
                       <a:r>
                         <a:rPr lang="pt-PT" sz="1200" dirty="0"/>
+                        <a:t>1.6814</a:t>
+                      </a:r>
+                    </a:p>
+                  </a:txBody>
+                  <a:tcPr anchor="ctr"/>
+                </a:tc>
+                <a:tc>
+                  <a:txBody>
+                    <a:bodyPr/>
+                    <a:lstStyle/>
+                    <a:p>
+                      <a:pPr algn="ctr"/>
+                      <a:r>
+                        <a:rPr lang="pt-PT" sz="1200" dirty="0"/>
                         <a:t>2.4559</a:t>
                       </a:r>
                     </a:p>
@@ -10297,7 +11335,21 @@
                     <a:p>
                       <a:pPr algn="ctr"/>
                       <a:r>
-                        <a:rPr lang="pt-PT" sz="1600" dirty="0"/>
+                        <a:rPr lang="pt-PT" sz="1200" dirty="0"/>
+                        <a:t>5842</a:t>
+                      </a:r>
+                    </a:p>
+                  </a:txBody>
+                  <a:tcPr anchor="ctr"/>
+                </a:tc>
+                <a:tc rowSpan="3">
+                  <a:txBody>
+                    <a:bodyPr/>
+                    <a:lstStyle/>
+                    <a:p>
+                      <a:pPr algn="ctr"/>
+                      <a:r>
+                        <a:rPr lang="pt-PT" sz="1200" dirty="0"/>
                         <a:t>10370</a:t>
                       </a:r>
                     </a:p>
@@ -10311,7 +11363,21 @@
                     <a:p>
                       <a:pPr algn="ctr"/>
                       <a:r>
-                        <a:rPr lang="pt-PT" sz="1600" dirty="0"/>
+                        <a:rPr lang="pt-PT" sz="1200" dirty="0"/>
+                        <a:t>1.4137</a:t>
+                      </a:r>
+                    </a:p>
+                  </a:txBody>
+                  <a:tcPr anchor="ctr"/>
+                </a:tc>
+                <a:tc rowSpan="3">
+                  <a:txBody>
+                    <a:bodyPr/>
+                    <a:lstStyle/>
+                    <a:p>
+                      <a:pPr algn="ctr"/>
+                      <a:r>
+                        <a:rPr lang="pt-PT" sz="1200" dirty="0"/>
                         <a:t>2.5021</a:t>
                       </a:r>
                     </a:p>
@@ -10324,26 +11390,40 @@
                   </a:ext>
                 </a:extLst>
               </a:tr>
-              <a:tr h="298675">
-                <a:tc vMerge="1">
-                  <a:txBody>
-                    <a:bodyPr/>
-                    <a:lstStyle/>
-                    <a:p>
-                      <a:endParaRPr lang="pt-PT"/>
-                    </a:p>
-                  </a:txBody>
-                  <a:tcPr/>
-                </a:tc>
-                <a:tc vMerge="1">
-                  <a:txBody>
-                    <a:bodyPr/>
-                    <a:lstStyle/>
-                    <a:p>
-                      <a:endParaRPr lang="pt-PT"/>
-                    </a:p>
-                  </a:txBody>
-                  <a:tcPr/>
+              <a:tr h="281620">
+                <a:tc vMerge="1">
+                  <a:txBody>
+                    <a:bodyPr/>
+                    <a:lstStyle/>
+                    <a:p>
+                      <a:endParaRPr lang="pt-PT"/>
+                    </a:p>
+                  </a:txBody>
+                  <a:tcPr/>
+                </a:tc>
+                <a:tc vMerge="1">
+                  <a:txBody>
+                    <a:bodyPr/>
+                    <a:lstStyle/>
+                    <a:p>
+                      <a:endParaRPr lang="pt-PT"/>
+                    </a:p>
+                  </a:txBody>
+                  <a:tcPr/>
+                </a:tc>
+                <a:tc>
+                  <a:txBody>
+                    <a:bodyPr/>
+                    <a:lstStyle/>
+                    <a:p>
+                      <a:pPr algn="ctr"/>
+                      <a:r>
+                        <a:rPr lang="pt-PT" sz="1200" dirty="0"/>
+                        <a:t>5260</a:t>
+                      </a:r>
+                    </a:p>
+                  </a:txBody>
+                  <a:tcPr anchor="ctr"/>
                 </a:tc>
                 <a:tc>
                   <a:txBody>
@@ -10367,11 +11447,45 @@
                       <a:pPr algn="ctr"/>
                       <a:r>
                         <a:rPr lang="pt-PT" sz="1200" dirty="0"/>
+                        <a:t>1.2756</a:t>
+                      </a:r>
+                    </a:p>
+                  </a:txBody>
+                  <a:tcPr anchor="ctr"/>
+                </a:tc>
+                <a:tc>
+                  <a:txBody>
+                    <a:bodyPr/>
+                    <a:lstStyle/>
+                    <a:p>
+                      <a:pPr algn="ctr"/>
+                      <a:r>
+                        <a:rPr lang="pt-PT" sz="1200" dirty="0"/>
                         <a:t>2.5968</a:t>
                       </a:r>
                     </a:p>
                   </a:txBody>
                   <a:tcPr anchor="ctr"/>
+                </a:tc>
+                <a:tc vMerge="1">
+                  <a:txBody>
+                    <a:bodyPr/>
+                    <a:lstStyle/>
+                    <a:p>
+                      <a:endParaRPr lang="pt-PT"/>
+                    </a:p>
+                  </a:txBody>
+                  <a:tcPr/>
+                </a:tc>
+                <a:tc vMerge="1">
+                  <a:txBody>
+                    <a:bodyPr/>
+                    <a:lstStyle/>
+                    <a:p>
+                      <a:endParaRPr lang="pt-PT"/>
+                    </a:p>
+                  </a:txBody>
+                  <a:tcPr/>
                 </a:tc>
                 <a:tc vMerge="1">
                   <a:txBody>
@@ -10399,26 +11513,40 @@
                   </a:ext>
                 </a:extLst>
               </a:tr>
-              <a:tr h="298675">
-                <a:tc vMerge="1">
-                  <a:txBody>
-                    <a:bodyPr/>
-                    <a:lstStyle/>
-                    <a:p>
-                      <a:endParaRPr lang="pt-PT"/>
-                    </a:p>
-                  </a:txBody>
-                  <a:tcPr/>
-                </a:tc>
-                <a:tc vMerge="1">
-                  <a:txBody>
-                    <a:bodyPr/>
-                    <a:lstStyle/>
-                    <a:p>
-                      <a:endParaRPr lang="pt-PT"/>
-                    </a:p>
-                  </a:txBody>
-                  <a:tcPr/>
+              <a:tr h="281620">
+                <a:tc vMerge="1">
+                  <a:txBody>
+                    <a:bodyPr/>
+                    <a:lstStyle/>
+                    <a:p>
+                      <a:endParaRPr lang="pt-PT"/>
+                    </a:p>
+                  </a:txBody>
+                  <a:tcPr/>
+                </a:tc>
+                <a:tc vMerge="1">
+                  <a:txBody>
+                    <a:bodyPr/>
+                    <a:lstStyle/>
+                    <a:p>
+                      <a:endParaRPr lang="pt-PT"/>
+                    </a:p>
+                  </a:txBody>
+                  <a:tcPr/>
+                </a:tc>
+                <a:tc>
+                  <a:txBody>
+                    <a:bodyPr/>
+                    <a:lstStyle/>
+                    <a:p>
+                      <a:pPr algn="ctr"/>
+                      <a:r>
+                        <a:rPr lang="pt-PT" sz="1200" dirty="0"/>
+                        <a:t>5466</a:t>
+                      </a:r>
+                    </a:p>
+                  </a:txBody>
+                  <a:tcPr anchor="ctr"/>
                 </a:tc>
                 <a:tc>
                   <a:txBody>
@@ -10442,11 +11570,45 @@
                       <a:pPr algn="ctr"/>
                       <a:r>
                         <a:rPr lang="pt-PT" sz="1200" dirty="0"/>
+                        <a:t>1.284</a:t>
+                      </a:r>
+                    </a:p>
+                  </a:txBody>
+                  <a:tcPr anchor="ctr"/>
+                </a:tc>
+                <a:tc>
+                  <a:txBody>
+                    <a:bodyPr/>
+                    <a:lstStyle/>
+                    <a:p>
+                      <a:pPr algn="ctr"/>
+                      <a:r>
+                        <a:rPr lang="pt-PT" sz="1200" dirty="0"/>
                         <a:t>2.4536</a:t>
                       </a:r>
                     </a:p>
                   </a:txBody>
                   <a:tcPr anchor="ctr"/>
+                </a:tc>
+                <a:tc vMerge="1">
+                  <a:txBody>
+                    <a:bodyPr/>
+                    <a:lstStyle/>
+                    <a:p>
+                      <a:endParaRPr lang="pt-PT"/>
+                    </a:p>
+                  </a:txBody>
+                  <a:tcPr/>
+                </a:tc>
+                <a:tc vMerge="1">
+                  <a:txBody>
+                    <a:bodyPr/>
+                    <a:lstStyle/>
+                    <a:p>
+                      <a:endParaRPr lang="pt-PT"/>
+                    </a:p>
+                  </a:txBody>
+                  <a:tcPr/>
                 </a:tc>
                 <a:tc vMerge="1">
                   <a:txBody>
@@ -10474,7 +11636,7 @@
                   </a:ext>
                 </a:extLst>
               </a:tr>
-              <a:tr h="298675">
+              <a:tr h="281620">
                 <a:tc vMerge="1">
                   <a:txBody>
                     <a:bodyPr/>
@@ -10507,6 +11669,20 @@
                       <a:pPr algn="ctr"/>
                       <a:r>
                         <a:rPr lang="pt-PT" sz="1200" dirty="0"/>
+                        <a:t>11749</a:t>
+                      </a:r>
+                    </a:p>
+                  </a:txBody>
+                  <a:tcPr anchor="ctr"/>
+                </a:tc>
+                <a:tc>
+                  <a:txBody>
+                    <a:bodyPr/>
+                    <a:lstStyle/>
+                    <a:p>
+                      <a:pPr algn="ctr"/>
+                      <a:r>
+                        <a:rPr lang="pt-PT" sz="1200" dirty="0"/>
                         <a:t>18812</a:t>
                       </a:r>
                     </a:p>
@@ -10521,6 +11697,20 @@
                       <a:pPr algn="ctr"/>
                       <a:r>
                         <a:rPr lang="pt-PT" sz="1200" dirty="0"/>
+                        <a:t>6.2939</a:t>
+                      </a:r>
+                    </a:p>
+                  </a:txBody>
+                  <a:tcPr anchor="ctr"/>
+                </a:tc>
+                <a:tc>
+                  <a:txBody>
+                    <a:bodyPr/>
+                    <a:lstStyle/>
+                    <a:p>
+                      <a:pPr algn="ctr"/>
+                      <a:r>
+                        <a:rPr lang="pt-PT" sz="1200" dirty="0"/>
                         <a:t>7.6111</a:t>
                       </a:r>
                     </a:p>
@@ -10534,7 +11724,21 @@
                     <a:p>
                       <a:pPr algn="ctr"/>
                       <a:r>
-                        <a:rPr lang="pt-PT" sz="1600" dirty="0"/>
+                        <a:rPr lang="pt-PT" sz="1200" dirty="0"/>
+                        <a:t>12635.6</a:t>
+                      </a:r>
+                    </a:p>
+                  </a:txBody>
+                  <a:tcPr anchor="ctr"/>
+                </a:tc>
+                <a:tc rowSpan="3">
+                  <a:txBody>
+                    <a:bodyPr/>
+                    <a:lstStyle/>
+                    <a:p>
+                      <a:pPr algn="ctr"/>
+                      <a:r>
+                        <a:rPr lang="pt-PT" sz="1200" dirty="0"/>
                         <a:t>19167</a:t>
                       </a:r>
                     </a:p>
@@ -10548,7 +11752,21 @@
                     <a:p>
                       <a:pPr algn="ctr"/>
                       <a:r>
-                        <a:rPr lang="pt-PT" sz="1600" dirty="0"/>
+                        <a:rPr lang="pt-PT" sz="1200" dirty="0"/>
+                        <a:t>6.5005</a:t>
+                      </a:r>
+                    </a:p>
+                  </a:txBody>
+                  <a:tcPr anchor="ctr"/>
+                </a:tc>
+                <a:tc rowSpan="3">
+                  <a:txBody>
+                    <a:bodyPr/>
+                    <a:lstStyle/>
+                    <a:p>
+                      <a:pPr algn="ctr"/>
+                      <a:r>
+                        <a:rPr lang="pt-PT" sz="1200" dirty="0"/>
                         <a:t>7.4793</a:t>
                       </a:r>
                     </a:p>
@@ -10561,26 +11779,40 @@
                   </a:ext>
                 </a:extLst>
               </a:tr>
-              <a:tr h="298675">
-                <a:tc vMerge="1">
-                  <a:txBody>
-                    <a:bodyPr/>
-                    <a:lstStyle/>
-                    <a:p>
-                      <a:endParaRPr lang="pt-PT"/>
-                    </a:p>
-                  </a:txBody>
-                  <a:tcPr/>
-                </a:tc>
-                <a:tc vMerge="1">
-                  <a:txBody>
-                    <a:bodyPr/>
-                    <a:lstStyle/>
-                    <a:p>
-                      <a:endParaRPr lang="pt-PT"/>
-                    </a:p>
-                  </a:txBody>
-                  <a:tcPr/>
+              <a:tr h="281620">
+                <a:tc vMerge="1">
+                  <a:txBody>
+                    <a:bodyPr/>
+                    <a:lstStyle/>
+                    <a:p>
+                      <a:endParaRPr lang="pt-PT"/>
+                    </a:p>
+                  </a:txBody>
+                  <a:tcPr/>
+                </a:tc>
+                <a:tc vMerge="1">
+                  <a:txBody>
+                    <a:bodyPr/>
+                    <a:lstStyle/>
+                    <a:p>
+                      <a:endParaRPr lang="pt-PT"/>
+                    </a:p>
+                  </a:txBody>
+                  <a:tcPr/>
+                </a:tc>
+                <a:tc>
+                  <a:txBody>
+                    <a:bodyPr/>
+                    <a:lstStyle/>
+                    <a:p>
+                      <a:pPr algn="ctr"/>
+                      <a:r>
+                        <a:rPr lang="pt-PT" sz="1200" dirty="0"/>
+                        <a:t>12705</a:t>
+                      </a:r>
+                    </a:p>
+                  </a:txBody>
+                  <a:tcPr anchor="ctr"/>
                 </a:tc>
                 <a:tc>
                   <a:txBody>
@@ -10604,11 +11836,45 @@
                       <a:pPr algn="ctr"/>
                       <a:r>
                         <a:rPr lang="pt-PT" sz="1200" dirty="0"/>
+                        <a:t>6.5366</a:t>
+                      </a:r>
+                    </a:p>
+                  </a:txBody>
+                  <a:tcPr anchor="ctr"/>
+                </a:tc>
+                <a:tc>
+                  <a:txBody>
+                    <a:bodyPr/>
+                    <a:lstStyle/>
+                    <a:p>
+                      <a:pPr algn="ctr"/>
+                      <a:r>
+                        <a:rPr lang="pt-PT" sz="1200" dirty="0"/>
                         <a:t>7.4153</a:t>
                       </a:r>
                     </a:p>
                   </a:txBody>
                   <a:tcPr anchor="ctr"/>
+                </a:tc>
+                <a:tc vMerge="1">
+                  <a:txBody>
+                    <a:bodyPr/>
+                    <a:lstStyle/>
+                    <a:p>
+                      <a:endParaRPr lang="pt-PT"/>
+                    </a:p>
+                  </a:txBody>
+                  <a:tcPr/>
+                </a:tc>
+                <a:tc vMerge="1">
+                  <a:txBody>
+                    <a:bodyPr/>
+                    <a:lstStyle/>
+                    <a:p>
+                      <a:endParaRPr lang="pt-PT"/>
+                    </a:p>
+                  </a:txBody>
+                  <a:tcPr/>
                 </a:tc>
                 <a:tc vMerge="1">
                   <a:txBody>
@@ -10636,26 +11902,40 @@
                   </a:ext>
                 </a:extLst>
               </a:tr>
-              <a:tr h="298675">
-                <a:tc vMerge="1">
-                  <a:txBody>
-                    <a:bodyPr/>
-                    <a:lstStyle/>
-                    <a:p>
-                      <a:endParaRPr lang="pt-PT"/>
-                    </a:p>
-                  </a:txBody>
-                  <a:tcPr/>
-                </a:tc>
-                <a:tc vMerge="1">
-                  <a:txBody>
-                    <a:bodyPr/>
-                    <a:lstStyle/>
-                    <a:p>
-                      <a:endParaRPr lang="pt-PT"/>
-                    </a:p>
-                  </a:txBody>
-                  <a:tcPr/>
+              <a:tr h="281620">
+                <a:tc vMerge="1">
+                  <a:txBody>
+                    <a:bodyPr/>
+                    <a:lstStyle/>
+                    <a:p>
+                      <a:endParaRPr lang="pt-PT"/>
+                    </a:p>
+                  </a:txBody>
+                  <a:tcPr/>
+                </a:tc>
+                <a:tc vMerge="1">
+                  <a:txBody>
+                    <a:bodyPr/>
+                    <a:lstStyle/>
+                    <a:p>
+                      <a:endParaRPr lang="pt-PT"/>
+                    </a:p>
+                  </a:txBody>
+                  <a:tcPr/>
+                </a:tc>
+                <a:tc>
+                  <a:txBody>
+                    <a:bodyPr/>
+                    <a:lstStyle/>
+                    <a:p>
+                      <a:pPr algn="ctr"/>
+                      <a:r>
+                        <a:rPr lang="pt-PT" sz="1200" dirty="0"/>
+                        <a:t>13453</a:t>
+                      </a:r>
+                    </a:p>
+                  </a:txBody>
+                  <a:tcPr anchor="ctr"/>
                 </a:tc>
                 <a:tc>
                   <a:txBody>
@@ -10679,11 +11959,45 @@
                       <a:pPr algn="ctr"/>
                       <a:r>
                         <a:rPr lang="pt-PT" sz="1200" dirty="0"/>
+                        <a:t>6.6771</a:t>
+                      </a:r>
+                    </a:p>
+                  </a:txBody>
+                  <a:tcPr anchor="ctr"/>
+                </a:tc>
+                <a:tc>
+                  <a:txBody>
+                    <a:bodyPr/>
+                    <a:lstStyle/>
+                    <a:p>
+                      <a:pPr algn="ctr"/>
+                      <a:r>
+                        <a:rPr lang="pt-PT" sz="1200" dirty="0"/>
                         <a:t>7.4118</a:t>
                       </a:r>
                     </a:p>
                   </a:txBody>
                   <a:tcPr anchor="ctr"/>
+                </a:tc>
+                <a:tc vMerge="1">
+                  <a:txBody>
+                    <a:bodyPr/>
+                    <a:lstStyle/>
+                    <a:p>
+                      <a:endParaRPr lang="pt-PT"/>
+                    </a:p>
+                  </a:txBody>
+                  <a:tcPr/>
+                </a:tc>
+                <a:tc vMerge="1">
+                  <a:txBody>
+                    <a:bodyPr/>
+                    <a:lstStyle/>
+                    <a:p>
+                      <a:endParaRPr lang="pt-PT"/>
+                    </a:p>
+                  </a:txBody>
+                  <a:tcPr/>
                 </a:tc>
                 <a:tc vMerge="1">
                   <a:txBody>
@@ -10711,26 +12025,40 @@
                   </a:ext>
                 </a:extLst>
               </a:tr>
-              <a:tr h="298675">
-                <a:tc vMerge="1">
-                  <a:txBody>
-                    <a:bodyPr/>
-                    <a:lstStyle/>
-                    <a:p>
-                      <a:endParaRPr lang="pt-PT"/>
-                    </a:p>
-                  </a:txBody>
-                  <a:tcPr/>
-                </a:tc>
-                <a:tc vMerge="1">
-                  <a:txBody>
-                    <a:bodyPr/>
-                    <a:lstStyle/>
-                    <a:p>
-                      <a:endParaRPr lang="pt-PT"/>
-                    </a:p>
-                  </a:txBody>
-                  <a:tcPr/>
+              <a:tr h="281620">
+                <a:tc vMerge="1">
+                  <a:txBody>
+                    <a:bodyPr/>
+                    <a:lstStyle/>
+                    <a:p>
+                      <a:endParaRPr lang="pt-PT"/>
+                    </a:p>
+                  </a:txBody>
+                  <a:tcPr/>
+                </a:tc>
+                <a:tc vMerge="1">
+                  <a:txBody>
+                    <a:bodyPr/>
+                    <a:lstStyle/>
+                    <a:p>
+                      <a:endParaRPr lang="pt-PT"/>
+                    </a:p>
+                  </a:txBody>
+                  <a:tcPr/>
+                </a:tc>
+                <a:tc>
+                  <a:txBody>
+                    <a:bodyPr/>
+                    <a:lstStyle/>
+                    <a:p>
+                      <a:pPr algn="ctr"/>
+                      <a:r>
+                        <a:rPr lang="pt-PT" sz="1200" dirty="0"/>
+                        <a:t>40108</a:t>
+                      </a:r>
+                    </a:p>
+                  </a:txBody>
+                  <a:tcPr anchor="ctr"/>
                 </a:tc>
                 <a:tc>
                   <a:txBody>
@@ -10754,6 +12082,20 @@
                       <a:pPr algn="ctr"/>
                       <a:r>
                         <a:rPr lang="pt-PT" sz="1200" dirty="0"/>
+                        <a:t>13.7265</a:t>
+                      </a:r>
+                    </a:p>
+                  </a:txBody>
+                  <a:tcPr anchor="ctr"/>
+                </a:tc>
+                <a:tc>
+                  <a:txBody>
+                    <a:bodyPr/>
+                    <a:lstStyle/>
+                    <a:p>
+                      <a:pPr algn="ctr"/>
+                      <a:r>
+                        <a:rPr lang="pt-PT" sz="1200" dirty="0"/>
                         <a:t>12.3533</a:t>
                       </a:r>
                     </a:p>
@@ -10767,7 +12109,21 @@
                     <a:p>
                       <a:pPr algn="ctr"/>
                       <a:r>
-                        <a:rPr lang="pt-PT" sz="1600" dirty="0"/>
+                        <a:rPr lang="pt-PT" sz="1200" dirty="0"/>
+                        <a:t>38760.3</a:t>
+                      </a:r>
+                    </a:p>
+                  </a:txBody>
+                  <a:tcPr anchor="ctr"/>
+                </a:tc>
+                <a:tc rowSpan="3">
+                  <a:txBody>
+                    <a:bodyPr/>
+                    <a:lstStyle/>
+                    <a:p>
+                      <a:pPr algn="ctr"/>
+                      <a:r>
+                        <a:rPr lang="pt-PT" sz="1200" dirty="0"/>
                         <a:t>42543</a:t>
                       </a:r>
                     </a:p>
@@ -10781,7 +12137,21 @@
                     <a:p>
                       <a:pPr algn="ctr"/>
                       <a:r>
-                        <a:rPr lang="pt-PT" sz="1600" dirty="0"/>
+                        <a:rPr lang="pt-PT" sz="1200" dirty="0"/>
+                        <a:t>14.0072</a:t>
+                      </a:r>
+                    </a:p>
+                  </a:txBody>
+                  <a:tcPr anchor="ctr"/>
+                </a:tc>
+                <a:tc rowSpan="3">
+                  <a:txBody>
+                    <a:bodyPr/>
+                    <a:lstStyle/>
+                    <a:p>
+                      <a:pPr algn="ctr"/>
+                      <a:r>
+                        <a:rPr lang="pt-PT" sz="1200" dirty="0"/>
                         <a:t>11.4833</a:t>
                       </a:r>
                     </a:p>
@@ -10794,26 +12164,40 @@
                   </a:ext>
                 </a:extLst>
               </a:tr>
-              <a:tr h="298675">
-                <a:tc vMerge="1">
-                  <a:txBody>
-                    <a:bodyPr/>
-                    <a:lstStyle/>
-                    <a:p>
-                      <a:endParaRPr lang="pt-PT"/>
-                    </a:p>
-                  </a:txBody>
-                  <a:tcPr/>
-                </a:tc>
-                <a:tc vMerge="1">
-                  <a:txBody>
-                    <a:bodyPr/>
-                    <a:lstStyle/>
-                    <a:p>
-                      <a:endParaRPr lang="pt-PT"/>
-                    </a:p>
-                  </a:txBody>
-                  <a:tcPr/>
+              <a:tr h="281620">
+                <a:tc vMerge="1">
+                  <a:txBody>
+                    <a:bodyPr/>
+                    <a:lstStyle/>
+                    <a:p>
+                      <a:endParaRPr lang="pt-PT"/>
+                    </a:p>
+                  </a:txBody>
+                  <a:tcPr/>
+                </a:tc>
+                <a:tc vMerge="1">
+                  <a:txBody>
+                    <a:bodyPr/>
+                    <a:lstStyle/>
+                    <a:p>
+                      <a:endParaRPr lang="pt-PT"/>
+                    </a:p>
+                  </a:txBody>
+                  <a:tcPr/>
+                </a:tc>
+                <a:tc>
+                  <a:txBody>
+                    <a:bodyPr/>
+                    <a:lstStyle/>
+                    <a:p>
+                      <a:pPr algn="ctr"/>
+                      <a:r>
+                        <a:rPr lang="pt-PT" sz="1200" dirty="0"/>
+                        <a:t>40848</a:t>
+                      </a:r>
+                    </a:p>
+                  </a:txBody>
+                  <a:tcPr anchor="ctr"/>
                 </a:tc>
                 <a:tc>
                   <a:txBody>
@@ -10837,11 +12221,45 @@
                       <a:pPr algn="ctr"/>
                       <a:r>
                         <a:rPr lang="pt-PT" sz="1200" dirty="0"/>
+                        <a:t>15.7559</a:t>
+                      </a:r>
+                    </a:p>
+                  </a:txBody>
+                  <a:tcPr anchor="ctr"/>
+                </a:tc>
+                <a:tc>
+                  <a:txBody>
+                    <a:bodyPr/>
+                    <a:lstStyle/>
+                    <a:p>
+                      <a:pPr algn="ctr"/>
+                      <a:r>
+                        <a:rPr lang="pt-PT" sz="1200" dirty="0"/>
                         <a:t>10.7142</a:t>
                       </a:r>
                     </a:p>
                   </a:txBody>
                   <a:tcPr anchor="ctr"/>
+                </a:tc>
+                <a:tc vMerge="1">
+                  <a:txBody>
+                    <a:bodyPr/>
+                    <a:lstStyle/>
+                    <a:p>
+                      <a:endParaRPr lang="pt-PT"/>
+                    </a:p>
+                  </a:txBody>
+                  <a:tcPr/>
+                </a:tc>
+                <a:tc vMerge="1">
+                  <a:txBody>
+                    <a:bodyPr/>
+                    <a:lstStyle/>
+                    <a:p>
+                      <a:endParaRPr lang="pt-PT"/>
+                    </a:p>
+                  </a:txBody>
+                  <a:tcPr/>
                 </a:tc>
                 <a:tc vMerge="1">
                   <a:txBody>
@@ -10869,26 +12287,40 @@
                   </a:ext>
                 </a:extLst>
               </a:tr>
-              <a:tr h="298675">
-                <a:tc vMerge="1">
-                  <a:txBody>
-                    <a:bodyPr/>
-                    <a:lstStyle/>
-                    <a:p>
-                      <a:endParaRPr lang="pt-PT"/>
-                    </a:p>
-                  </a:txBody>
-                  <a:tcPr/>
-                </a:tc>
-                <a:tc vMerge="1">
-                  <a:txBody>
-                    <a:bodyPr/>
-                    <a:lstStyle/>
-                    <a:p>
-                      <a:endParaRPr lang="pt-PT"/>
-                    </a:p>
-                  </a:txBody>
-                  <a:tcPr/>
+              <a:tr h="281620">
+                <a:tc vMerge="1">
+                  <a:txBody>
+                    <a:bodyPr/>
+                    <a:lstStyle/>
+                    <a:p>
+                      <a:endParaRPr lang="pt-PT"/>
+                    </a:p>
+                  </a:txBody>
+                  <a:tcPr/>
+                </a:tc>
+                <a:tc vMerge="1">
+                  <a:txBody>
+                    <a:bodyPr/>
+                    <a:lstStyle/>
+                    <a:p>
+                      <a:endParaRPr lang="pt-PT"/>
+                    </a:p>
+                  </a:txBody>
+                  <a:tcPr/>
+                </a:tc>
+                <a:tc>
+                  <a:txBody>
+                    <a:bodyPr/>
+                    <a:lstStyle/>
+                    <a:p>
+                      <a:pPr algn="ctr"/>
+                      <a:r>
+                        <a:rPr lang="pt-PT" sz="1200" dirty="0"/>
+                        <a:t>35325</a:t>
+                      </a:r>
+                    </a:p>
+                  </a:txBody>
+                  <a:tcPr anchor="ctr"/>
                 </a:tc>
                 <a:tc>
                   <a:txBody>
@@ -10912,11 +12344,45 @@
                       <a:pPr algn="ctr"/>
                       <a:r>
                         <a:rPr lang="pt-PT" sz="1200" dirty="0"/>
+                        <a:t>12.5391</a:t>
+                      </a:r>
+                    </a:p>
+                  </a:txBody>
+                  <a:tcPr anchor="ctr"/>
+                </a:tc>
+                <a:tc>
+                  <a:txBody>
+                    <a:bodyPr/>
+                    <a:lstStyle/>
+                    <a:p>
+                      <a:pPr algn="ctr"/>
+                      <a:r>
+                        <a:rPr lang="pt-PT" sz="1200" dirty="0"/>
                         <a:t>11.3824</a:t>
                       </a:r>
                     </a:p>
                   </a:txBody>
                   <a:tcPr anchor="ctr"/>
+                </a:tc>
+                <a:tc vMerge="1">
+                  <a:txBody>
+                    <a:bodyPr/>
+                    <a:lstStyle/>
+                    <a:p>
+                      <a:endParaRPr lang="pt-PT"/>
+                    </a:p>
+                  </a:txBody>
+                  <a:tcPr/>
+                </a:tc>
+                <a:tc vMerge="1">
+                  <a:txBody>
+                    <a:bodyPr/>
+                    <a:lstStyle/>
+                    <a:p>
+                      <a:endParaRPr lang="pt-PT" dirty="0"/>
+                    </a:p>
+                  </a:txBody>
+                  <a:tcPr/>
                 </a:tc>
                 <a:tc vMerge="1">
                   <a:txBody>
@@ -11092,222 +12558,12 @@
           </a:p>
         </p:txBody>
       </p:sp>
-      <p:sp>
-        <p:nvSpPr>
-          <p:cNvPr id="17" name="Marcador de Posição de Conteúdo 2">
+      <p:graphicFrame>
+        <p:nvGraphicFramePr>
+          <p:cNvPr id="10" name="Tabela 2">
             <a:extLst>
               <a:ext uri="{FF2B5EF4-FFF2-40B4-BE49-F238E27FC236}">
-                <a16:creationId xmlns:a16="http://schemas.microsoft.com/office/drawing/2014/main" id="{70C86A03-0195-478C-85A8-8D0D578FC0BF}"/>
-              </a:ext>
-            </a:extLst>
-          </p:cNvPr>
-          <p:cNvSpPr txBox="1">
-            <a:spLocks/>
-          </p:cNvSpPr>
-          <p:nvPr/>
-        </p:nvSpPr>
-        <p:spPr>
-          <a:xfrm>
-            <a:off x="512466" y="475563"/>
-            <a:ext cx="2947220" cy="2569088"/>
-          </a:xfrm>
-          <a:prstGeom prst="rect">
-            <a:avLst/>
-          </a:prstGeom>
-        </p:spPr>
-        <p:txBody>
-          <a:bodyPr vert="horz" lIns="91440" tIns="45720" rIns="91440" bIns="45720" rtlCol="0">
-            <a:normAutofit/>
-          </a:bodyPr>
-          <a:lstStyle>
-            <a:lvl1pPr marL="0" indent="0" algn="ctr" defTabSz="914400" rtl="0" eaLnBrk="1" latinLnBrk="0" hangingPunct="1">
-              <a:lnSpc>
-                <a:spcPct val="90000"/>
-              </a:lnSpc>
-              <a:spcBef>
-                <a:spcPts val="1000"/>
-              </a:spcBef>
-              <a:buFont typeface="Arial" panose="020B0604020202020204" pitchFamily="34" charset="0"/>
-              <a:buNone/>
-              <a:defRPr sz="2400" kern="1200">
-                <a:solidFill>
-                  <a:schemeClr val="tx1"/>
-                </a:solidFill>
-                <a:latin typeface="+mn-lt"/>
-                <a:ea typeface="+mn-ea"/>
-                <a:cs typeface="+mn-cs"/>
-              </a:defRPr>
-            </a:lvl1pPr>
-            <a:lvl2pPr marL="457200" indent="0" algn="ctr" defTabSz="914400" rtl="0" eaLnBrk="1" latinLnBrk="0" hangingPunct="1">
-              <a:lnSpc>
-                <a:spcPct val="90000"/>
-              </a:lnSpc>
-              <a:spcBef>
-                <a:spcPts val="500"/>
-              </a:spcBef>
-              <a:buFont typeface="Arial" panose="020B0604020202020204" pitchFamily="34" charset="0"/>
-              <a:buNone/>
-              <a:defRPr sz="2000" kern="1200">
-                <a:solidFill>
-                  <a:schemeClr val="tx1"/>
-                </a:solidFill>
-                <a:latin typeface="+mn-lt"/>
-                <a:ea typeface="+mn-ea"/>
-                <a:cs typeface="+mn-cs"/>
-              </a:defRPr>
-            </a:lvl2pPr>
-            <a:lvl3pPr marL="914400" indent="0" algn="ctr" defTabSz="914400" rtl="0" eaLnBrk="1" latinLnBrk="0" hangingPunct="1">
-              <a:lnSpc>
-                <a:spcPct val="90000"/>
-              </a:lnSpc>
-              <a:spcBef>
-                <a:spcPts val="500"/>
-              </a:spcBef>
-              <a:buFont typeface="Arial" panose="020B0604020202020204" pitchFamily="34" charset="0"/>
-              <a:buNone/>
-              <a:defRPr sz="1800" kern="1200">
-                <a:solidFill>
-                  <a:schemeClr val="tx1"/>
-                </a:solidFill>
-                <a:latin typeface="+mn-lt"/>
-                <a:ea typeface="+mn-ea"/>
-                <a:cs typeface="+mn-cs"/>
-              </a:defRPr>
-            </a:lvl3pPr>
-            <a:lvl4pPr marL="1371600" indent="0" algn="ctr" defTabSz="914400" rtl="0" eaLnBrk="1" latinLnBrk="0" hangingPunct="1">
-              <a:lnSpc>
-                <a:spcPct val="90000"/>
-              </a:lnSpc>
-              <a:spcBef>
-                <a:spcPts val="500"/>
-              </a:spcBef>
-              <a:buFont typeface="Arial" panose="020B0604020202020204" pitchFamily="34" charset="0"/>
-              <a:buNone/>
-              <a:defRPr sz="1600" kern="1200">
-                <a:solidFill>
-                  <a:schemeClr val="tx1"/>
-                </a:solidFill>
-                <a:latin typeface="+mn-lt"/>
-                <a:ea typeface="+mn-ea"/>
-                <a:cs typeface="+mn-cs"/>
-              </a:defRPr>
-            </a:lvl4pPr>
-            <a:lvl5pPr marL="1828800" indent="0" algn="ctr" defTabSz="914400" rtl="0" eaLnBrk="1" latinLnBrk="0" hangingPunct="1">
-              <a:lnSpc>
-                <a:spcPct val="90000"/>
-              </a:lnSpc>
-              <a:spcBef>
-                <a:spcPts val="500"/>
-              </a:spcBef>
-              <a:buFont typeface="Arial" panose="020B0604020202020204" pitchFamily="34" charset="0"/>
-              <a:buNone/>
-              <a:defRPr sz="1600" kern="1200">
-                <a:solidFill>
-                  <a:schemeClr val="tx1"/>
-                </a:solidFill>
-                <a:latin typeface="+mn-lt"/>
-                <a:ea typeface="+mn-ea"/>
-                <a:cs typeface="+mn-cs"/>
-              </a:defRPr>
-            </a:lvl5pPr>
-            <a:lvl6pPr marL="2286000" indent="0" algn="ctr" defTabSz="914400" rtl="0" eaLnBrk="1" latinLnBrk="0" hangingPunct="1">
-              <a:lnSpc>
-                <a:spcPct val="90000"/>
-              </a:lnSpc>
-              <a:spcBef>
-                <a:spcPts val="500"/>
-              </a:spcBef>
-              <a:buFont typeface="Arial" panose="020B0604020202020204" pitchFamily="34" charset="0"/>
-              <a:buNone/>
-              <a:defRPr sz="1600" kern="1200">
-                <a:solidFill>
-                  <a:schemeClr val="tx1"/>
-                </a:solidFill>
-                <a:latin typeface="+mn-lt"/>
-                <a:ea typeface="+mn-ea"/>
-                <a:cs typeface="+mn-cs"/>
-              </a:defRPr>
-            </a:lvl6pPr>
-            <a:lvl7pPr marL="2743200" indent="0" algn="ctr" defTabSz="914400" rtl="0" eaLnBrk="1" latinLnBrk="0" hangingPunct="1">
-              <a:lnSpc>
-                <a:spcPct val="90000"/>
-              </a:lnSpc>
-              <a:spcBef>
-                <a:spcPts val="500"/>
-              </a:spcBef>
-              <a:buFont typeface="Arial" panose="020B0604020202020204" pitchFamily="34" charset="0"/>
-              <a:buNone/>
-              <a:defRPr sz="1600" kern="1200">
-                <a:solidFill>
-                  <a:schemeClr val="tx1"/>
-                </a:solidFill>
-                <a:latin typeface="+mn-lt"/>
-                <a:ea typeface="+mn-ea"/>
-                <a:cs typeface="+mn-cs"/>
-              </a:defRPr>
-            </a:lvl7pPr>
-            <a:lvl8pPr marL="3200400" indent="0" algn="ctr" defTabSz="914400" rtl="0" eaLnBrk="1" latinLnBrk="0" hangingPunct="1">
-              <a:lnSpc>
-                <a:spcPct val="90000"/>
-              </a:lnSpc>
-              <a:spcBef>
-                <a:spcPts val="500"/>
-              </a:spcBef>
-              <a:buFont typeface="Arial" panose="020B0604020202020204" pitchFamily="34" charset="0"/>
-              <a:buNone/>
-              <a:defRPr sz="1600" kern="1200">
-                <a:solidFill>
-                  <a:schemeClr val="tx1"/>
-                </a:solidFill>
-                <a:latin typeface="+mn-lt"/>
-                <a:ea typeface="+mn-ea"/>
-                <a:cs typeface="+mn-cs"/>
-              </a:defRPr>
-            </a:lvl8pPr>
-            <a:lvl9pPr marL="3657600" indent="0" algn="ctr" defTabSz="914400" rtl="0" eaLnBrk="1" latinLnBrk="0" hangingPunct="1">
-              <a:lnSpc>
-                <a:spcPct val="90000"/>
-              </a:lnSpc>
-              <a:spcBef>
-                <a:spcPts val="500"/>
-              </a:spcBef>
-              <a:buFont typeface="Arial" panose="020B0604020202020204" pitchFamily="34" charset="0"/>
-              <a:buNone/>
-              <a:defRPr sz="1600" kern="1200">
-                <a:solidFill>
-                  <a:schemeClr val="tx1"/>
-                </a:solidFill>
-                <a:latin typeface="+mn-lt"/>
-                <a:ea typeface="+mn-ea"/>
-                <a:cs typeface="+mn-cs"/>
-              </a:defRPr>
-            </a:lvl9pPr>
-          </a:lstStyle>
-          <a:p>
-            <a:pPr algn="just"/>
-            <a:r>
-              <a:rPr lang="pt-PT" b="1" dirty="0"/>
-              <a:t>Estatísticas</a:t>
-            </a:r>
-          </a:p>
-          <a:p>
-            <a:r>
-              <a:rPr lang="pt-PT" sz="1800" dirty="0"/>
-              <a:t>    </a:t>
-            </a:r>
-            <a:endParaRPr lang="pt-PT" b="1" dirty="0"/>
-          </a:p>
-          <a:p>
-            <a:endParaRPr lang="pt-PT" dirty="0"/>
-          </a:p>
-        </p:txBody>
-      </p:sp>
-      <p:graphicFrame>
-        <p:nvGraphicFramePr>
-          <p:cNvPr id="2" name="Tabela 2">
-            <a:extLst>
-              <a:ext uri="{FF2B5EF4-FFF2-40B4-BE49-F238E27FC236}">
-                <a16:creationId xmlns:a16="http://schemas.microsoft.com/office/drawing/2014/main" id="{1728BADC-9972-45CC-A7AF-E122FEC357CA}"/>
+                <a16:creationId xmlns:a16="http://schemas.microsoft.com/office/drawing/2014/main" id="{A7BC025E-3BDE-48EC-AE55-F37BDDDB7E99}"/>
               </a:ext>
             </a:extLst>
           </p:cNvPr>
@@ -11317,14 +12573,14 @@
           <p:nvPr>
             <p:extLst>
               <p:ext uri="{D42A27DB-BD31-4B8C-83A1-F6EECF244321}">
-                <p14:modId xmlns:p14="http://schemas.microsoft.com/office/powerpoint/2010/main" val="3271753395"/>
+                <p14:modId xmlns:p14="http://schemas.microsoft.com/office/powerpoint/2010/main" val="3182958016"/>
               </p:ext>
             </p:extLst>
           </p:nvPr>
         </p:nvGraphicFramePr>
         <p:xfrm>
-          <a:off x="512464" y="226088"/>
-          <a:ext cx="10898484" cy="5870100"/>
+          <a:off x="396000" y="130999"/>
+          <a:ext cx="11364878" cy="6031195"/>
         </p:xfrm>
         <a:graphic>
           <a:graphicData uri="http://schemas.openxmlformats.org/drawingml/2006/table">
@@ -11333,51 +12589,79 @@
                 <a:tableStyleId>{5C22544A-7EE6-4342-B048-85BDC9FD1C3A}</a:tableStyleId>
               </a:tblPr>
               <a:tblGrid>
-                <a:gridCol w="1816414">
+                <a:gridCol w="1894147">
                   <a:extLst>
                     <a:ext uri="{9D8B030D-6E8A-4147-A177-3AD203B41FA5}">
                       <a16:colId xmlns:a16="http://schemas.microsoft.com/office/drawing/2014/main" val="3828459933"/>
                     </a:ext>
                   </a:extLst>
                 </a:gridCol>
-                <a:gridCol w="1816414">
+                <a:gridCol w="1894147">
                   <a:extLst>
                     <a:ext uri="{9D8B030D-6E8A-4147-A177-3AD203B41FA5}">
                       <a16:colId xmlns:a16="http://schemas.microsoft.com/office/drawing/2014/main" val="91787989"/>
                     </a:ext>
                   </a:extLst>
                 </a:gridCol>
-                <a:gridCol w="1816414">
+                <a:gridCol w="947073">
                   <a:extLst>
                     <a:ext uri="{9D8B030D-6E8A-4147-A177-3AD203B41FA5}">
                       <a16:colId xmlns:a16="http://schemas.microsoft.com/office/drawing/2014/main" val="1489870587"/>
                     </a:ext>
                   </a:extLst>
                 </a:gridCol>
-                <a:gridCol w="1816414">
+                <a:gridCol w="947073">
+                  <a:extLst>
+                    <a:ext uri="{9D8B030D-6E8A-4147-A177-3AD203B41FA5}">
+                      <a16:colId xmlns:a16="http://schemas.microsoft.com/office/drawing/2014/main" val="451205215"/>
+                    </a:ext>
+                  </a:extLst>
+                </a:gridCol>
+                <a:gridCol w="947073">
                   <a:extLst>
                     <a:ext uri="{9D8B030D-6E8A-4147-A177-3AD203B41FA5}">
                       <a16:colId xmlns:a16="http://schemas.microsoft.com/office/drawing/2014/main" val="620966299"/>
                     </a:ext>
                   </a:extLst>
                 </a:gridCol>
-                <a:gridCol w="1816414">
+                <a:gridCol w="947073">
+                  <a:extLst>
+                    <a:ext uri="{9D8B030D-6E8A-4147-A177-3AD203B41FA5}">
+                      <a16:colId xmlns:a16="http://schemas.microsoft.com/office/drawing/2014/main" val="3540561523"/>
+                    </a:ext>
+                  </a:extLst>
+                </a:gridCol>
+                <a:gridCol w="947073">
                   <a:extLst>
                     <a:ext uri="{9D8B030D-6E8A-4147-A177-3AD203B41FA5}">
                       <a16:colId xmlns:a16="http://schemas.microsoft.com/office/drawing/2014/main" val="2100544662"/>
                     </a:ext>
                   </a:extLst>
                 </a:gridCol>
-                <a:gridCol w="1816414">
+                <a:gridCol w="947073">
+                  <a:extLst>
+                    <a:ext uri="{9D8B030D-6E8A-4147-A177-3AD203B41FA5}">
+                      <a16:colId xmlns:a16="http://schemas.microsoft.com/office/drawing/2014/main" val="268779471"/>
+                    </a:ext>
+                  </a:extLst>
+                </a:gridCol>
+                <a:gridCol w="947073">
                   <a:extLst>
                     <a:ext uri="{9D8B030D-6E8A-4147-A177-3AD203B41FA5}">
                       <a16:colId xmlns:a16="http://schemas.microsoft.com/office/drawing/2014/main" val="3592477251"/>
                     </a:ext>
                   </a:extLst>
                 </a:gridCol>
+                <a:gridCol w="947073">
+                  <a:extLst>
+                    <a:ext uri="{9D8B030D-6E8A-4147-A177-3AD203B41FA5}">
+                      <a16:colId xmlns:a16="http://schemas.microsoft.com/office/drawing/2014/main" val="3904051723"/>
+                    </a:ext>
+                  </a:extLst>
+                </a:gridCol>
               </a:tblGrid>
-              <a:tr h="522681">
-                <a:tc>
+              <a:tr h="645220">
+                <a:tc rowSpan="2">
                   <a:txBody>
                     <a:bodyPr/>
                     <a:lstStyle/>
@@ -11391,7 +12675,7 @@
                   </a:txBody>
                   <a:tcPr anchor="ctr"/>
                 </a:tc>
-                <a:tc>
+                <a:tc rowSpan="2">
                   <a:txBody>
                     <a:bodyPr/>
                     <a:lstStyle/>
@@ -11405,7 +12689,7 @@
                   </a:txBody>
                   <a:tcPr anchor="ctr"/>
                 </a:tc>
-                <a:tc>
+                <a:tc gridSpan="2">
                   <a:txBody>
                     <a:bodyPr/>
                     <a:lstStyle/>
@@ -11419,7 +12703,17 @@
                   </a:txBody>
                   <a:tcPr anchor="ctr"/>
                 </a:tc>
-                <a:tc>
+                <a:tc hMerge="1">
+                  <a:txBody>
+                    <a:bodyPr/>
+                    <a:lstStyle/>
+                    <a:p>
+                      <a:endParaRPr lang="pt-PT"/>
+                    </a:p>
+                  </a:txBody>
+                  <a:tcPr/>
+                </a:tc>
+                <a:tc gridSpan="2">
                   <a:txBody>
                     <a:bodyPr/>
                     <a:lstStyle/>
@@ -11433,7 +12727,17 @@
                   </a:txBody>
                   <a:tcPr anchor="ctr"/>
                 </a:tc>
-                <a:tc>
+                <a:tc hMerge="1">
+                  <a:txBody>
+                    <a:bodyPr/>
+                    <a:lstStyle/>
+                    <a:p>
+                      <a:endParaRPr lang="pt-PT"/>
+                    </a:p>
+                  </a:txBody>
+                  <a:tcPr/>
+                </a:tc>
+                <a:tc gridSpan="2">
                   <a:txBody>
                     <a:bodyPr/>
                     <a:lstStyle/>
@@ -11447,7 +12751,17 @@
                   </a:txBody>
                   <a:tcPr anchor="ctr"/>
                 </a:tc>
-                <a:tc>
+                <a:tc hMerge="1">
+                  <a:txBody>
+                    <a:bodyPr/>
+                    <a:lstStyle/>
+                    <a:p>
+                      <a:endParaRPr lang="pt-PT"/>
+                    </a:p>
+                  </a:txBody>
+                  <a:tcPr/>
+                </a:tc>
+                <a:tc gridSpan="2">
                   <a:txBody>
                     <a:bodyPr/>
                     <a:lstStyle/>
@@ -11477,13 +12791,290 @@
                   </a:txBody>
                   <a:tcPr anchor="ctr"/>
                 </a:tc>
+                <a:tc hMerge="1">
+                  <a:txBody>
+                    <a:bodyPr/>
+                    <a:lstStyle/>
+                    <a:p>
+                      <a:endParaRPr lang="pt-PT"/>
+                    </a:p>
+                  </a:txBody>
+                  <a:tcPr/>
+                </a:tc>
                 <a:extLst>
                   <a:ext uri="{0D108BD9-81ED-4DB2-BD59-A6C34878D82A}">
                     <a16:rowId xmlns:a16="http://schemas.microsoft.com/office/drawing/2014/main" val="3234096587"/>
                   </a:ext>
                 </a:extLst>
               </a:tr>
-              <a:tr h="224006">
+              <a:tr h="368697">
+                <a:tc vMerge="1">
+                  <a:txBody>
+                    <a:bodyPr/>
+                    <a:lstStyle/>
+                    <a:p>
+                      <a:endParaRPr lang="pt-PT"/>
+                    </a:p>
+                  </a:txBody>
+                  <a:tcPr/>
+                </a:tc>
+                <a:tc vMerge="1">
+                  <a:txBody>
+                    <a:bodyPr/>
+                    <a:lstStyle/>
+                    <a:p>
+                      <a:endParaRPr lang="pt-PT"/>
+                    </a:p>
+                  </a:txBody>
+                  <a:tcPr/>
+                </a:tc>
+                <a:tc>
+                  <a:txBody>
+                    <a:bodyPr/>
+                    <a:lstStyle/>
+                    <a:p>
+                      <a:pPr algn="ctr"/>
+                      <a:r>
+                        <a:rPr lang="pt-PT" b="1" dirty="0" err="1">
+                          <a:solidFill>
+                            <a:schemeClr val="bg1"/>
+                          </a:solidFill>
+                        </a:rPr>
+                        <a:t>Heur</a:t>
+                      </a:r>
+                      <a:r>
+                        <a:rPr lang="pt-PT" b="1" dirty="0">
+                          <a:solidFill>
+                            <a:schemeClr val="bg1"/>
+                          </a:solidFill>
+                        </a:rPr>
+                        <a:t> 1</a:t>
+                      </a:r>
+                    </a:p>
+                  </a:txBody>
+                  <a:tcPr anchor="ctr">
+                    <a:solidFill>
+                      <a:schemeClr val="accent1"/>
+                    </a:solidFill>
+                  </a:tcPr>
+                </a:tc>
+                <a:tc>
+                  <a:txBody>
+                    <a:bodyPr/>
+                    <a:lstStyle/>
+                    <a:p>
+                      <a:pPr algn="ctr"/>
+                      <a:r>
+                        <a:rPr lang="pt-PT" b="1" dirty="0" err="1">
+                          <a:solidFill>
+                            <a:schemeClr val="bg1"/>
+                          </a:solidFill>
+                        </a:rPr>
+                        <a:t>Heur</a:t>
+                      </a:r>
+                      <a:r>
+                        <a:rPr lang="pt-PT" b="1" dirty="0">
+                          <a:solidFill>
+                            <a:schemeClr val="bg1"/>
+                          </a:solidFill>
+                        </a:rPr>
+                        <a:t> 2</a:t>
+                      </a:r>
+                    </a:p>
+                  </a:txBody>
+                  <a:tcPr anchor="ctr">
+                    <a:solidFill>
+                      <a:schemeClr val="accent1"/>
+                    </a:solidFill>
+                  </a:tcPr>
+                </a:tc>
+                <a:tc>
+                  <a:txBody>
+                    <a:bodyPr/>
+                    <a:lstStyle/>
+                    <a:p>
+                      <a:pPr algn="ctr"/>
+                      <a:r>
+                        <a:rPr lang="pt-PT" b="1" dirty="0" err="1">
+                          <a:solidFill>
+                            <a:schemeClr val="bg1"/>
+                          </a:solidFill>
+                        </a:rPr>
+                        <a:t>Heur</a:t>
+                      </a:r>
+                      <a:r>
+                        <a:rPr lang="pt-PT" b="1" dirty="0">
+                          <a:solidFill>
+                            <a:schemeClr val="bg1"/>
+                          </a:solidFill>
+                        </a:rPr>
+                        <a:t> 1</a:t>
+                      </a:r>
+                    </a:p>
+                  </a:txBody>
+                  <a:tcPr anchor="ctr">
+                    <a:solidFill>
+                      <a:schemeClr val="accent1"/>
+                    </a:solidFill>
+                  </a:tcPr>
+                </a:tc>
+                <a:tc>
+                  <a:txBody>
+                    <a:bodyPr/>
+                    <a:lstStyle/>
+                    <a:p>
+                      <a:pPr algn="ctr"/>
+                      <a:r>
+                        <a:rPr lang="pt-PT" b="1" dirty="0" err="1">
+                          <a:solidFill>
+                            <a:schemeClr val="bg1"/>
+                          </a:solidFill>
+                        </a:rPr>
+                        <a:t>Heur</a:t>
+                      </a:r>
+                      <a:r>
+                        <a:rPr lang="pt-PT" b="1" dirty="0">
+                          <a:solidFill>
+                            <a:schemeClr val="bg1"/>
+                          </a:solidFill>
+                        </a:rPr>
+                        <a:t> 2</a:t>
+                      </a:r>
+                    </a:p>
+                  </a:txBody>
+                  <a:tcPr anchor="ctr">
+                    <a:solidFill>
+                      <a:schemeClr val="accent1"/>
+                    </a:solidFill>
+                  </a:tcPr>
+                </a:tc>
+                <a:tc>
+                  <a:txBody>
+                    <a:bodyPr/>
+                    <a:lstStyle/>
+                    <a:p>
+                      <a:pPr algn="ctr"/>
+                      <a:r>
+                        <a:rPr lang="pt-PT" b="1" dirty="0" err="1">
+                          <a:solidFill>
+                            <a:schemeClr val="bg1"/>
+                          </a:solidFill>
+                        </a:rPr>
+                        <a:t>Heur</a:t>
+                      </a:r>
+                      <a:r>
+                        <a:rPr lang="pt-PT" b="1" dirty="0">
+                          <a:solidFill>
+                            <a:schemeClr val="bg1"/>
+                          </a:solidFill>
+                        </a:rPr>
+                        <a:t> 1</a:t>
+                      </a:r>
+                    </a:p>
+                  </a:txBody>
+                  <a:tcPr anchor="ctr">
+                    <a:solidFill>
+                      <a:schemeClr val="accent1"/>
+                    </a:solidFill>
+                  </a:tcPr>
+                </a:tc>
+                <a:tc>
+                  <a:txBody>
+                    <a:bodyPr/>
+                    <a:lstStyle/>
+                    <a:p>
+                      <a:pPr algn="ctr"/>
+                      <a:r>
+                        <a:rPr lang="pt-PT" b="1" dirty="0" err="1">
+                          <a:solidFill>
+                            <a:schemeClr val="bg1"/>
+                          </a:solidFill>
+                        </a:rPr>
+                        <a:t>Heur</a:t>
+                      </a:r>
+                      <a:r>
+                        <a:rPr lang="pt-PT" b="1" dirty="0">
+                          <a:solidFill>
+                            <a:schemeClr val="bg1"/>
+                          </a:solidFill>
+                        </a:rPr>
+                        <a:t> 2</a:t>
+                      </a:r>
+                    </a:p>
+                  </a:txBody>
+                  <a:tcPr anchor="ctr">
+                    <a:solidFill>
+                      <a:schemeClr val="accent1"/>
+                    </a:solidFill>
+                  </a:tcPr>
+                </a:tc>
+                <a:tc>
+                  <a:txBody>
+                    <a:bodyPr/>
+                    <a:lstStyle/>
+                    <a:p>
+                      <a:pPr algn="ctr"/>
+                      <a:r>
+                        <a:rPr lang="pt-PT" b="1" dirty="0" err="1">
+                          <a:solidFill>
+                            <a:schemeClr val="bg1"/>
+                          </a:solidFill>
+                        </a:rPr>
+                        <a:t>Heur</a:t>
+                      </a:r>
+                      <a:r>
+                        <a:rPr lang="pt-PT" b="1" dirty="0">
+                          <a:solidFill>
+                            <a:schemeClr val="bg1"/>
+                          </a:solidFill>
+                        </a:rPr>
+                        <a:t> 1</a:t>
+                      </a:r>
+                    </a:p>
+                  </a:txBody>
+                  <a:tcPr anchor="ctr">
+                    <a:solidFill>
+                      <a:schemeClr val="accent1"/>
+                    </a:solidFill>
+                  </a:tcPr>
+                </a:tc>
+                <a:tc>
+                  <a:txBody>
+                    <a:bodyPr/>
+                    <a:lstStyle/>
+                    <a:p>
+                      <a:pPr algn="ctr"/>
+                      <a:r>
+                        <a:rPr lang="pt-PT" b="1" dirty="0" err="1">
+                          <a:solidFill>
+                            <a:schemeClr val="bg1"/>
+                          </a:solidFill>
+                        </a:rPr>
+                        <a:t>Heur</a:t>
+                      </a:r>
+                      <a:r>
+                        <a:rPr lang="pt-PT" b="1" dirty="0">
+                          <a:solidFill>
+                            <a:schemeClr val="bg1"/>
+                          </a:solidFill>
+                        </a:rPr>
+                        <a:t> 2</a:t>
+                      </a:r>
+                    </a:p>
+                  </a:txBody>
+                  <a:tcPr anchor="ctr">
+                    <a:solidFill>
+                      <a:schemeClr val="accent1"/>
+                    </a:solidFill>
+                  </a:tcPr>
+                </a:tc>
+                <a:extLst>
+                  <a:ext uri="{0D108BD9-81ED-4DB2-BD59-A6C34878D82A}">
+                    <a16:rowId xmlns:a16="http://schemas.microsoft.com/office/drawing/2014/main" val="1665060865"/>
+                  </a:ext>
+                </a:extLst>
+              </a:tr>
+              <a:tr h="276523">
                 <a:tc rowSpan="18">
                   <a:txBody>
                     <a:bodyPr/>
@@ -11491,37 +13082,29 @@
                     <a:p>
                       <a:pPr algn="ctr"/>
                       <a:r>
-                        <a:rPr lang="pt-PT" sz="2800" dirty="0" err="1"/>
+                        <a:rPr lang="pt-PT" sz="2800" i="1" dirty="0" err="1"/>
                         <a:t>Minimax</a:t>
                       </a:r>
-                      <a:endParaRPr lang="pt-PT" sz="2800" dirty="0"/>
-                    </a:p>
-                    <a:p>
-                      <a:pPr algn="ctr"/>
-                      <a:r>
-                        <a:rPr lang="pt-PT" sz="2800" dirty="0" err="1"/>
+                      <a:endParaRPr lang="pt-PT" sz="2800" i="1" dirty="0"/>
+                    </a:p>
+                    <a:p>
+                      <a:pPr algn="ctr"/>
+                      <a:r>
+                        <a:rPr lang="pt-PT" sz="2800" i="1" dirty="0" err="1"/>
                         <a:t>With</a:t>
                       </a:r>
                       <a:r>
-                        <a:rPr lang="pt-PT" sz="2800" dirty="0"/>
+                        <a:rPr lang="pt-PT" sz="2800" i="1" dirty="0"/>
                         <a:t> </a:t>
                       </a:r>
                       <a:r>
-                        <a:rPr lang="pt-PT" sz="2800" dirty="0" err="1"/>
+                        <a:rPr lang="pt-PT" sz="2800" i="1" dirty="0" err="1"/>
                         <a:t>Alpha</a:t>
                       </a:r>
                       <a:r>
-                        <a:rPr lang="pt-PT" sz="2800" dirty="0"/>
-                        <a:t>/Beta</a:t>
-                      </a:r>
-                    </a:p>
-                    <a:p>
-                      <a:pPr algn="ctr"/>
-                      <a:r>
-                        <a:rPr lang="pt-PT" sz="2800" dirty="0" err="1"/>
-                        <a:t>Pruning</a:t>
-                      </a:r>
-                      <a:endParaRPr lang="pt-PT" sz="2000" dirty="0"/>
+                        <a:rPr lang="pt-PT" sz="2800" i="1" dirty="0"/>
+                        <a:t>/Beta Cuts</a:t>
+                      </a:r>
                     </a:p>
                   </a:txBody>
                   <a:tcPr anchor="ctr"/>
@@ -11534,7 +13117,21 @@
                       <a:pPr algn="ctr"/>
                       <a:r>
                         <a:rPr lang="pt-PT" sz="1800" dirty="0"/>
-                        <a:t>1</a:t>
+                        <a:t>2</a:t>
+                      </a:r>
+                    </a:p>
+                  </a:txBody>
+                  <a:tcPr anchor="ctr"/>
+                </a:tc>
+                <a:tc>
+                  <a:txBody>
+                    <a:bodyPr/>
+                    <a:lstStyle/>
+                    <a:p>
+                      <a:pPr algn="ctr"/>
+                      <a:r>
+                        <a:rPr lang="pt-PT" sz="1200" dirty="0"/>
+                        <a:t>47</a:t>
                       </a:r>
                     </a:p>
                   </a:txBody>
@@ -11578,696 +13175,7 @@
                       </a:pPr>
                       <a:r>
                         <a:rPr lang="pt-PT" sz="1200" dirty="0"/>
-                        <a:t>0.0227</a:t>
-                      </a:r>
-                    </a:p>
-                  </a:txBody>
-                  <a:tcPr anchor="ctr"/>
-                </a:tc>
-                <a:tc rowSpan="3">
-                  <a:txBody>
-                    <a:bodyPr/>
-                    <a:lstStyle/>
-                    <a:p>
-                      <a:pPr algn="ctr"/>
-                      <a:r>
-                        <a:rPr lang="pt-PT" sz="1600" dirty="0"/>
-                        <a:t>71</a:t>
-                      </a:r>
-                    </a:p>
-                  </a:txBody>
-                  <a:tcPr anchor="ctr"/>
-                </a:tc>
-                <a:tc rowSpan="3">
-                  <a:txBody>
-                    <a:bodyPr/>
-                    <a:lstStyle/>
-                    <a:p>
-                      <a:pPr algn="ctr"/>
-                      <a:r>
-                        <a:rPr lang="pt-PT" sz="1600" dirty="0"/>
-                        <a:t>0.2293</a:t>
-                      </a:r>
-                    </a:p>
-                  </a:txBody>
-                  <a:tcPr anchor="ctr"/>
-                </a:tc>
-                <a:extLst>
-                  <a:ext uri="{0D108BD9-81ED-4DB2-BD59-A6C34878D82A}">
-                    <a16:rowId xmlns:a16="http://schemas.microsoft.com/office/drawing/2014/main" val="2452628958"/>
-                  </a:ext>
-                </a:extLst>
-              </a:tr>
-              <a:tr h="266523">
-                <a:tc vMerge="1">
-                  <a:txBody>
-                    <a:bodyPr/>
-                    <a:lstStyle/>
-                    <a:p>
-                      <a:endParaRPr lang="pt-PT"/>
-                    </a:p>
-                  </a:txBody>
-                  <a:tcPr/>
-                </a:tc>
-                <a:tc vMerge="1">
-                  <a:txBody>
-                    <a:bodyPr/>
-                    <a:lstStyle/>
-                    <a:p>
-                      <a:endParaRPr lang="pt-PT"/>
-                    </a:p>
-                  </a:txBody>
-                  <a:tcPr/>
-                </a:tc>
-                <a:tc>
-                  <a:txBody>
-                    <a:bodyPr/>
-                    <a:lstStyle/>
-                    <a:p>
-                      <a:pPr algn="ctr"/>
-                      <a:r>
-                        <a:rPr lang="pt-PT" sz="1200" dirty="0"/>
-                        <a:t>71</a:t>
-                      </a:r>
-                    </a:p>
-                  </a:txBody>
-                  <a:tcPr anchor="ctr"/>
-                </a:tc>
-                <a:tc>
-                  <a:txBody>
-                    <a:bodyPr/>
-                    <a:lstStyle/>
-                    <a:p>
-                      <a:pPr algn="ctr"/>
-                      <a:r>
-                        <a:rPr lang="pt-PT" sz="1200" dirty="0"/>
-                        <a:t>0.0229</a:t>
-                      </a:r>
-                    </a:p>
-                  </a:txBody>
-                  <a:tcPr anchor="ctr"/>
-                </a:tc>
-                <a:tc vMerge="1">
-                  <a:txBody>
-                    <a:bodyPr/>
-                    <a:lstStyle/>
-                    <a:p>
-                      <a:endParaRPr lang="pt-PT"/>
-                    </a:p>
-                  </a:txBody>
-                  <a:tcPr/>
-                </a:tc>
-                <a:tc vMerge="1">
-                  <a:txBody>
-                    <a:bodyPr/>
-                    <a:lstStyle/>
-                    <a:p>
-                      <a:endParaRPr lang="pt-PT"/>
-                    </a:p>
-                  </a:txBody>
-                  <a:tcPr/>
-                </a:tc>
-                <a:extLst>
-                  <a:ext uri="{0D108BD9-81ED-4DB2-BD59-A6C34878D82A}">
-                    <a16:rowId xmlns:a16="http://schemas.microsoft.com/office/drawing/2014/main" val="885439286"/>
-                  </a:ext>
-                </a:extLst>
-              </a:tr>
-              <a:tr h="0">
-                <a:tc vMerge="1">
-                  <a:txBody>
-                    <a:bodyPr/>
-                    <a:lstStyle/>
-                    <a:p>
-                      <a:endParaRPr lang="pt-PT"/>
-                    </a:p>
-                  </a:txBody>
-                  <a:tcPr/>
-                </a:tc>
-                <a:tc vMerge="1">
-                  <a:txBody>
-                    <a:bodyPr/>
-                    <a:lstStyle/>
-                    <a:p>
-                      <a:endParaRPr lang="pt-PT"/>
-                    </a:p>
-                  </a:txBody>
-                  <a:tcPr/>
-                </a:tc>
-                <a:tc>
-                  <a:txBody>
-                    <a:bodyPr/>
-                    <a:lstStyle/>
-                    <a:p>
-                      <a:pPr algn="ctr"/>
-                      <a:r>
-                        <a:rPr lang="pt-PT" sz="1200" dirty="0"/>
-                        <a:t>71</a:t>
-                      </a:r>
-                    </a:p>
-                  </a:txBody>
-                  <a:tcPr anchor="ctr"/>
-                </a:tc>
-                <a:tc>
-                  <a:txBody>
-                    <a:bodyPr/>
-                    <a:lstStyle/>
-                    <a:p>
-                      <a:pPr algn="ctr"/>
-                      <a:r>
-                        <a:rPr lang="pt-PT" sz="1200" dirty="0"/>
-                        <a:t>0.0232</a:t>
-                      </a:r>
-                    </a:p>
-                  </a:txBody>
-                  <a:tcPr anchor="ctr"/>
-                </a:tc>
-                <a:tc vMerge="1">
-                  <a:txBody>
-                    <a:bodyPr/>
-                    <a:lstStyle/>
-                    <a:p>
-                      <a:endParaRPr lang="pt-PT"/>
-                    </a:p>
-                  </a:txBody>
-                  <a:tcPr/>
-                </a:tc>
-                <a:tc vMerge="1">
-                  <a:txBody>
-                    <a:bodyPr/>
-                    <a:lstStyle/>
-                    <a:p>
-                      <a:endParaRPr lang="pt-PT"/>
-                    </a:p>
-                  </a:txBody>
-                  <a:tcPr/>
-                </a:tc>
-                <a:extLst>
-                  <a:ext uri="{0D108BD9-81ED-4DB2-BD59-A6C34878D82A}">
-                    <a16:rowId xmlns:a16="http://schemas.microsoft.com/office/drawing/2014/main" val="1765243263"/>
-                  </a:ext>
-                </a:extLst>
-              </a:tr>
-              <a:tr h="224006">
-                <a:tc vMerge="1">
-                  <a:txBody>
-                    <a:bodyPr/>
-                    <a:lstStyle/>
-                    <a:p>
-                      <a:endParaRPr lang="pt-PT"/>
-                    </a:p>
-                  </a:txBody>
-                  <a:tcPr/>
-                </a:tc>
-                <a:tc vMerge="1">
-                  <a:txBody>
-                    <a:bodyPr/>
-                    <a:lstStyle/>
-                    <a:p>
-                      <a:endParaRPr lang="pt-PT"/>
-                    </a:p>
-                  </a:txBody>
-                  <a:tcPr/>
-                </a:tc>
-                <a:tc>
-                  <a:txBody>
-                    <a:bodyPr/>
-                    <a:lstStyle/>
-                    <a:p>
-                      <a:pPr algn="ctr"/>
-                      <a:r>
-                        <a:rPr lang="pt-PT" sz="1200" dirty="0"/>
-                        <a:t>111</a:t>
-                      </a:r>
-                    </a:p>
-                  </a:txBody>
-                  <a:tcPr anchor="ctr"/>
-                </a:tc>
-                <a:tc>
-                  <a:txBody>
-                    <a:bodyPr/>
-                    <a:lstStyle/>
-                    <a:p>
-                      <a:pPr algn="ctr"/>
-                      <a:r>
-                        <a:rPr lang="pt-PT" sz="1200" dirty="0"/>
-                        <a:t>0.0209</a:t>
-                      </a:r>
-                    </a:p>
-                  </a:txBody>
-                  <a:tcPr anchor="ctr"/>
-                </a:tc>
-                <a:tc rowSpan="3">
-                  <a:txBody>
-                    <a:bodyPr/>
-                    <a:lstStyle/>
-                    <a:p>
-                      <a:pPr algn="ctr"/>
-                      <a:r>
-                        <a:rPr lang="pt-PT" sz="1600" dirty="0"/>
-                        <a:t>110.3</a:t>
-                      </a:r>
-                    </a:p>
-                  </a:txBody>
-                  <a:tcPr anchor="ctr"/>
-                </a:tc>
-                <a:tc rowSpan="3">
-                  <a:txBody>
-                    <a:bodyPr/>
-                    <a:lstStyle/>
-                    <a:p>
-                      <a:pPr algn="ctr"/>
-                      <a:r>
-                        <a:rPr lang="pt-PT" sz="1600" dirty="0"/>
-                        <a:t>0.0201</a:t>
-                      </a:r>
-                    </a:p>
-                  </a:txBody>
-                  <a:tcPr anchor="ctr"/>
-                </a:tc>
-                <a:extLst>
-                  <a:ext uri="{0D108BD9-81ED-4DB2-BD59-A6C34878D82A}">
-                    <a16:rowId xmlns:a16="http://schemas.microsoft.com/office/drawing/2014/main" val="1323061053"/>
-                  </a:ext>
-                </a:extLst>
-              </a:tr>
-              <a:tr h="224006">
-                <a:tc vMerge="1">
-                  <a:txBody>
-                    <a:bodyPr/>
-                    <a:lstStyle/>
-                    <a:p>
-                      <a:endParaRPr lang="pt-PT"/>
-                    </a:p>
-                  </a:txBody>
-                  <a:tcPr/>
-                </a:tc>
-                <a:tc vMerge="1">
-                  <a:txBody>
-                    <a:bodyPr/>
-                    <a:lstStyle/>
-                    <a:p>
-                      <a:endParaRPr lang="pt-PT"/>
-                    </a:p>
-                  </a:txBody>
-                  <a:tcPr/>
-                </a:tc>
-                <a:tc>
-                  <a:txBody>
-                    <a:bodyPr/>
-                    <a:lstStyle/>
-                    <a:p>
-                      <a:pPr algn="ctr"/>
-                      <a:r>
-                        <a:rPr lang="pt-PT" sz="1200" dirty="0"/>
-                        <a:t>97</a:t>
-                      </a:r>
-                    </a:p>
-                  </a:txBody>
-                  <a:tcPr anchor="ctr"/>
-                </a:tc>
-                <a:tc>
-                  <a:txBody>
-                    <a:bodyPr/>
-                    <a:lstStyle/>
-                    <a:p>
-                      <a:pPr algn="ctr"/>
-                      <a:r>
-                        <a:rPr lang="pt-PT" sz="1200" dirty="0"/>
-                        <a:t>0.0201</a:t>
-                      </a:r>
-                    </a:p>
-                  </a:txBody>
-                  <a:tcPr anchor="ctr"/>
-                </a:tc>
-                <a:tc vMerge="1">
-                  <a:txBody>
-                    <a:bodyPr/>
-                    <a:lstStyle/>
-                    <a:p>
-                      <a:endParaRPr lang="pt-PT"/>
-                    </a:p>
-                  </a:txBody>
-                  <a:tcPr/>
-                </a:tc>
-                <a:tc vMerge="1">
-                  <a:txBody>
-                    <a:bodyPr/>
-                    <a:lstStyle/>
-                    <a:p>
-                      <a:endParaRPr lang="pt-PT"/>
-                    </a:p>
-                  </a:txBody>
-                  <a:tcPr/>
-                </a:tc>
-                <a:extLst>
-                  <a:ext uri="{0D108BD9-81ED-4DB2-BD59-A6C34878D82A}">
-                    <a16:rowId xmlns:a16="http://schemas.microsoft.com/office/drawing/2014/main" val="2593539645"/>
-                  </a:ext>
-                </a:extLst>
-              </a:tr>
-              <a:tr h="0">
-                <a:tc vMerge="1">
-                  <a:txBody>
-                    <a:bodyPr/>
-                    <a:lstStyle/>
-                    <a:p>
-                      <a:endParaRPr lang="pt-PT"/>
-                    </a:p>
-                  </a:txBody>
-                  <a:tcPr/>
-                </a:tc>
-                <a:tc vMerge="1">
-                  <a:txBody>
-                    <a:bodyPr/>
-                    <a:lstStyle/>
-                    <a:p>
-                      <a:endParaRPr lang="pt-PT"/>
-                    </a:p>
-                  </a:txBody>
-                  <a:tcPr/>
-                </a:tc>
-                <a:tc>
-                  <a:txBody>
-                    <a:bodyPr/>
-                    <a:lstStyle/>
-                    <a:p>
-                      <a:pPr algn="ctr"/>
-                      <a:r>
-                        <a:rPr lang="pt-PT" sz="1200" dirty="0"/>
-                        <a:t>123</a:t>
-                      </a:r>
-                    </a:p>
-                  </a:txBody>
-                  <a:tcPr anchor="ctr"/>
-                </a:tc>
-                <a:tc>
-                  <a:txBody>
-                    <a:bodyPr/>
-                    <a:lstStyle/>
-                    <a:p>
-                      <a:pPr algn="ctr"/>
-                      <a:r>
-                        <a:rPr lang="pt-PT" sz="1200" dirty="0"/>
-                        <a:t>0.0194</a:t>
-                      </a:r>
-                    </a:p>
-                  </a:txBody>
-                  <a:tcPr anchor="ctr"/>
-                </a:tc>
-                <a:tc vMerge="1">
-                  <a:txBody>
-                    <a:bodyPr/>
-                    <a:lstStyle/>
-                    <a:p>
-                      <a:endParaRPr lang="pt-PT"/>
-                    </a:p>
-                  </a:txBody>
-                  <a:tcPr/>
-                </a:tc>
-                <a:tc vMerge="1">
-                  <a:txBody>
-                    <a:bodyPr/>
-                    <a:lstStyle/>
-                    <a:p>
-                      <a:endParaRPr lang="pt-PT"/>
-                    </a:p>
-                  </a:txBody>
-                  <a:tcPr/>
-                </a:tc>
-                <a:extLst>
-                  <a:ext uri="{0D108BD9-81ED-4DB2-BD59-A6C34878D82A}">
-                    <a16:rowId xmlns:a16="http://schemas.microsoft.com/office/drawing/2014/main" val="757073569"/>
-                  </a:ext>
-                </a:extLst>
-              </a:tr>
-              <a:tr h="298675">
-                <a:tc vMerge="1">
-                  <a:txBody>
-                    <a:bodyPr/>
-                    <a:lstStyle/>
-                    <a:p>
-                      <a:endParaRPr lang="pt-PT"/>
-                    </a:p>
-                  </a:txBody>
-                  <a:tcPr/>
-                </a:tc>
-                <a:tc rowSpan="6">
-                  <a:txBody>
-                    <a:bodyPr/>
-                    <a:lstStyle/>
-                    <a:p>
-                      <a:pPr algn="ctr"/>
-                      <a:r>
-                        <a:rPr lang="pt-PT" sz="2000" dirty="0"/>
-                        <a:t>3</a:t>
-                      </a:r>
-                    </a:p>
-                  </a:txBody>
-                  <a:tcPr anchor="ctr"/>
-                </a:tc>
-                <a:tc>
-                  <a:txBody>
-                    <a:bodyPr/>
-                    <a:lstStyle/>
-                    <a:p>
-                      <a:pPr algn="ctr"/>
-                      <a:r>
-                        <a:rPr lang="pt-PT" sz="1200" dirty="0"/>
-                        <a:t>1928</a:t>
-                      </a:r>
-                    </a:p>
-                  </a:txBody>
-                  <a:tcPr anchor="ctr"/>
-                </a:tc>
-                <a:tc>
-                  <a:txBody>
-                    <a:bodyPr/>
-                    <a:lstStyle/>
-                    <a:p>
-                      <a:pPr algn="ctr"/>
-                      <a:r>
-                        <a:rPr lang="pt-PT" sz="1200" dirty="0"/>
-                        <a:t>0.7218</a:t>
-                      </a:r>
-                    </a:p>
-                  </a:txBody>
-                  <a:tcPr anchor="ctr"/>
-                </a:tc>
-                <a:tc rowSpan="3">
-                  <a:txBody>
-                    <a:bodyPr/>
-                    <a:lstStyle/>
-                    <a:p>
-                      <a:pPr algn="ctr"/>
-                      <a:r>
-                        <a:rPr lang="pt-PT" sz="1600" dirty="0"/>
-                        <a:t>1970.3</a:t>
-                      </a:r>
-                    </a:p>
-                  </a:txBody>
-                  <a:tcPr anchor="ctr"/>
-                </a:tc>
-                <a:tc rowSpan="3">
-                  <a:txBody>
-                    <a:bodyPr/>
-                    <a:lstStyle/>
-                    <a:p>
-                      <a:pPr algn="ctr"/>
-                      <a:r>
-                        <a:rPr lang="pt-PT" sz="1600" dirty="0"/>
-                        <a:t>0.7086</a:t>
-                      </a:r>
-                    </a:p>
-                  </a:txBody>
-                  <a:tcPr anchor="ctr"/>
-                </a:tc>
-                <a:extLst>
-                  <a:ext uri="{0D108BD9-81ED-4DB2-BD59-A6C34878D82A}">
-                    <a16:rowId xmlns:a16="http://schemas.microsoft.com/office/drawing/2014/main" val="860729737"/>
-                  </a:ext>
-                </a:extLst>
-              </a:tr>
-              <a:tr h="298675">
-                <a:tc vMerge="1">
-                  <a:txBody>
-                    <a:bodyPr/>
-                    <a:lstStyle/>
-                    <a:p>
-                      <a:endParaRPr lang="pt-PT"/>
-                    </a:p>
-                  </a:txBody>
-                  <a:tcPr/>
-                </a:tc>
-                <a:tc vMerge="1">
-                  <a:txBody>
-                    <a:bodyPr/>
-                    <a:lstStyle/>
-                    <a:p>
-                      <a:endParaRPr lang="pt-PT"/>
-                    </a:p>
-                  </a:txBody>
-                  <a:tcPr/>
-                </a:tc>
-                <a:tc>
-                  <a:txBody>
-                    <a:bodyPr/>
-                    <a:lstStyle/>
-                    <a:p>
-                      <a:pPr algn="ctr"/>
-                      <a:r>
-                        <a:rPr lang="pt-PT" sz="1200" dirty="0"/>
-                        <a:t>2097</a:t>
-                      </a:r>
-                    </a:p>
-                  </a:txBody>
-                  <a:tcPr anchor="ctr"/>
-                </a:tc>
-                <a:tc>
-                  <a:txBody>
-                    <a:bodyPr/>
-                    <a:lstStyle/>
-                    <a:p>
-                      <a:pPr algn="ctr"/>
-                      <a:r>
-                        <a:rPr lang="pt-PT" sz="1200" dirty="0"/>
-                        <a:t>0.7424</a:t>
-                      </a:r>
-                    </a:p>
-                  </a:txBody>
-                  <a:tcPr anchor="ctr"/>
-                </a:tc>
-                <a:tc vMerge="1">
-                  <a:txBody>
-                    <a:bodyPr/>
-                    <a:lstStyle/>
-                    <a:p>
-                      <a:endParaRPr lang="pt-PT"/>
-                    </a:p>
-                  </a:txBody>
-                  <a:tcPr/>
-                </a:tc>
-                <a:tc vMerge="1">
-                  <a:txBody>
-                    <a:bodyPr/>
-                    <a:lstStyle/>
-                    <a:p>
-                      <a:endParaRPr lang="pt-PT"/>
-                    </a:p>
-                  </a:txBody>
-                  <a:tcPr/>
-                </a:tc>
-                <a:extLst>
-                  <a:ext uri="{0D108BD9-81ED-4DB2-BD59-A6C34878D82A}">
-                    <a16:rowId xmlns:a16="http://schemas.microsoft.com/office/drawing/2014/main" val="2566099173"/>
-                  </a:ext>
-                </a:extLst>
-              </a:tr>
-              <a:tr h="298675">
-                <a:tc vMerge="1">
-                  <a:txBody>
-                    <a:bodyPr/>
-                    <a:lstStyle/>
-                    <a:p>
-                      <a:endParaRPr lang="pt-PT"/>
-                    </a:p>
-                  </a:txBody>
-                  <a:tcPr/>
-                </a:tc>
-                <a:tc vMerge="1">
-                  <a:txBody>
-                    <a:bodyPr/>
-                    <a:lstStyle/>
-                    <a:p>
-                      <a:endParaRPr lang="pt-PT"/>
-                    </a:p>
-                  </a:txBody>
-                  <a:tcPr/>
-                </a:tc>
-                <a:tc>
-                  <a:txBody>
-                    <a:bodyPr/>
-                    <a:lstStyle/>
-                    <a:p>
-                      <a:pPr algn="ctr"/>
-                      <a:r>
-                        <a:rPr lang="pt-PT" sz="1200" dirty="0"/>
-                        <a:t>1886</a:t>
-                      </a:r>
-                    </a:p>
-                  </a:txBody>
-                  <a:tcPr anchor="ctr"/>
-                </a:tc>
-                <a:tc>
-                  <a:txBody>
-                    <a:bodyPr/>
-                    <a:lstStyle/>
-                    <a:p>
-                      <a:pPr algn="ctr"/>
-                      <a:r>
-                        <a:rPr lang="pt-PT" sz="1200" dirty="0"/>
-                        <a:t>0.6616</a:t>
-                      </a:r>
-                    </a:p>
-                  </a:txBody>
-                  <a:tcPr anchor="ctr"/>
-                </a:tc>
-                <a:tc vMerge="1">
-                  <a:txBody>
-                    <a:bodyPr/>
-                    <a:lstStyle/>
-                    <a:p>
-                      <a:endParaRPr lang="pt-PT"/>
-                    </a:p>
-                  </a:txBody>
-                  <a:tcPr/>
-                </a:tc>
-                <a:tc vMerge="1">
-                  <a:txBody>
-                    <a:bodyPr/>
-                    <a:lstStyle/>
-                    <a:p>
-                      <a:endParaRPr lang="pt-PT"/>
-                    </a:p>
-                  </a:txBody>
-                  <a:tcPr/>
-                </a:tc>
-                <a:extLst>
-                  <a:ext uri="{0D108BD9-81ED-4DB2-BD59-A6C34878D82A}">
-                    <a16:rowId xmlns:a16="http://schemas.microsoft.com/office/drawing/2014/main" val="2732035370"/>
-                  </a:ext>
-                </a:extLst>
-              </a:tr>
-              <a:tr h="298675">
-                <a:tc vMerge="1">
-                  <a:txBody>
-                    <a:bodyPr/>
-                    <a:lstStyle/>
-                    <a:p>
-                      <a:endParaRPr lang="pt-PT"/>
-                    </a:p>
-                  </a:txBody>
-                  <a:tcPr/>
-                </a:tc>
-                <a:tc vMerge="1">
-                  <a:txBody>
-                    <a:bodyPr/>
-                    <a:lstStyle/>
-                    <a:p>
-                      <a:endParaRPr lang="pt-PT"/>
-                    </a:p>
-                  </a:txBody>
-                  <a:tcPr/>
-                </a:tc>
-                <a:tc>
-                  <a:txBody>
-                    <a:bodyPr/>
-                    <a:lstStyle/>
-                    <a:p>
-                      <a:pPr algn="ctr"/>
-                      <a:r>
-                        <a:rPr lang="pt-PT" sz="1200" dirty="0"/>
-                        <a:t>3146</a:t>
+                        <a:t>0.0231</a:t>
                       </a:r>
                     </a:p>
                   </a:txBody>
@@ -12297,6 +13205,1213 @@
                       </a:pPr>
                       <a:r>
                         <a:rPr lang="pt-PT" sz="1200" dirty="0"/>
+                        <a:t>0.0227</a:t>
+                      </a:r>
+                    </a:p>
+                  </a:txBody>
+                  <a:tcPr anchor="ctr"/>
+                </a:tc>
+                <a:tc rowSpan="3">
+                  <a:txBody>
+                    <a:bodyPr/>
+                    <a:lstStyle/>
+                    <a:p>
+                      <a:pPr algn="ctr"/>
+                      <a:r>
+                        <a:rPr lang="pt-PT" sz="1200" dirty="0"/>
+                        <a:t>50.3</a:t>
+                      </a:r>
+                    </a:p>
+                  </a:txBody>
+                  <a:tcPr anchor="ctr"/>
+                </a:tc>
+                <a:tc rowSpan="3">
+                  <a:txBody>
+                    <a:bodyPr/>
+                    <a:lstStyle/>
+                    <a:p>
+                      <a:pPr marL="0" marR="0" lvl="0" indent="0" algn="ctr" defTabSz="914400" rtl="0" eaLnBrk="1" fontAlgn="auto" latinLnBrk="0" hangingPunct="1">
+                        <a:lnSpc>
+                          <a:spcPct val="100000"/>
+                        </a:lnSpc>
+                        <a:spcBef>
+                          <a:spcPts val="0"/>
+                        </a:spcBef>
+                        <a:spcAft>
+                          <a:spcPts val="0"/>
+                        </a:spcAft>
+                        <a:buClrTx/>
+                        <a:buSzTx/>
+                        <a:buFontTx/>
+                        <a:buNone/>
+                        <a:tabLst/>
+                        <a:defRPr/>
+                      </a:pPr>
+                      <a:r>
+                        <a:rPr lang="pt-PT" sz="1200" dirty="0"/>
+                        <a:t>71</a:t>
+                      </a:r>
+                    </a:p>
+                  </a:txBody>
+                  <a:tcPr anchor="ctr"/>
+                </a:tc>
+                <a:tc rowSpan="3">
+                  <a:txBody>
+                    <a:bodyPr/>
+                    <a:lstStyle/>
+                    <a:p>
+                      <a:pPr algn="ctr"/>
+                      <a:r>
+                        <a:rPr lang="pt-PT" sz="1200" dirty="0"/>
+                        <a:t>0.0256</a:t>
+                      </a:r>
+                    </a:p>
+                  </a:txBody>
+                  <a:tcPr anchor="ctr"/>
+                </a:tc>
+                <a:tc rowSpan="3">
+                  <a:txBody>
+                    <a:bodyPr/>
+                    <a:lstStyle/>
+                    <a:p>
+                      <a:pPr algn="ctr"/>
+                      <a:r>
+                        <a:rPr lang="pt-PT" sz="1200" dirty="0"/>
+                        <a:t>0.0229</a:t>
+                      </a:r>
+                    </a:p>
+                  </a:txBody>
+                  <a:tcPr anchor="ctr"/>
+                </a:tc>
+                <a:extLst>
+                  <a:ext uri="{0D108BD9-81ED-4DB2-BD59-A6C34878D82A}">
+                    <a16:rowId xmlns:a16="http://schemas.microsoft.com/office/drawing/2014/main" val="2452628958"/>
+                  </a:ext>
+                </a:extLst>
+              </a:tr>
+              <a:tr h="276523">
+                <a:tc vMerge="1">
+                  <a:txBody>
+                    <a:bodyPr/>
+                    <a:lstStyle/>
+                    <a:p>
+                      <a:endParaRPr lang="pt-PT"/>
+                    </a:p>
+                  </a:txBody>
+                  <a:tcPr/>
+                </a:tc>
+                <a:tc vMerge="1">
+                  <a:txBody>
+                    <a:bodyPr/>
+                    <a:lstStyle/>
+                    <a:p>
+                      <a:endParaRPr lang="pt-PT"/>
+                    </a:p>
+                  </a:txBody>
+                  <a:tcPr/>
+                </a:tc>
+                <a:tc>
+                  <a:txBody>
+                    <a:bodyPr/>
+                    <a:lstStyle/>
+                    <a:p>
+                      <a:pPr algn="ctr"/>
+                      <a:r>
+                        <a:rPr lang="pt-PT" sz="1200" dirty="0"/>
+                        <a:t>60</a:t>
+                      </a:r>
+                    </a:p>
+                  </a:txBody>
+                  <a:tcPr anchor="ctr"/>
+                </a:tc>
+                <a:tc>
+                  <a:txBody>
+                    <a:bodyPr/>
+                    <a:lstStyle/>
+                    <a:p>
+                      <a:pPr algn="ctr"/>
+                      <a:r>
+                        <a:rPr lang="pt-PT" sz="1200" dirty="0"/>
+                        <a:t>71</a:t>
+                      </a:r>
+                    </a:p>
+                  </a:txBody>
+                  <a:tcPr anchor="ctr"/>
+                </a:tc>
+                <a:tc>
+                  <a:txBody>
+                    <a:bodyPr/>
+                    <a:lstStyle/>
+                    <a:p>
+                      <a:pPr algn="ctr"/>
+                      <a:r>
+                        <a:rPr lang="pt-PT" sz="1200" dirty="0"/>
+                        <a:t>0.0272</a:t>
+                      </a:r>
+                    </a:p>
+                  </a:txBody>
+                  <a:tcPr anchor="ctr"/>
+                </a:tc>
+                <a:tc>
+                  <a:txBody>
+                    <a:bodyPr/>
+                    <a:lstStyle/>
+                    <a:p>
+                      <a:pPr algn="ctr"/>
+                      <a:r>
+                        <a:rPr lang="pt-PT" sz="1200" dirty="0"/>
+                        <a:t>0.0229</a:t>
+                      </a:r>
+                    </a:p>
+                  </a:txBody>
+                  <a:tcPr anchor="ctr"/>
+                </a:tc>
+                <a:tc vMerge="1">
+                  <a:txBody>
+                    <a:bodyPr/>
+                    <a:lstStyle/>
+                    <a:p>
+                      <a:endParaRPr lang="pt-PT"/>
+                    </a:p>
+                  </a:txBody>
+                  <a:tcPr/>
+                </a:tc>
+                <a:tc vMerge="1">
+                  <a:txBody>
+                    <a:bodyPr/>
+                    <a:lstStyle/>
+                    <a:p>
+                      <a:endParaRPr lang="pt-PT"/>
+                    </a:p>
+                  </a:txBody>
+                  <a:tcPr/>
+                </a:tc>
+                <a:tc vMerge="1">
+                  <a:txBody>
+                    <a:bodyPr/>
+                    <a:lstStyle/>
+                    <a:p>
+                      <a:endParaRPr lang="pt-PT"/>
+                    </a:p>
+                  </a:txBody>
+                  <a:tcPr/>
+                </a:tc>
+                <a:tc vMerge="1">
+                  <a:txBody>
+                    <a:bodyPr/>
+                    <a:lstStyle/>
+                    <a:p>
+                      <a:endParaRPr lang="pt-PT"/>
+                    </a:p>
+                  </a:txBody>
+                  <a:tcPr/>
+                </a:tc>
+                <a:extLst>
+                  <a:ext uri="{0D108BD9-81ED-4DB2-BD59-A6C34878D82A}">
+                    <a16:rowId xmlns:a16="http://schemas.microsoft.com/office/drawing/2014/main" val="885439286"/>
+                  </a:ext>
+                </a:extLst>
+              </a:tr>
+              <a:tr h="276523">
+                <a:tc vMerge="1">
+                  <a:txBody>
+                    <a:bodyPr/>
+                    <a:lstStyle/>
+                    <a:p>
+                      <a:endParaRPr lang="pt-PT"/>
+                    </a:p>
+                  </a:txBody>
+                  <a:tcPr/>
+                </a:tc>
+                <a:tc vMerge="1">
+                  <a:txBody>
+                    <a:bodyPr/>
+                    <a:lstStyle/>
+                    <a:p>
+                      <a:endParaRPr lang="pt-PT"/>
+                    </a:p>
+                  </a:txBody>
+                  <a:tcPr/>
+                </a:tc>
+                <a:tc>
+                  <a:txBody>
+                    <a:bodyPr/>
+                    <a:lstStyle/>
+                    <a:p>
+                      <a:pPr algn="ctr"/>
+                      <a:r>
+                        <a:rPr lang="pt-PT" sz="1200" dirty="0"/>
+                        <a:t>44</a:t>
+                      </a:r>
+                    </a:p>
+                  </a:txBody>
+                  <a:tcPr anchor="ctr"/>
+                </a:tc>
+                <a:tc>
+                  <a:txBody>
+                    <a:bodyPr/>
+                    <a:lstStyle/>
+                    <a:p>
+                      <a:pPr algn="ctr"/>
+                      <a:r>
+                        <a:rPr lang="pt-PT" sz="1200" dirty="0"/>
+                        <a:t>71</a:t>
+                      </a:r>
+                    </a:p>
+                  </a:txBody>
+                  <a:tcPr anchor="ctr"/>
+                </a:tc>
+                <a:tc>
+                  <a:txBody>
+                    <a:bodyPr/>
+                    <a:lstStyle/>
+                    <a:p>
+                      <a:pPr algn="ctr"/>
+                      <a:r>
+                        <a:rPr lang="pt-PT" sz="1200" dirty="0"/>
+                        <a:t>0.0265</a:t>
+                      </a:r>
+                    </a:p>
+                  </a:txBody>
+                  <a:tcPr anchor="ctr"/>
+                </a:tc>
+                <a:tc>
+                  <a:txBody>
+                    <a:bodyPr/>
+                    <a:lstStyle/>
+                    <a:p>
+                      <a:pPr algn="ctr"/>
+                      <a:r>
+                        <a:rPr lang="pt-PT" sz="1200" dirty="0"/>
+                        <a:t>0.0232</a:t>
+                      </a:r>
+                    </a:p>
+                  </a:txBody>
+                  <a:tcPr anchor="ctr"/>
+                </a:tc>
+                <a:tc vMerge="1">
+                  <a:txBody>
+                    <a:bodyPr/>
+                    <a:lstStyle/>
+                    <a:p>
+                      <a:endParaRPr lang="pt-PT"/>
+                    </a:p>
+                  </a:txBody>
+                  <a:tcPr/>
+                </a:tc>
+                <a:tc vMerge="1">
+                  <a:txBody>
+                    <a:bodyPr/>
+                    <a:lstStyle/>
+                    <a:p>
+                      <a:endParaRPr lang="pt-PT"/>
+                    </a:p>
+                  </a:txBody>
+                  <a:tcPr/>
+                </a:tc>
+                <a:tc vMerge="1">
+                  <a:txBody>
+                    <a:bodyPr/>
+                    <a:lstStyle/>
+                    <a:p>
+                      <a:endParaRPr lang="pt-PT"/>
+                    </a:p>
+                  </a:txBody>
+                  <a:tcPr/>
+                </a:tc>
+                <a:tc vMerge="1">
+                  <a:txBody>
+                    <a:bodyPr/>
+                    <a:lstStyle/>
+                    <a:p>
+                      <a:endParaRPr lang="pt-PT"/>
+                    </a:p>
+                  </a:txBody>
+                  <a:tcPr/>
+                </a:tc>
+                <a:extLst>
+                  <a:ext uri="{0D108BD9-81ED-4DB2-BD59-A6C34878D82A}">
+                    <a16:rowId xmlns:a16="http://schemas.microsoft.com/office/drawing/2014/main" val="1765243263"/>
+                  </a:ext>
+                </a:extLst>
+              </a:tr>
+              <a:tr h="276523">
+                <a:tc vMerge="1">
+                  <a:txBody>
+                    <a:bodyPr/>
+                    <a:lstStyle/>
+                    <a:p>
+                      <a:endParaRPr lang="pt-PT"/>
+                    </a:p>
+                  </a:txBody>
+                  <a:tcPr/>
+                </a:tc>
+                <a:tc vMerge="1">
+                  <a:txBody>
+                    <a:bodyPr/>
+                    <a:lstStyle/>
+                    <a:p>
+                      <a:endParaRPr lang="pt-PT"/>
+                    </a:p>
+                  </a:txBody>
+                  <a:tcPr/>
+                </a:tc>
+                <a:tc>
+                  <a:txBody>
+                    <a:bodyPr/>
+                    <a:lstStyle/>
+                    <a:p>
+                      <a:pPr algn="ctr"/>
+                      <a:r>
+                        <a:rPr lang="pt-PT" sz="1200" dirty="0"/>
+                        <a:t>96</a:t>
+                      </a:r>
+                    </a:p>
+                  </a:txBody>
+                  <a:tcPr anchor="ctr"/>
+                </a:tc>
+                <a:tc>
+                  <a:txBody>
+                    <a:bodyPr/>
+                    <a:lstStyle/>
+                    <a:p>
+                      <a:pPr algn="ctr"/>
+                      <a:r>
+                        <a:rPr lang="pt-PT" sz="1200" dirty="0"/>
+                        <a:t>111</a:t>
+                      </a:r>
+                    </a:p>
+                  </a:txBody>
+                  <a:tcPr anchor="ctr"/>
+                </a:tc>
+                <a:tc>
+                  <a:txBody>
+                    <a:bodyPr/>
+                    <a:lstStyle/>
+                    <a:p>
+                      <a:pPr algn="ctr"/>
+                      <a:r>
+                        <a:rPr lang="pt-PT" sz="1200" dirty="0"/>
+                        <a:t>0.0279</a:t>
+                      </a:r>
+                    </a:p>
+                  </a:txBody>
+                  <a:tcPr anchor="ctr"/>
+                </a:tc>
+                <a:tc>
+                  <a:txBody>
+                    <a:bodyPr/>
+                    <a:lstStyle/>
+                    <a:p>
+                      <a:pPr algn="ctr"/>
+                      <a:r>
+                        <a:rPr lang="pt-PT" sz="1200" dirty="0"/>
+                        <a:t>0.0209</a:t>
+                      </a:r>
+                    </a:p>
+                  </a:txBody>
+                  <a:tcPr anchor="ctr"/>
+                </a:tc>
+                <a:tc rowSpan="3">
+                  <a:txBody>
+                    <a:bodyPr/>
+                    <a:lstStyle/>
+                    <a:p>
+                      <a:pPr algn="ctr"/>
+                      <a:r>
+                        <a:rPr lang="pt-PT" sz="1200" dirty="0"/>
+                        <a:t>102</a:t>
+                      </a:r>
+                    </a:p>
+                  </a:txBody>
+                  <a:tcPr anchor="ctr"/>
+                </a:tc>
+                <a:tc rowSpan="3">
+                  <a:txBody>
+                    <a:bodyPr/>
+                    <a:lstStyle/>
+                    <a:p>
+                      <a:pPr algn="ctr"/>
+                      <a:r>
+                        <a:rPr lang="pt-PT" sz="1200" dirty="0"/>
+                        <a:t>110.3</a:t>
+                      </a:r>
+                    </a:p>
+                  </a:txBody>
+                  <a:tcPr anchor="ctr"/>
+                </a:tc>
+                <a:tc rowSpan="3">
+                  <a:txBody>
+                    <a:bodyPr/>
+                    <a:lstStyle/>
+                    <a:p>
+                      <a:pPr algn="ctr"/>
+                      <a:r>
+                        <a:rPr lang="pt-PT" sz="1200" dirty="0"/>
+                        <a:t>0.0283</a:t>
+                      </a:r>
+                    </a:p>
+                  </a:txBody>
+                  <a:tcPr anchor="ctr"/>
+                </a:tc>
+                <a:tc rowSpan="3">
+                  <a:txBody>
+                    <a:bodyPr/>
+                    <a:lstStyle/>
+                    <a:p>
+                      <a:pPr algn="ctr"/>
+                      <a:r>
+                        <a:rPr lang="pt-PT" sz="1200" dirty="0"/>
+                        <a:t>0.0201</a:t>
+                      </a:r>
+                    </a:p>
+                  </a:txBody>
+                  <a:tcPr anchor="ctr"/>
+                </a:tc>
+                <a:extLst>
+                  <a:ext uri="{0D108BD9-81ED-4DB2-BD59-A6C34878D82A}">
+                    <a16:rowId xmlns:a16="http://schemas.microsoft.com/office/drawing/2014/main" val="1323061053"/>
+                  </a:ext>
+                </a:extLst>
+              </a:tr>
+              <a:tr h="276523">
+                <a:tc vMerge="1">
+                  <a:txBody>
+                    <a:bodyPr/>
+                    <a:lstStyle/>
+                    <a:p>
+                      <a:endParaRPr lang="pt-PT"/>
+                    </a:p>
+                  </a:txBody>
+                  <a:tcPr/>
+                </a:tc>
+                <a:tc vMerge="1">
+                  <a:txBody>
+                    <a:bodyPr/>
+                    <a:lstStyle/>
+                    <a:p>
+                      <a:endParaRPr lang="pt-PT"/>
+                    </a:p>
+                  </a:txBody>
+                  <a:tcPr/>
+                </a:tc>
+                <a:tc>
+                  <a:txBody>
+                    <a:bodyPr/>
+                    <a:lstStyle/>
+                    <a:p>
+                      <a:pPr algn="ctr"/>
+                      <a:r>
+                        <a:rPr lang="pt-PT" sz="1200" dirty="0"/>
+                        <a:t>109</a:t>
+                      </a:r>
+                    </a:p>
+                  </a:txBody>
+                  <a:tcPr anchor="ctr"/>
+                </a:tc>
+                <a:tc>
+                  <a:txBody>
+                    <a:bodyPr/>
+                    <a:lstStyle/>
+                    <a:p>
+                      <a:pPr algn="ctr"/>
+                      <a:r>
+                        <a:rPr lang="pt-PT" sz="1200" dirty="0"/>
+                        <a:t>97</a:t>
+                      </a:r>
+                    </a:p>
+                  </a:txBody>
+                  <a:tcPr anchor="ctr"/>
+                </a:tc>
+                <a:tc>
+                  <a:txBody>
+                    <a:bodyPr/>
+                    <a:lstStyle/>
+                    <a:p>
+                      <a:pPr marL="0" marR="0" lvl="0" indent="0" algn="ctr" defTabSz="914400" rtl="0" eaLnBrk="1" fontAlgn="auto" latinLnBrk="0" hangingPunct="1">
+                        <a:lnSpc>
+                          <a:spcPct val="100000"/>
+                        </a:lnSpc>
+                        <a:spcBef>
+                          <a:spcPts val="0"/>
+                        </a:spcBef>
+                        <a:spcAft>
+                          <a:spcPts val="0"/>
+                        </a:spcAft>
+                        <a:buClrTx/>
+                        <a:buSzTx/>
+                        <a:buFontTx/>
+                        <a:buNone/>
+                        <a:tabLst/>
+                        <a:defRPr/>
+                      </a:pPr>
+                      <a:r>
+                        <a:rPr lang="pt-PT" sz="1200" dirty="0"/>
+                        <a:t>0.0296</a:t>
+                      </a:r>
+                    </a:p>
+                  </a:txBody>
+                  <a:tcPr anchor="ctr"/>
+                </a:tc>
+                <a:tc>
+                  <a:txBody>
+                    <a:bodyPr/>
+                    <a:lstStyle/>
+                    <a:p>
+                      <a:pPr algn="ctr"/>
+                      <a:r>
+                        <a:rPr lang="pt-PT" sz="1200" dirty="0"/>
+                        <a:t>0.0201</a:t>
+                      </a:r>
+                    </a:p>
+                  </a:txBody>
+                  <a:tcPr anchor="ctr"/>
+                </a:tc>
+                <a:tc vMerge="1">
+                  <a:txBody>
+                    <a:bodyPr/>
+                    <a:lstStyle/>
+                    <a:p>
+                      <a:endParaRPr lang="pt-PT"/>
+                    </a:p>
+                  </a:txBody>
+                  <a:tcPr/>
+                </a:tc>
+                <a:tc vMerge="1">
+                  <a:txBody>
+                    <a:bodyPr/>
+                    <a:lstStyle/>
+                    <a:p>
+                      <a:endParaRPr lang="pt-PT"/>
+                    </a:p>
+                  </a:txBody>
+                  <a:tcPr/>
+                </a:tc>
+                <a:tc vMerge="1">
+                  <a:txBody>
+                    <a:bodyPr/>
+                    <a:lstStyle/>
+                    <a:p>
+                      <a:endParaRPr lang="pt-PT"/>
+                    </a:p>
+                  </a:txBody>
+                  <a:tcPr/>
+                </a:tc>
+                <a:tc vMerge="1">
+                  <a:txBody>
+                    <a:bodyPr/>
+                    <a:lstStyle/>
+                    <a:p>
+                      <a:endParaRPr lang="pt-PT"/>
+                    </a:p>
+                  </a:txBody>
+                  <a:tcPr/>
+                </a:tc>
+                <a:extLst>
+                  <a:ext uri="{0D108BD9-81ED-4DB2-BD59-A6C34878D82A}">
+                    <a16:rowId xmlns:a16="http://schemas.microsoft.com/office/drawing/2014/main" val="2593539645"/>
+                  </a:ext>
+                </a:extLst>
+              </a:tr>
+              <a:tr h="276523">
+                <a:tc vMerge="1">
+                  <a:txBody>
+                    <a:bodyPr/>
+                    <a:lstStyle/>
+                    <a:p>
+                      <a:endParaRPr lang="pt-PT"/>
+                    </a:p>
+                  </a:txBody>
+                  <a:tcPr/>
+                </a:tc>
+                <a:tc vMerge="1">
+                  <a:txBody>
+                    <a:bodyPr/>
+                    <a:lstStyle/>
+                    <a:p>
+                      <a:endParaRPr lang="pt-PT"/>
+                    </a:p>
+                  </a:txBody>
+                  <a:tcPr/>
+                </a:tc>
+                <a:tc>
+                  <a:txBody>
+                    <a:bodyPr/>
+                    <a:lstStyle/>
+                    <a:p>
+                      <a:pPr algn="ctr"/>
+                      <a:r>
+                        <a:rPr lang="pt-PT" sz="1200" dirty="0"/>
+                        <a:t>101</a:t>
+                      </a:r>
+                    </a:p>
+                  </a:txBody>
+                  <a:tcPr anchor="ctr"/>
+                </a:tc>
+                <a:tc>
+                  <a:txBody>
+                    <a:bodyPr/>
+                    <a:lstStyle/>
+                    <a:p>
+                      <a:pPr algn="ctr"/>
+                      <a:r>
+                        <a:rPr lang="pt-PT" sz="1200" dirty="0"/>
+                        <a:t>123</a:t>
+                      </a:r>
+                    </a:p>
+                  </a:txBody>
+                  <a:tcPr anchor="ctr"/>
+                </a:tc>
+                <a:tc>
+                  <a:txBody>
+                    <a:bodyPr/>
+                    <a:lstStyle/>
+                    <a:p>
+                      <a:pPr algn="ctr"/>
+                      <a:r>
+                        <a:rPr lang="pt-PT" sz="1200" dirty="0"/>
+                        <a:t>0.0275</a:t>
+                      </a:r>
+                    </a:p>
+                  </a:txBody>
+                  <a:tcPr anchor="ctr"/>
+                </a:tc>
+                <a:tc>
+                  <a:txBody>
+                    <a:bodyPr/>
+                    <a:lstStyle/>
+                    <a:p>
+                      <a:pPr algn="ctr"/>
+                      <a:r>
+                        <a:rPr lang="pt-PT" sz="1200" dirty="0"/>
+                        <a:t>0.0194</a:t>
+                      </a:r>
+                    </a:p>
+                  </a:txBody>
+                  <a:tcPr anchor="ctr"/>
+                </a:tc>
+                <a:tc vMerge="1">
+                  <a:txBody>
+                    <a:bodyPr/>
+                    <a:lstStyle/>
+                    <a:p>
+                      <a:endParaRPr lang="pt-PT"/>
+                    </a:p>
+                  </a:txBody>
+                  <a:tcPr/>
+                </a:tc>
+                <a:tc vMerge="1">
+                  <a:txBody>
+                    <a:bodyPr/>
+                    <a:lstStyle/>
+                    <a:p>
+                      <a:endParaRPr lang="pt-PT"/>
+                    </a:p>
+                  </a:txBody>
+                  <a:tcPr/>
+                </a:tc>
+                <a:tc vMerge="1">
+                  <a:txBody>
+                    <a:bodyPr/>
+                    <a:lstStyle/>
+                    <a:p>
+                      <a:endParaRPr lang="pt-PT"/>
+                    </a:p>
+                  </a:txBody>
+                  <a:tcPr/>
+                </a:tc>
+                <a:tc vMerge="1">
+                  <a:txBody>
+                    <a:bodyPr/>
+                    <a:lstStyle/>
+                    <a:p>
+                      <a:endParaRPr lang="pt-PT"/>
+                    </a:p>
+                  </a:txBody>
+                  <a:tcPr/>
+                </a:tc>
+                <a:extLst>
+                  <a:ext uri="{0D108BD9-81ED-4DB2-BD59-A6C34878D82A}">
+                    <a16:rowId xmlns:a16="http://schemas.microsoft.com/office/drawing/2014/main" val="757073569"/>
+                  </a:ext>
+                </a:extLst>
+              </a:tr>
+              <a:tr h="279845">
+                <a:tc vMerge="1">
+                  <a:txBody>
+                    <a:bodyPr/>
+                    <a:lstStyle/>
+                    <a:p>
+                      <a:endParaRPr lang="pt-PT"/>
+                    </a:p>
+                  </a:txBody>
+                  <a:tcPr/>
+                </a:tc>
+                <a:tc rowSpan="6">
+                  <a:txBody>
+                    <a:bodyPr/>
+                    <a:lstStyle/>
+                    <a:p>
+                      <a:pPr algn="ctr"/>
+                      <a:r>
+                        <a:rPr lang="pt-PT" sz="2000" dirty="0"/>
+                        <a:t>4</a:t>
+                      </a:r>
+                    </a:p>
+                  </a:txBody>
+                  <a:tcPr anchor="ctr"/>
+                </a:tc>
+                <a:tc>
+                  <a:txBody>
+                    <a:bodyPr/>
+                    <a:lstStyle/>
+                    <a:p>
+                      <a:pPr algn="ctr"/>
+                      <a:r>
+                        <a:rPr lang="pt-PT" sz="1200" dirty="0"/>
+                        <a:t>844</a:t>
+                      </a:r>
+                    </a:p>
+                  </a:txBody>
+                  <a:tcPr anchor="ctr"/>
+                </a:tc>
+                <a:tc>
+                  <a:txBody>
+                    <a:bodyPr/>
+                    <a:lstStyle/>
+                    <a:p>
+                      <a:pPr algn="ctr"/>
+                      <a:r>
+                        <a:rPr lang="pt-PT" sz="1200" dirty="0"/>
+                        <a:t>1928</a:t>
+                      </a:r>
+                    </a:p>
+                  </a:txBody>
+                  <a:tcPr anchor="ctr"/>
+                </a:tc>
+                <a:tc>
+                  <a:txBody>
+                    <a:bodyPr/>
+                    <a:lstStyle/>
+                    <a:p>
+                      <a:pPr algn="ctr"/>
+                      <a:r>
+                        <a:rPr lang="pt-PT" sz="1200" dirty="0"/>
+                        <a:t>0.2772</a:t>
+                      </a:r>
+                    </a:p>
+                  </a:txBody>
+                  <a:tcPr anchor="ctr"/>
+                </a:tc>
+                <a:tc>
+                  <a:txBody>
+                    <a:bodyPr/>
+                    <a:lstStyle/>
+                    <a:p>
+                      <a:pPr algn="ctr"/>
+                      <a:r>
+                        <a:rPr lang="pt-PT" sz="1200" dirty="0"/>
+                        <a:t>0.7218</a:t>
+                      </a:r>
+                    </a:p>
+                  </a:txBody>
+                  <a:tcPr anchor="ctr"/>
+                </a:tc>
+                <a:tc rowSpan="3">
+                  <a:txBody>
+                    <a:bodyPr/>
+                    <a:lstStyle/>
+                    <a:p>
+                      <a:pPr algn="ctr"/>
+                      <a:r>
+                        <a:rPr lang="pt-PT" sz="1200" dirty="0"/>
+                        <a:t>953.7</a:t>
+                      </a:r>
+                    </a:p>
+                  </a:txBody>
+                  <a:tcPr anchor="ctr"/>
+                </a:tc>
+                <a:tc rowSpan="3">
+                  <a:txBody>
+                    <a:bodyPr/>
+                    <a:lstStyle/>
+                    <a:p>
+                      <a:pPr algn="ctr"/>
+                      <a:r>
+                        <a:rPr lang="pt-PT" sz="1200" dirty="0"/>
+                        <a:t>1970.3</a:t>
+                      </a:r>
+                    </a:p>
+                  </a:txBody>
+                  <a:tcPr anchor="ctr"/>
+                </a:tc>
+                <a:tc rowSpan="3">
+                  <a:txBody>
+                    <a:bodyPr/>
+                    <a:lstStyle/>
+                    <a:p>
+                      <a:pPr algn="ctr"/>
+                      <a:r>
+                        <a:rPr lang="pt-PT" sz="1200" dirty="0"/>
+                        <a:t>0.3529</a:t>
+                      </a:r>
+                    </a:p>
+                  </a:txBody>
+                  <a:tcPr anchor="ctr"/>
+                </a:tc>
+                <a:tc rowSpan="3">
+                  <a:txBody>
+                    <a:bodyPr/>
+                    <a:lstStyle/>
+                    <a:p>
+                      <a:pPr algn="ctr"/>
+                      <a:r>
+                        <a:rPr lang="pt-PT" sz="1200" dirty="0"/>
+                        <a:t>0.7086</a:t>
+                      </a:r>
+                    </a:p>
+                  </a:txBody>
+                  <a:tcPr anchor="ctr"/>
+                </a:tc>
+                <a:extLst>
+                  <a:ext uri="{0D108BD9-81ED-4DB2-BD59-A6C34878D82A}">
+                    <a16:rowId xmlns:a16="http://schemas.microsoft.com/office/drawing/2014/main" val="860729737"/>
+                  </a:ext>
+                </a:extLst>
+              </a:tr>
+              <a:tr h="279845">
+                <a:tc vMerge="1">
+                  <a:txBody>
+                    <a:bodyPr/>
+                    <a:lstStyle/>
+                    <a:p>
+                      <a:endParaRPr lang="pt-PT"/>
+                    </a:p>
+                  </a:txBody>
+                  <a:tcPr/>
+                </a:tc>
+                <a:tc vMerge="1">
+                  <a:txBody>
+                    <a:bodyPr/>
+                    <a:lstStyle/>
+                    <a:p>
+                      <a:endParaRPr lang="pt-PT"/>
+                    </a:p>
+                  </a:txBody>
+                  <a:tcPr/>
+                </a:tc>
+                <a:tc>
+                  <a:txBody>
+                    <a:bodyPr/>
+                    <a:lstStyle/>
+                    <a:p>
+                      <a:pPr algn="ctr"/>
+                      <a:r>
+                        <a:rPr lang="pt-PT" sz="1200" dirty="0"/>
+                        <a:t>792</a:t>
+                      </a:r>
+                    </a:p>
+                  </a:txBody>
+                  <a:tcPr anchor="ctr"/>
+                </a:tc>
+                <a:tc>
+                  <a:txBody>
+                    <a:bodyPr/>
+                    <a:lstStyle/>
+                    <a:p>
+                      <a:pPr algn="ctr"/>
+                      <a:r>
+                        <a:rPr lang="pt-PT" sz="1200" dirty="0"/>
+                        <a:t>2097</a:t>
+                      </a:r>
+                    </a:p>
+                  </a:txBody>
+                  <a:tcPr anchor="ctr"/>
+                </a:tc>
+                <a:tc>
+                  <a:txBody>
+                    <a:bodyPr/>
+                    <a:lstStyle/>
+                    <a:p>
+                      <a:pPr algn="ctr"/>
+                      <a:r>
+                        <a:rPr lang="pt-PT" sz="1200" dirty="0"/>
+                        <a:t>0.2538</a:t>
+                      </a:r>
+                    </a:p>
+                  </a:txBody>
+                  <a:tcPr anchor="ctr"/>
+                </a:tc>
+                <a:tc>
+                  <a:txBody>
+                    <a:bodyPr/>
+                    <a:lstStyle/>
+                    <a:p>
+                      <a:pPr algn="ctr"/>
+                      <a:r>
+                        <a:rPr lang="pt-PT" sz="1200" dirty="0"/>
+                        <a:t>0.7424</a:t>
+                      </a:r>
+                    </a:p>
+                  </a:txBody>
+                  <a:tcPr anchor="ctr"/>
+                </a:tc>
+                <a:tc vMerge="1">
+                  <a:txBody>
+                    <a:bodyPr/>
+                    <a:lstStyle/>
+                    <a:p>
+                      <a:endParaRPr lang="pt-PT"/>
+                    </a:p>
+                  </a:txBody>
+                  <a:tcPr/>
+                </a:tc>
+                <a:tc vMerge="1">
+                  <a:txBody>
+                    <a:bodyPr/>
+                    <a:lstStyle/>
+                    <a:p>
+                      <a:endParaRPr lang="pt-PT"/>
+                    </a:p>
+                  </a:txBody>
+                  <a:tcPr/>
+                </a:tc>
+                <a:tc vMerge="1">
+                  <a:txBody>
+                    <a:bodyPr/>
+                    <a:lstStyle/>
+                    <a:p>
+                      <a:endParaRPr lang="pt-PT"/>
+                    </a:p>
+                  </a:txBody>
+                  <a:tcPr/>
+                </a:tc>
+                <a:tc vMerge="1">
+                  <a:txBody>
+                    <a:bodyPr/>
+                    <a:lstStyle/>
+                    <a:p>
+                      <a:endParaRPr lang="pt-PT"/>
+                    </a:p>
+                  </a:txBody>
+                  <a:tcPr/>
+                </a:tc>
+                <a:extLst>
+                  <a:ext uri="{0D108BD9-81ED-4DB2-BD59-A6C34878D82A}">
+                    <a16:rowId xmlns:a16="http://schemas.microsoft.com/office/drawing/2014/main" val="2566099173"/>
+                  </a:ext>
+                </a:extLst>
+              </a:tr>
+              <a:tr h="279845">
+                <a:tc vMerge="1">
+                  <a:txBody>
+                    <a:bodyPr/>
+                    <a:lstStyle/>
+                    <a:p>
+                      <a:endParaRPr lang="pt-PT"/>
+                    </a:p>
+                  </a:txBody>
+                  <a:tcPr/>
+                </a:tc>
+                <a:tc vMerge="1">
+                  <a:txBody>
+                    <a:bodyPr/>
+                    <a:lstStyle/>
+                    <a:p>
+                      <a:endParaRPr lang="pt-PT"/>
+                    </a:p>
+                  </a:txBody>
+                  <a:tcPr/>
+                </a:tc>
+                <a:tc>
+                  <a:txBody>
+                    <a:bodyPr/>
+                    <a:lstStyle/>
+                    <a:p>
+                      <a:pPr algn="ctr"/>
+                      <a:r>
+                        <a:rPr lang="pt-PT" sz="1200" dirty="0"/>
+                        <a:t>1225</a:t>
+                      </a:r>
+                    </a:p>
+                  </a:txBody>
+                  <a:tcPr anchor="ctr"/>
+                </a:tc>
+                <a:tc>
+                  <a:txBody>
+                    <a:bodyPr/>
+                    <a:lstStyle/>
+                    <a:p>
+                      <a:pPr algn="ctr"/>
+                      <a:r>
+                        <a:rPr lang="pt-PT" sz="1200" dirty="0"/>
+                        <a:t>1886</a:t>
+                      </a:r>
+                    </a:p>
+                  </a:txBody>
+                  <a:tcPr anchor="ctr"/>
+                </a:tc>
+                <a:tc>
+                  <a:txBody>
+                    <a:bodyPr/>
+                    <a:lstStyle/>
+                    <a:p>
+                      <a:pPr algn="ctr"/>
+                      <a:r>
+                        <a:rPr lang="pt-PT" sz="1200" dirty="0"/>
+                        <a:t>0.5278</a:t>
+                      </a:r>
+                    </a:p>
+                  </a:txBody>
+                  <a:tcPr anchor="ctr"/>
+                </a:tc>
+                <a:tc>
+                  <a:txBody>
+                    <a:bodyPr/>
+                    <a:lstStyle/>
+                    <a:p>
+                      <a:pPr algn="ctr"/>
+                      <a:r>
+                        <a:rPr lang="pt-PT" sz="1200" dirty="0"/>
+                        <a:t>0.6616</a:t>
+                      </a:r>
+                    </a:p>
+                  </a:txBody>
+                  <a:tcPr anchor="ctr"/>
+                </a:tc>
+                <a:tc vMerge="1">
+                  <a:txBody>
+                    <a:bodyPr/>
+                    <a:lstStyle/>
+                    <a:p>
+                      <a:endParaRPr lang="pt-PT"/>
+                    </a:p>
+                  </a:txBody>
+                  <a:tcPr/>
+                </a:tc>
+                <a:tc vMerge="1">
+                  <a:txBody>
+                    <a:bodyPr/>
+                    <a:lstStyle/>
+                    <a:p>
+                      <a:endParaRPr lang="pt-PT"/>
+                    </a:p>
+                  </a:txBody>
+                  <a:tcPr/>
+                </a:tc>
+                <a:tc vMerge="1">
+                  <a:txBody>
+                    <a:bodyPr/>
+                    <a:lstStyle/>
+                    <a:p>
+                      <a:endParaRPr lang="pt-PT"/>
+                    </a:p>
+                  </a:txBody>
+                  <a:tcPr/>
+                </a:tc>
+                <a:tc vMerge="1">
+                  <a:txBody>
+                    <a:bodyPr/>
+                    <a:lstStyle/>
+                    <a:p>
+                      <a:endParaRPr lang="pt-PT"/>
+                    </a:p>
+                  </a:txBody>
+                  <a:tcPr/>
+                </a:tc>
+                <a:extLst>
+                  <a:ext uri="{0D108BD9-81ED-4DB2-BD59-A6C34878D82A}">
+                    <a16:rowId xmlns:a16="http://schemas.microsoft.com/office/drawing/2014/main" val="2732035370"/>
+                  </a:ext>
+                </a:extLst>
+              </a:tr>
+              <a:tr h="279845">
+                <a:tc vMerge="1">
+                  <a:txBody>
+                    <a:bodyPr/>
+                    <a:lstStyle/>
+                    <a:p>
+                      <a:endParaRPr lang="pt-PT"/>
+                    </a:p>
+                  </a:txBody>
+                  <a:tcPr/>
+                </a:tc>
+                <a:tc vMerge="1">
+                  <a:txBody>
+                    <a:bodyPr/>
+                    <a:lstStyle/>
+                    <a:p>
+                      <a:endParaRPr lang="pt-PT"/>
+                    </a:p>
+                  </a:txBody>
+                  <a:tcPr/>
+                </a:tc>
+                <a:tc>
+                  <a:txBody>
+                    <a:bodyPr/>
+                    <a:lstStyle/>
+                    <a:p>
+                      <a:pPr algn="ctr"/>
+                      <a:r>
+                        <a:rPr lang="pt-PT" sz="1200" dirty="0"/>
+                        <a:t>1427</a:t>
+                      </a:r>
+                    </a:p>
+                  </a:txBody>
+                  <a:tcPr anchor="ctr"/>
+                </a:tc>
+                <a:tc>
+                  <a:txBody>
+                    <a:bodyPr/>
+                    <a:lstStyle/>
+                    <a:p>
+                      <a:pPr algn="ctr"/>
+                      <a:r>
+                        <a:rPr lang="pt-PT" sz="1200" dirty="0"/>
+                        <a:t>3146</a:t>
+                      </a:r>
+                    </a:p>
+                  </a:txBody>
+                  <a:tcPr anchor="ctr"/>
+                </a:tc>
+                <a:tc>
+                  <a:txBody>
+                    <a:bodyPr/>
+                    <a:lstStyle/>
+                    <a:p>
+                      <a:pPr algn="ctr"/>
+                      <a:r>
+                        <a:rPr lang="pt-PT" sz="1200" dirty="0"/>
+                        <a:t>0.6708</a:t>
+                      </a:r>
+                    </a:p>
+                  </a:txBody>
+                  <a:tcPr anchor="ctr"/>
+                </a:tc>
+                <a:tc>
+                  <a:txBody>
+                    <a:bodyPr/>
+                    <a:lstStyle/>
+                    <a:p>
+                      <a:pPr marL="0" marR="0" lvl="0" indent="0" algn="ctr" defTabSz="914400" rtl="0" eaLnBrk="1" fontAlgn="auto" latinLnBrk="0" hangingPunct="1">
+                        <a:lnSpc>
+                          <a:spcPct val="100000"/>
+                        </a:lnSpc>
+                        <a:spcBef>
+                          <a:spcPts val="0"/>
+                        </a:spcBef>
+                        <a:spcAft>
+                          <a:spcPts val="0"/>
+                        </a:spcAft>
+                        <a:buClrTx/>
+                        <a:buSzTx/>
+                        <a:buFontTx/>
+                        <a:buNone/>
+                        <a:tabLst/>
+                        <a:defRPr/>
+                      </a:pPr>
+                      <a:r>
+                        <a:rPr lang="pt-PT" sz="1200" dirty="0"/>
                         <a:t>1.3595</a:t>
                       </a:r>
                     </a:p>
@@ -12310,7 +14425,21 @@
                     <a:p>
                       <a:pPr algn="ctr"/>
                       <a:r>
-                        <a:rPr lang="pt-PT" sz="1600" dirty="0"/>
+                        <a:rPr lang="pt-PT" sz="1200" dirty="0"/>
+                        <a:t>1570</a:t>
+                      </a:r>
+                    </a:p>
+                  </a:txBody>
+                  <a:tcPr anchor="ctr"/>
+                </a:tc>
+                <a:tc rowSpan="3">
+                  <a:txBody>
+                    <a:bodyPr/>
+                    <a:lstStyle/>
+                    <a:p>
+                      <a:pPr algn="ctr"/>
+                      <a:r>
+                        <a:rPr lang="pt-PT" sz="1200" dirty="0"/>
                         <a:t>3168.3</a:t>
                       </a:r>
                     </a:p>
@@ -12324,7 +14453,21 @@
                     <a:p>
                       <a:pPr algn="ctr"/>
                       <a:r>
-                        <a:rPr lang="pt-PT" sz="1600" dirty="0"/>
+                        <a:rPr lang="pt-PT" sz="1200" dirty="0"/>
+                        <a:t>0.6673</a:t>
+                      </a:r>
+                    </a:p>
+                  </a:txBody>
+                  <a:tcPr anchor="ctr"/>
+                </a:tc>
+                <a:tc rowSpan="3">
+                  <a:txBody>
+                    <a:bodyPr/>
+                    <a:lstStyle/>
+                    <a:p>
+                      <a:pPr algn="ctr"/>
+                      <a:r>
+                        <a:rPr lang="pt-PT" sz="1200" dirty="0"/>
                         <a:t>1.3924</a:t>
                       </a:r>
                     </a:p>
@@ -12337,26 +14480,40 @@
                   </a:ext>
                 </a:extLst>
               </a:tr>
-              <a:tr h="298675">
-                <a:tc vMerge="1">
-                  <a:txBody>
-                    <a:bodyPr/>
-                    <a:lstStyle/>
-                    <a:p>
-                      <a:endParaRPr lang="pt-PT"/>
-                    </a:p>
-                  </a:txBody>
-                  <a:tcPr/>
-                </a:tc>
-                <a:tc vMerge="1">
-                  <a:txBody>
-                    <a:bodyPr/>
-                    <a:lstStyle/>
-                    <a:p>
-                      <a:endParaRPr lang="pt-PT"/>
-                    </a:p>
-                  </a:txBody>
-                  <a:tcPr/>
+              <a:tr h="279845">
+                <a:tc vMerge="1">
+                  <a:txBody>
+                    <a:bodyPr/>
+                    <a:lstStyle/>
+                    <a:p>
+                      <a:endParaRPr lang="pt-PT"/>
+                    </a:p>
+                  </a:txBody>
+                  <a:tcPr/>
+                </a:tc>
+                <a:tc vMerge="1">
+                  <a:txBody>
+                    <a:bodyPr/>
+                    <a:lstStyle/>
+                    <a:p>
+                      <a:endParaRPr lang="pt-PT"/>
+                    </a:p>
+                  </a:txBody>
+                  <a:tcPr/>
+                </a:tc>
+                <a:tc>
+                  <a:txBody>
+                    <a:bodyPr/>
+                    <a:lstStyle/>
+                    <a:p>
+                      <a:pPr algn="ctr"/>
+                      <a:r>
+                        <a:rPr lang="pt-PT" sz="1200" dirty="0"/>
+                        <a:t>1469</a:t>
+                      </a:r>
+                    </a:p>
+                  </a:txBody>
+                  <a:tcPr anchor="ctr"/>
                 </a:tc>
                 <a:tc>
                   <a:txBody>
@@ -12380,11 +14537,45 @@
                       <a:pPr algn="ctr"/>
                       <a:r>
                         <a:rPr lang="pt-PT" sz="1200" dirty="0"/>
+                        <a:t>0.6254</a:t>
+                      </a:r>
+                    </a:p>
+                  </a:txBody>
+                  <a:tcPr anchor="ctr"/>
+                </a:tc>
+                <a:tc>
+                  <a:txBody>
+                    <a:bodyPr/>
+                    <a:lstStyle/>
+                    <a:p>
+                      <a:pPr algn="ctr"/>
+                      <a:r>
+                        <a:rPr lang="pt-PT" sz="1200" dirty="0"/>
                         <a:t>1.3708</a:t>
                       </a:r>
                     </a:p>
                   </a:txBody>
                   <a:tcPr anchor="ctr"/>
+                </a:tc>
+                <a:tc vMerge="1">
+                  <a:txBody>
+                    <a:bodyPr/>
+                    <a:lstStyle/>
+                    <a:p>
+                      <a:endParaRPr lang="pt-PT"/>
+                    </a:p>
+                  </a:txBody>
+                  <a:tcPr/>
+                </a:tc>
+                <a:tc vMerge="1">
+                  <a:txBody>
+                    <a:bodyPr/>
+                    <a:lstStyle/>
+                    <a:p>
+                      <a:endParaRPr lang="pt-PT"/>
+                    </a:p>
+                  </a:txBody>
+                  <a:tcPr/>
                 </a:tc>
                 <a:tc vMerge="1">
                   <a:txBody>
@@ -12412,26 +14603,56 @@
                   </a:ext>
                 </a:extLst>
               </a:tr>
-              <a:tr h="298675">
-                <a:tc vMerge="1">
-                  <a:txBody>
-                    <a:bodyPr/>
-                    <a:lstStyle/>
-                    <a:p>
-                      <a:endParaRPr lang="pt-PT"/>
-                    </a:p>
-                  </a:txBody>
-                  <a:tcPr/>
-                </a:tc>
-                <a:tc vMerge="1">
-                  <a:txBody>
-                    <a:bodyPr/>
-                    <a:lstStyle/>
-                    <a:p>
-                      <a:endParaRPr lang="pt-PT"/>
-                    </a:p>
-                  </a:txBody>
-                  <a:tcPr/>
+              <a:tr h="279845">
+                <a:tc vMerge="1">
+                  <a:txBody>
+                    <a:bodyPr/>
+                    <a:lstStyle/>
+                    <a:p>
+                      <a:endParaRPr lang="pt-PT"/>
+                    </a:p>
+                  </a:txBody>
+                  <a:tcPr/>
+                </a:tc>
+                <a:tc vMerge="1">
+                  <a:txBody>
+                    <a:bodyPr/>
+                    <a:lstStyle/>
+                    <a:p>
+                      <a:endParaRPr lang="pt-PT"/>
+                    </a:p>
+                  </a:txBody>
+                  <a:tcPr/>
+                </a:tc>
+                <a:tc>
+                  <a:txBody>
+                    <a:bodyPr/>
+                    <a:lstStyle/>
+                    <a:p>
+                      <a:pPr marL="0" marR="0" lvl="0" indent="0" algn="ctr" defTabSz="914400" rtl="0" eaLnBrk="1" fontAlgn="auto" latinLnBrk="0" hangingPunct="1">
+                        <a:lnSpc>
+                          <a:spcPct val="100000"/>
+                        </a:lnSpc>
+                        <a:spcBef>
+                          <a:spcPts val="0"/>
+                        </a:spcBef>
+                        <a:spcAft>
+                          <a:spcPts val="0"/>
+                        </a:spcAft>
+                        <a:buClrTx/>
+                        <a:buSzTx/>
+                        <a:buFontTx/>
+                        <a:buNone/>
+                        <a:tabLst/>
+                        <a:defRPr/>
+                      </a:pPr>
+                      <a:r>
+                        <a:rPr lang="pt-PT" sz="1200" dirty="0"/>
+                        <a:t>1814</a:t>
+                      </a:r>
+                    </a:p>
+                  </a:txBody>
+                  <a:tcPr anchor="ctr"/>
                 </a:tc>
                 <a:tc>
                   <a:txBody>
@@ -12455,11 +14676,45 @@
                       <a:pPr algn="ctr"/>
                       <a:r>
                         <a:rPr lang="pt-PT" sz="1200" dirty="0"/>
+                        <a:t>0.7058</a:t>
+                      </a:r>
+                    </a:p>
+                  </a:txBody>
+                  <a:tcPr anchor="ctr"/>
+                </a:tc>
+                <a:tc>
+                  <a:txBody>
+                    <a:bodyPr/>
+                    <a:lstStyle/>
+                    <a:p>
+                      <a:pPr algn="ctr"/>
+                      <a:r>
+                        <a:rPr lang="pt-PT" sz="1200" dirty="0"/>
                         <a:t>1.4469</a:t>
                       </a:r>
                     </a:p>
                   </a:txBody>
                   <a:tcPr anchor="ctr"/>
+                </a:tc>
+                <a:tc vMerge="1">
+                  <a:txBody>
+                    <a:bodyPr/>
+                    <a:lstStyle/>
+                    <a:p>
+                      <a:endParaRPr lang="pt-PT"/>
+                    </a:p>
+                  </a:txBody>
+                  <a:tcPr/>
+                </a:tc>
+                <a:tc vMerge="1">
+                  <a:txBody>
+                    <a:bodyPr/>
+                    <a:lstStyle/>
+                    <a:p>
+                      <a:endParaRPr lang="pt-PT"/>
+                    </a:p>
+                  </a:txBody>
+                  <a:tcPr/>
                 </a:tc>
                 <a:tc vMerge="1">
                   <a:txBody>
@@ -12487,7 +14742,7 @@
                   </a:ext>
                 </a:extLst>
               </a:tr>
-              <a:tr h="298675">
+              <a:tr h="279845">
                 <a:tc vMerge="1">
                   <a:txBody>
                     <a:bodyPr/>
@@ -12520,6 +14775,20 @@
                       <a:pPr algn="ctr"/>
                       <a:r>
                         <a:rPr lang="pt-PT" sz="1200" dirty="0"/>
+                        <a:t>3624</a:t>
+                      </a:r>
+                    </a:p>
+                  </a:txBody>
+                  <a:tcPr anchor="ctr"/>
+                </a:tc>
+                <a:tc>
+                  <a:txBody>
+                    <a:bodyPr/>
+                    <a:lstStyle/>
+                    <a:p>
+                      <a:pPr algn="ctr"/>
+                      <a:r>
+                        <a:rPr lang="pt-PT" sz="1200" dirty="0"/>
                         <a:t>13151</a:t>
                       </a:r>
                     </a:p>
@@ -12534,6 +14803,20 @@
                       <a:pPr algn="ctr"/>
                       <a:r>
                         <a:rPr lang="pt-PT" sz="1200" dirty="0"/>
+                        <a:t>1.1649</a:t>
+                      </a:r>
+                    </a:p>
+                  </a:txBody>
+                  <a:tcPr anchor="ctr"/>
+                </a:tc>
+                <a:tc>
+                  <a:txBody>
+                    <a:bodyPr/>
+                    <a:lstStyle/>
+                    <a:p>
+                      <a:pPr algn="ctr"/>
+                      <a:r>
+                        <a:rPr lang="pt-PT" sz="1200" dirty="0"/>
                         <a:t>2.7493</a:t>
                       </a:r>
                     </a:p>
@@ -12547,7 +14830,21 @@
                     <a:p>
                       <a:pPr algn="ctr"/>
                       <a:r>
-                        <a:rPr lang="pt-PT" sz="1600" dirty="0"/>
+                        <a:rPr lang="pt-PT" sz="1200" dirty="0"/>
+                        <a:t>3771.7</a:t>
+                      </a:r>
+                    </a:p>
+                  </a:txBody>
+                  <a:tcPr anchor="ctr"/>
+                </a:tc>
+                <a:tc rowSpan="3">
+                  <a:txBody>
+                    <a:bodyPr/>
+                    <a:lstStyle/>
+                    <a:p>
+                      <a:pPr algn="ctr"/>
+                      <a:r>
+                        <a:rPr lang="pt-PT" sz="1200" dirty="0"/>
                         <a:t>13172.6</a:t>
                       </a:r>
                     </a:p>
@@ -12561,7 +14858,21 @@
                     <a:p>
                       <a:pPr algn="ctr"/>
                       <a:r>
-                        <a:rPr lang="pt-PT" sz="1600" dirty="0"/>
+                        <a:rPr lang="pt-PT" sz="1200" dirty="0"/>
+                        <a:t>1.2266</a:t>
+                      </a:r>
+                    </a:p>
+                  </a:txBody>
+                  <a:tcPr anchor="ctr"/>
+                </a:tc>
+                <a:tc rowSpan="3">
+                  <a:txBody>
+                    <a:bodyPr/>
+                    <a:lstStyle/>
+                    <a:p>
+                      <a:pPr algn="ctr"/>
+                      <a:r>
+                        <a:rPr lang="pt-PT" sz="1200" dirty="0"/>
                         <a:t>2.8092</a:t>
                       </a:r>
                     </a:p>
@@ -12574,26 +14885,40 @@
                   </a:ext>
                 </a:extLst>
               </a:tr>
-              <a:tr h="298675">
-                <a:tc vMerge="1">
-                  <a:txBody>
-                    <a:bodyPr/>
-                    <a:lstStyle/>
-                    <a:p>
-                      <a:endParaRPr lang="pt-PT"/>
-                    </a:p>
-                  </a:txBody>
-                  <a:tcPr/>
-                </a:tc>
-                <a:tc vMerge="1">
-                  <a:txBody>
-                    <a:bodyPr/>
-                    <a:lstStyle/>
-                    <a:p>
-                      <a:endParaRPr lang="pt-PT"/>
-                    </a:p>
-                  </a:txBody>
-                  <a:tcPr/>
+              <a:tr h="279845">
+                <a:tc vMerge="1">
+                  <a:txBody>
+                    <a:bodyPr/>
+                    <a:lstStyle/>
+                    <a:p>
+                      <a:endParaRPr lang="pt-PT"/>
+                    </a:p>
+                  </a:txBody>
+                  <a:tcPr/>
+                </a:tc>
+                <a:tc vMerge="1">
+                  <a:txBody>
+                    <a:bodyPr/>
+                    <a:lstStyle/>
+                    <a:p>
+                      <a:endParaRPr lang="pt-PT"/>
+                    </a:p>
+                  </a:txBody>
+                  <a:tcPr/>
+                </a:tc>
+                <a:tc>
+                  <a:txBody>
+                    <a:bodyPr/>
+                    <a:lstStyle/>
+                    <a:p>
+                      <a:pPr algn="ctr"/>
+                      <a:r>
+                        <a:rPr lang="pt-PT" sz="1200" dirty="0"/>
+                        <a:t>4135</a:t>
+                      </a:r>
+                    </a:p>
+                  </a:txBody>
+                  <a:tcPr anchor="ctr"/>
                 </a:tc>
                 <a:tc>
                   <a:txBody>
@@ -12617,11 +14942,45 @@
                       <a:pPr algn="ctr"/>
                       <a:r>
                         <a:rPr lang="pt-PT" sz="1200" dirty="0"/>
+                        <a:t>1.3069</a:t>
+                      </a:r>
+                    </a:p>
+                  </a:txBody>
+                  <a:tcPr anchor="ctr"/>
+                </a:tc>
+                <a:tc>
+                  <a:txBody>
+                    <a:bodyPr/>
+                    <a:lstStyle/>
+                    <a:p>
+                      <a:pPr algn="ctr"/>
+                      <a:r>
+                        <a:rPr lang="pt-PT" sz="1200" dirty="0"/>
                         <a:t>2.7226</a:t>
                       </a:r>
                     </a:p>
                   </a:txBody>
                   <a:tcPr anchor="ctr"/>
+                </a:tc>
+                <a:tc vMerge="1">
+                  <a:txBody>
+                    <a:bodyPr/>
+                    <a:lstStyle/>
+                    <a:p>
+                      <a:endParaRPr lang="pt-PT"/>
+                    </a:p>
+                  </a:txBody>
+                  <a:tcPr/>
+                </a:tc>
+                <a:tc vMerge="1">
+                  <a:txBody>
+                    <a:bodyPr/>
+                    <a:lstStyle/>
+                    <a:p>
+                      <a:endParaRPr lang="pt-PT"/>
+                    </a:p>
+                  </a:txBody>
+                  <a:tcPr/>
                 </a:tc>
                 <a:tc vMerge="1">
                   <a:txBody>
@@ -12649,26 +15008,40 @@
                   </a:ext>
                 </a:extLst>
               </a:tr>
-              <a:tr h="298675">
-                <a:tc vMerge="1">
-                  <a:txBody>
-                    <a:bodyPr/>
-                    <a:lstStyle/>
-                    <a:p>
-                      <a:endParaRPr lang="pt-PT"/>
-                    </a:p>
-                  </a:txBody>
-                  <a:tcPr/>
-                </a:tc>
-                <a:tc vMerge="1">
-                  <a:txBody>
-                    <a:bodyPr/>
-                    <a:lstStyle/>
-                    <a:p>
-                      <a:endParaRPr lang="pt-PT"/>
-                    </a:p>
-                  </a:txBody>
-                  <a:tcPr/>
+              <a:tr h="279845">
+                <a:tc vMerge="1">
+                  <a:txBody>
+                    <a:bodyPr/>
+                    <a:lstStyle/>
+                    <a:p>
+                      <a:endParaRPr lang="pt-PT"/>
+                    </a:p>
+                  </a:txBody>
+                  <a:tcPr/>
+                </a:tc>
+                <a:tc vMerge="1">
+                  <a:txBody>
+                    <a:bodyPr/>
+                    <a:lstStyle/>
+                    <a:p>
+                      <a:endParaRPr lang="pt-PT"/>
+                    </a:p>
+                  </a:txBody>
+                  <a:tcPr/>
+                </a:tc>
+                <a:tc>
+                  <a:txBody>
+                    <a:bodyPr/>
+                    <a:lstStyle/>
+                    <a:p>
+                      <a:pPr algn="ctr"/>
+                      <a:r>
+                        <a:rPr lang="pt-PT" sz="1200" dirty="0"/>
+                        <a:t>3556</a:t>
+                      </a:r>
+                    </a:p>
+                  </a:txBody>
+                  <a:tcPr anchor="ctr"/>
                 </a:tc>
                 <a:tc>
                   <a:txBody>
@@ -12692,11 +15065,45 @@
                       <a:pPr algn="ctr"/>
                       <a:r>
                         <a:rPr lang="pt-PT" sz="1200" dirty="0"/>
+                        <a:t>1.2080</a:t>
+                      </a:r>
+                    </a:p>
+                  </a:txBody>
+                  <a:tcPr anchor="ctr"/>
+                </a:tc>
+                <a:tc>
+                  <a:txBody>
+                    <a:bodyPr/>
+                    <a:lstStyle/>
+                    <a:p>
+                      <a:pPr algn="ctr"/>
+                      <a:r>
+                        <a:rPr lang="pt-PT" sz="1200" dirty="0"/>
                         <a:t>2.9556</a:t>
                       </a:r>
                     </a:p>
                   </a:txBody>
                   <a:tcPr anchor="ctr"/>
+                </a:tc>
+                <a:tc vMerge="1">
+                  <a:txBody>
+                    <a:bodyPr/>
+                    <a:lstStyle/>
+                    <a:p>
+                      <a:endParaRPr lang="pt-PT"/>
+                    </a:p>
+                  </a:txBody>
+                  <a:tcPr/>
+                </a:tc>
+                <a:tc vMerge="1">
+                  <a:txBody>
+                    <a:bodyPr/>
+                    <a:lstStyle/>
+                    <a:p>
+                      <a:endParaRPr lang="pt-PT"/>
+                    </a:p>
+                  </a:txBody>
+                  <a:tcPr/>
                 </a:tc>
                 <a:tc vMerge="1">
                   <a:txBody>
@@ -12724,26 +15131,40 @@
                   </a:ext>
                 </a:extLst>
               </a:tr>
-              <a:tr h="298675">
-                <a:tc vMerge="1">
-                  <a:txBody>
-                    <a:bodyPr/>
-                    <a:lstStyle/>
-                    <a:p>
-                      <a:endParaRPr lang="pt-PT"/>
-                    </a:p>
-                  </a:txBody>
-                  <a:tcPr/>
-                </a:tc>
-                <a:tc vMerge="1">
-                  <a:txBody>
-                    <a:bodyPr/>
-                    <a:lstStyle/>
-                    <a:p>
-                      <a:endParaRPr lang="pt-PT"/>
-                    </a:p>
-                  </a:txBody>
-                  <a:tcPr/>
+              <a:tr h="279845">
+                <a:tc vMerge="1">
+                  <a:txBody>
+                    <a:bodyPr/>
+                    <a:lstStyle/>
+                    <a:p>
+                      <a:endParaRPr lang="pt-PT"/>
+                    </a:p>
+                  </a:txBody>
+                  <a:tcPr/>
+                </a:tc>
+                <a:tc vMerge="1">
+                  <a:txBody>
+                    <a:bodyPr/>
+                    <a:lstStyle/>
+                    <a:p>
+                      <a:endParaRPr lang="pt-PT"/>
+                    </a:p>
+                  </a:txBody>
+                  <a:tcPr/>
+                </a:tc>
+                <a:tc>
+                  <a:txBody>
+                    <a:bodyPr/>
+                    <a:lstStyle/>
+                    <a:p>
+                      <a:pPr algn="ctr"/>
+                      <a:r>
+                        <a:rPr lang="pt-PT" sz="1200" dirty="0"/>
+                        <a:t>5334</a:t>
+                      </a:r>
+                    </a:p>
+                  </a:txBody>
+                  <a:tcPr anchor="ctr"/>
                 </a:tc>
                 <a:tc>
                   <a:txBody>
@@ -12767,6 +15188,20 @@
                       <a:pPr algn="ctr"/>
                       <a:r>
                         <a:rPr lang="pt-PT" sz="1200" dirty="0"/>
+                        <a:t>1.7905</a:t>
+                      </a:r>
+                    </a:p>
+                  </a:txBody>
+                  <a:tcPr anchor="ctr"/>
+                </a:tc>
+                <a:tc>
+                  <a:txBody>
+                    <a:bodyPr/>
+                    <a:lstStyle/>
+                    <a:p>
+                      <a:pPr algn="ctr"/>
+                      <a:r>
+                        <a:rPr lang="pt-PT" sz="1200" dirty="0"/>
                         <a:t>3.7276</a:t>
                       </a:r>
                     </a:p>
@@ -12780,7 +15215,21 @@
                     <a:p>
                       <a:pPr algn="ctr"/>
                       <a:r>
-                        <a:rPr lang="pt-PT" sz="1600" dirty="0"/>
+                        <a:rPr lang="pt-PT" sz="1200" dirty="0"/>
+                        <a:t>6097.3</a:t>
+                      </a:r>
+                    </a:p>
+                  </a:txBody>
+                  <a:tcPr anchor="ctr"/>
+                </a:tc>
+                <a:tc rowSpan="3">
+                  <a:txBody>
+                    <a:bodyPr/>
+                    <a:lstStyle/>
+                    <a:p>
+                      <a:pPr algn="ctr"/>
+                      <a:r>
+                        <a:rPr lang="pt-PT" sz="1200" dirty="0"/>
                         <a:t>16967.3</a:t>
                       </a:r>
                     </a:p>
@@ -12794,7 +15243,21 @@
                     <a:p>
                       <a:pPr algn="ctr"/>
                       <a:r>
-                        <a:rPr lang="pt-PT" sz="1600" dirty="0"/>
+                        <a:rPr lang="pt-PT" sz="1200" dirty="0"/>
+                        <a:t>2.1837</a:t>
+                      </a:r>
+                    </a:p>
+                  </a:txBody>
+                  <a:tcPr anchor="ctr"/>
+                </a:tc>
+                <a:tc rowSpan="3">
+                  <a:txBody>
+                    <a:bodyPr/>
+                    <a:lstStyle/>
+                    <a:p>
+                      <a:pPr algn="ctr"/>
+                      <a:r>
+                        <a:rPr lang="pt-PT" sz="1200" dirty="0"/>
                         <a:t>3.6088</a:t>
                       </a:r>
                     </a:p>
@@ -12807,26 +15270,40 @@
                   </a:ext>
                 </a:extLst>
               </a:tr>
-              <a:tr h="298675">
-                <a:tc vMerge="1">
-                  <a:txBody>
-                    <a:bodyPr/>
-                    <a:lstStyle/>
-                    <a:p>
-                      <a:endParaRPr lang="pt-PT"/>
-                    </a:p>
-                  </a:txBody>
-                  <a:tcPr/>
-                </a:tc>
-                <a:tc vMerge="1">
-                  <a:txBody>
-                    <a:bodyPr/>
-                    <a:lstStyle/>
-                    <a:p>
-                      <a:endParaRPr lang="pt-PT"/>
-                    </a:p>
-                  </a:txBody>
-                  <a:tcPr/>
+              <a:tr h="279845">
+                <a:tc vMerge="1">
+                  <a:txBody>
+                    <a:bodyPr/>
+                    <a:lstStyle/>
+                    <a:p>
+                      <a:endParaRPr lang="pt-PT"/>
+                    </a:p>
+                  </a:txBody>
+                  <a:tcPr/>
+                </a:tc>
+                <a:tc vMerge="1">
+                  <a:txBody>
+                    <a:bodyPr/>
+                    <a:lstStyle/>
+                    <a:p>
+                      <a:endParaRPr lang="pt-PT"/>
+                    </a:p>
+                  </a:txBody>
+                  <a:tcPr/>
+                </a:tc>
+                <a:tc>
+                  <a:txBody>
+                    <a:bodyPr/>
+                    <a:lstStyle/>
+                    <a:p>
+                      <a:pPr algn="ctr"/>
+                      <a:r>
+                        <a:rPr lang="pt-PT" sz="1200" dirty="0"/>
+                        <a:t>5735</a:t>
+                      </a:r>
+                    </a:p>
+                  </a:txBody>
+                  <a:tcPr anchor="ctr"/>
                 </a:tc>
                 <a:tc>
                   <a:txBody>
@@ -12850,11 +15327,45 @@
                       <a:pPr algn="ctr"/>
                       <a:r>
                         <a:rPr lang="pt-PT" sz="1200" dirty="0"/>
+                        <a:t>2.2038</a:t>
+                      </a:r>
+                    </a:p>
+                  </a:txBody>
+                  <a:tcPr anchor="ctr"/>
+                </a:tc>
+                <a:tc>
+                  <a:txBody>
+                    <a:bodyPr/>
+                    <a:lstStyle/>
+                    <a:p>
+                      <a:pPr algn="ctr"/>
+                      <a:r>
+                        <a:rPr lang="pt-PT" sz="1200" dirty="0"/>
                         <a:t>3.8569</a:t>
                       </a:r>
                     </a:p>
                   </a:txBody>
                   <a:tcPr anchor="ctr"/>
+                </a:tc>
+                <a:tc vMerge="1">
+                  <a:txBody>
+                    <a:bodyPr/>
+                    <a:lstStyle/>
+                    <a:p>
+                      <a:endParaRPr lang="pt-PT"/>
+                    </a:p>
+                  </a:txBody>
+                  <a:tcPr/>
+                </a:tc>
+                <a:tc vMerge="1">
+                  <a:txBody>
+                    <a:bodyPr/>
+                    <a:lstStyle/>
+                    <a:p>
+                      <a:endParaRPr lang="pt-PT"/>
+                    </a:p>
+                  </a:txBody>
+                  <a:tcPr/>
                 </a:tc>
                 <a:tc vMerge="1">
                   <a:txBody>
@@ -12882,26 +15393,40 @@
                   </a:ext>
                 </a:extLst>
               </a:tr>
-              <a:tr h="298675">
-                <a:tc vMerge="1">
-                  <a:txBody>
-                    <a:bodyPr/>
-                    <a:lstStyle/>
-                    <a:p>
-                      <a:endParaRPr lang="pt-PT"/>
-                    </a:p>
-                  </a:txBody>
-                  <a:tcPr/>
-                </a:tc>
-                <a:tc vMerge="1">
-                  <a:txBody>
-                    <a:bodyPr/>
-                    <a:lstStyle/>
-                    <a:p>
-                      <a:endParaRPr lang="pt-PT"/>
-                    </a:p>
-                  </a:txBody>
-                  <a:tcPr/>
+              <a:tr h="279845">
+                <a:tc vMerge="1">
+                  <a:txBody>
+                    <a:bodyPr/>
+                    <a:lstStyle/>
+                    <a:p>
+                      <a:endParaRPr lang="pt-PT"/>
+                    </a:p>
+                  </a:txBody>
+                  <a:tcPr/>
+                </a:tc>
+                <a:tc vMerge="1">
+                  <a:txBody>
+                    <a:bodyPr/>
+                    <a:lstStyle/>
+                    <a:p>
+                      <a:endParaRPr lang="pt-PT"/>
+                    </a:p>
+                  </a:txBody>
+                  <a:tcPr/>
+                </a:tc>
+                <a:tc>
+                  <a:txBody>
+                    <a:bodyPr/>
+                    <a:lstStyle/>
+                    <a:p>
+                      <a:pPr algn="ctr"/>
+                      <a:r>
+                        <a:rPr lang="pt-PT" sz="1200" dirty="0"/>
+                        <a:t>7223</a:t>
+                      </a:r>
+                    </a:p>
+                  </a:txBody>
+                  <a:tcPr anchor="ctr"/>
                 </a:tc>
                 <a:tc>
                   <a:txBody>
@@ -12925,11 +15450,45 @@
                       <a:pPr algn="ctr"/>
                       <a:r>
                         <a:rPr lang="pt-PT" sz="1200" dirty="0"/>
+                        <a:t>2.5567</a:t>
+                      </a:r>
+                    </a:p>
+                  </a:txBody>
+                  <a:tcPr anchor="ctr"/>
+                </a:tc>
+                <a:tc>
+                  <a:txBody>
+                    <a:bodyPr/>
+                    <a:lstStyle/>
+                    <a:p>
+                      <a:pPr algn="ctr"/>
+                      <a:r>
+                        <a:rPr lang="pt-PT" sz="1200" dirty="0"/>
                         <a:t>3.2418</a:t>
                       </a:r>
                     </a:p>
                   </a:txBody>
                   <a:tcPr anchor="ctr"/>
+                </a:tc>
+                <a:tc vMerge="1">
+                  <a:txBody>
+                    <a:bodyPr/>
+                    <a:lstStyle/>
+                    <a:p>
+                      <a:endParaRPr lang="pt-PT"/>
+                    </a:p>
+                  </a:txBody>
+                  <a:tcPr/>
+                </a:tc>
+                <a:tc vMerge="1">
+                  <a:txBody>
+                    <a:bodyPr/>
+                    <a:lstStyle/>
+                    <a:p>
+                      <a:endParaRPr lang="pt-PT" dirty="0"/>
+                    </a:p>
+                  </a:txBody>
+                  <a:tcPr/>
                 </a:tc>
                 <a:tc vMerge="1">
                   <a:txBody>

--- a/Proj1/doc/Neutreeko.pptx
+++ b/Proj1/doc/Neutreeko.pptx
@@ -5,7 +5,7 @@
     <p:sldMasterId id="2147483648" r:id="rId1"/>
   </p:sldMasterIdLst>
   <p:notesMasterIdLst>
-    <p:notesMasterId r:id="rId12"/>
+    <p:notesMasterId r:id="rId13"/>
   </p:notesMasterIdLst>
   <p:sldIdLst>
     <p:sldId id="256" r:id="rId2"/>
@@ -18,6 +18,7 @@
     <p:sldId id="270" r:id="rId9"/>
     <p:sldId id="271" r:id="rId10"/>
     <p:sldId id="272" r:id="rId11"/>
+    <p:sldId id="273" r:id="rId12"/>
   </p:sldIdLst>
   <p:sldSz cx="12192000" cy="6858000"/>
   <p:notesSz cx="6858000" cy="9144000"/>
@@ -218,7 +219,7 @@
           <a:p>
             <a:fld id="{D9EA7D21-7E7E-4E69-8980-F2C3AB1CFA8E}" type="datetimeFigureOut">
               <a:rPr lang="pt-PT" smtClean="0"/>
-              <a:t>02/04/2021</a:t>
+              <a:t>03/04/2021</a:t>
             </a:fld>
             <a:endParaRPr lang="pt-PT"/>
           </a:p>
@@ -632,7 +633,7 @@
           <a:p>
             <a:fld id="{A8762A3A-0E7E-48AB-BEA2-87AC6A6981D4}" type="datetime1">
               <a:rPr lang="pt-PT" smtClean="0"/>
-              <a:t>02/04/2021</a:t>
+              <a:t>03/04/2021</a:t>
             </a:fld>
             <a:endParaRPr lang="pt-PT"/>
           </a:p>
@@ -833,7 +834,7 @@
           <a:p>
             <a:fld id="{4CD54A0B-2F9E-46D6-BE0F-7F2DFF6F30BC}" type="datetime1">
               <a:rPr lang="pt-PT" smtClean="0"/>
-              <a:t>02/04/2021</a:t>
+              <a:t>03/04/2021</a:t>
             </a:fld>
             <a:endParaRPr lang="pt-PT"/>
           </a:p>
@@ -1044,7 +1045,7 @@
           <a:p>
             <a:fld id="{99E9EC95-A535-49ED-AA24-62ACB904959B}" type="datetime1">
               <a:rPr lang="pt-PT" smtClean="0"/>
-              <a:t>02/04/2021</a:t>
+              <a:t>03/04/2021</a:t>
             </a:fld>
             <a:endParaRPr lang="pt-PT"/>
           </a:p>
@@ -1245,7 +1246,7 @@
           <a:p>
             <a:fld id="{87E2826B-8641-404B-9760-58C17C7AA257}" type="datetime1">
               <a:rPr lang="pt-PT" smtClean="0"/>
-              <a:t>02/04/2021</a:t>
+              <a:t>03/04/2021</a:t>
             </a:fld>
             <a:endParaRPr lang="pt-PT"/>
           </a:p>
@@ -1523,7 +1524,7 @@
           <a:p>
             <a:fld id="{FE63305B-164B-47C8-8048-DB67414B149F}" type="datetime1">
               <a:rPr lang="pt-PT" smtClean="0"/>
-              <a:t>02/04/2021</a:t>
+              <a:t>03/04/2021</a:t>
             </a:fld>
             <a:endParaRPr lang="pt-PT"/>
           </a:p>
@@ -1791,7 +1792,7 @@
           <a:p>
             <a:fld id="{FD8F2592-1E72-497A-8966-7C94BA0E3A19}" type="datetime1">
               <a:rPr lang="pt-PT" smtClean="0"/>
-              <a:t>02/04/2021</a:t>
+              <a:t>03/04/2021</a:t>
             </a:fld>
             <a:endParaRPr lang="pt-PT"/>
           </a:p>
@@ -2206,7 +2207,7 @@
           <a:p>
             <a:fld id="{0472EA26-C852-4C70-8377-91E6918AFB5F}" type="datetime1">
               <a:rPr lang="pt-PT" smtClean="0"/>
-              <a:t>02/04/2021</a:t>
+              <a:t>03/04/2021</a:t>
             </a:fld>
             <a:endParaRPr lang="pt-PT"/>
           </a:p>
@@ -2350,7 +2351,7 @@
           <a:p>
             <a:fld id="{582A8956-12F0-45F5-BDFA-AB0B6BF32141}" type="datetime1">
               <a:rPr lang="pt-PT" smtClean="0"/>
-              <a:t>02/04/2021</a:t>
+              <a:t>03/04/2021</a:t>
             </a:fld>
             <a:endParaRPr lang="pt-PT"/>
           </a:p>
@@ -2466,7 +2467,7 @@
           <a:p>
             <a:fld id="{A3176B22-385F-4253-A4E3-9A8BE943DD42}" type="datetime1">
               <a:rPr lang="pt-PT" smtClean="0"/>
-              <a:t>02/04/2021</a:t>
+              <a:t>03/04/2021</a:t>
             </a:fld>
             <a:endParaRPr lang="pt-PT"/>
           </a:p>
@@ -2780,7 +2781,7 @@
           <a:p>
             <a:fld id="{7A8746ED-0FF5-4D14-9251-CC2BD7AB4CC8}" type="datetime1">
               <a:rPr lang="pt-PT" smtClean="0"/>
-              <a:t>02/04/2021</a:t>
+              <a:t>03/04/2021</a:t>
             </a:fld>
             <a:endParaRPr lang="pt-PT"/>
           </a:p>
@@ -3071,7 +3072,7 @@
           <a:p>
             <a:fld id="{BB430B28-8ED8-4988-BF73-261503368F89}" type="datetime1">
               <a:rPr lang="pt-PT" smtClean="0"/>
-              <a:t>02/04/2021</a:t>
+              <a:t>03/04/2021</a:t>
             </a:fld>
             <a:endParaRPr lang="pt-PT"/>
           </a:p>
@@ -3315,7 +3316,7 @@
           <a:p>
             <a:fld id="{A8973630-2439-4966-A35D-CBA2E5259A9E}" type="datetime1">
               <a:rPr lang="pt-PT" smtClean="0"/>
-              <a:t>02/04/2021</a:t>
+              <a:t>03/04/2021</a:t>
             </a:fld>
             <a:endParaRPr lang="pt-PT"/>
           </a:p>
@@ -4558,6 +4559,489 @@
 </p:sld>
 </file>
 
+<file path=ppt/slides/slide11.xml><?xml version="1.0" encoding="utf-8"?>
+<p:sld xmlns:a="http://schemas.openxmlformats.org/drawingml/2006/main" xmlns:r="http://schemas.openxmlformats.org/officeDocument/2006/relationships" xmlns:p="http://schemas.openxmlformats.org/presentationml/2006/main">
+  <p:cSld>
+    <p:spTree>
+      <p:nvGrpSpPr>
+        <p:cNvPr id="1" name=""/>
+        <p:cNvGrpSpPr/>
+        <p:nvPr/>
+      </p:nvGrpSpPr>
+      <p:grpSpPr>
+        <a:xfrm>
+          <a:off x="0" y="0"/>
+          <a:ext cx="0" cy="0"/>
+          <a:chOff x="0" y="0"/>
+          <a:chExt cx="0" cy="0"/>
+        </a:xfrm>
+      </p:grpSpPr>
+      <p:sp>
+        <p:nvSpPr>
+          <p:cNvPr id="6" name="Retângulo 5">
+            <a:extLst>
+              <a:ext uri="{FF2B5EF4-FFF2-40B4-BE49-F238E27FC236}">
+                <a16:creationId xmlns:a16="http://schemas.microsoft.com/office/drawing/2014/main" id="{454CAB97-83B3-44A3-8CA4-605ECF34C270}"/>
+              </a:ext>
+            </a:extLst>
+          </p:cNvPr>
+          <p:cNvSpPr/>
+          <p:nvPr/>
+        </p:nvSpPr>
+        <p:spPr>
+          <a:xfrm>
+            <a:off x="391885" y="6322612"/>
+            <a:ext cx="11364880" cy="309300"/>
+          </a:xfrm>
+          <a:prstGeom prst="rect">
+            <a:avLst/>
+          </a:prstGeom>
+          <a:gradFill>
+            <a:gsLst>
+              <a:gs pos="0">
+                <a:schemeClr val="accent1">
+                  <a:tint val="66000"/>
+                  <a:satMod val="160000"/>
+                  <a:lumMod val="70000"/>
+                  <a:lumOff val="30000"/>
+                </a:schemeClr>
+              </a:gs>
+              <a:gs pos="48000">
+                <a:schemeClr val="accent1">
+                  <a:tint val="44500"/>
+                  <a:satMod val="160000"/>
+                </a:schemeClr>
+              </a:gs>
+              <a:gs pos="70000">
+                <a:schemeClr val="accent1">
+                  <a:tint val="23500"/>
+                  <a:satMod val="160000"/>
+                </a:schemeClr>
+              </a:gs>
+            </a:gsLst>
+            <a:lin ang="2700000" scaled="0"/>
+          </a:gradFill>
+          <a:ln>
+            <a:noFill/>
+          </a:ln>
+        </p:spPr>
+        <p:style>
+          <a:lnRef idx="2">
+            <a:schemeClr val="accent1">
+              <a:shade val="50000"/>
+            </a:schemeClr>
+          </a:lnRef>
+          <a:fillRef idx="1">
+            <a:schemeClr val="accent1"/>
+          </a:fillRef>
+          <a:effectRef idx="0">
+            <a:schemeClr val="accent1"/>
+          </a:effectRef>
+          <a:fontRef idx="minor">
+            <a:schemeClr val="lt1"/>
+          </a:fontRef>
+        </p:style>
+        <p:txBody>
+          <a:bodyPr rtlCol="0" anchor="ctr"/>
+          <a:lstStyle/>
+          <a:p>
+            <a:pPr algn="ctr"/>
+            <a:endParaRPr lang="pt-PT"/>
+          </a:p>
+        </p:txBody>
+      </p:sp>
+      <p:sp>
+        <p:nvSpPr>
+          <p:cNvPr id="7" name="CaixaDeTexto 6">
+            <a:extLst>
+              <a:ext uri="{FF2B5EF4-FFF2-40B4-BE49-F238E27FC236}">
+                <a16:creationId xmlns:a16="http://schemas.microsoft.com/office/drawing/2014/main" id="{8B04A5FC-F93A-49B3-92B6-8B766FBD06EB}"/>
+              </a:ext>
+            </a:extLst>
+          </p:cNvPr>
+          <p:cNvSpPr txBox="1"/>
+          <p:nvPr/>
+        </p:nvSpPr>
+        <p:spPr>
+          <a:xfrm>
+            <a:off x="6692201" y="6292468"/>
+            <a:ext cx="5084462" cy="369332"/>
+          </a:xfrm>
+          <a:prstGeom prst="rect">
+            <a:avLst/>
+          </a:prstGeom>
+          <a:noFill/>
+        </p:spPr>
+        <p:txBody>
+          <a:bodyPr wrap="square" rtlCol="0">
+            <a:spAutoFit/>
+          </a:bodyPr>
+          <a:lstStyle/>
+          <a:p>
+            <a:r>
+              <a:rPr lang="pt-PT" sz="1600" b="1" dirty="0"/>
+              <a:t>José Rocha :: Telmo Botelho :: IART 20/21 :: Grupo 26 :: </a:t>
+            </a:r>
+            <a:r>
+              <a:rPr lang="pt-PT" b="1" dirty="0"/>
+              <a:t>11</a:t>
+            </a:r>
+            <a:endParaRPr lang="pt-PT" sz="1600" b="1" dirty="0"/>
+          </a:p>
+        </p:txBody>
+      </p:sp>
+      <p:sp>
+        <p:nvSpPr>
+          <p:cNvPr id="11" name="Título 1">
+            <a:extLst>
+              <a:ext uri="{FF2B5EF4-FFF2-40B4-BE49-F238E27FC236}">
+                <a16:creationId xmlns:a16="http://schemas.microsoft.com/office/drawing/2014/main" id="{57684155-E862-4F62-BEFD-8B55EE125DA9}"/>
+              </a:ext>
+            </a:extLst>
+          </p:cNvPr>
+          <p:cNvSpPr txBox="1">
+            <a:spLocks/>
+          </p:cNvSpPr>
+          <p:nvPr/>
+        </p:nvSpPr>
+        <p:spPr>
+          <a:xfrm>
+            <a:off x="838200" y="251211"/>
+            <a:ext cx="10515600" cy="1087788"/>
+          </a:xfrm>
+          <a:prstGeom prst="rect">
+            <a:avLst/>
+          </a:prstGeom>
+        </p:spPr>
+        <p:txBody>
+          <a:bodyPr vert="horz" lIns="91440" tIns="45720" rIns="91440" bIns="45720" rtlCol="0" anchor="b">
+            <a:normAutofit/>
+          </a:bodyPr>
+          <a:lstStyle>
+            <a:lvl1pPr algn="ctr" defTabSz="914400" rtl="0" eaLnBrk="1" latinLnBrk="0" hangingPunct="1">
+              <a:lnSpc>
+                <a:spcPct val="90000"/>
+              </a:lnSpc>
+              <a:spcBef>
+                <a:spcPct val="0"/>
+              </a:spcBef>
+              <a:buNone/>
+              <a:defRPr sz="6000" kern="1200">
+                <a:solidFill>
+                  <a:schemeClr val="tx1"/>
+                </a:solidFill>
+                <a:latin typeface="+mj-lt"/>
+                <a:ea typeface="+mj-ea"/>
+                <a:cs typeface="+mj-cs"/>
+              </a:defRPr>
+            </a:lvl1pPr>
+          </a:lstStyle>
+          <a:p>
+            <a:r>
+              <a:rPr lang="pt-PT" b="1" dirty="0"/>
+              <a:t>Referências/Materiais</a:t>
+            </a:r>
+          </a:p>
+        </p:txBody>
+      </p:sp>
+      <p:sp>
+        <p:nvSpPr>
+          <p:cNvPr id="12" name="Marcador de Posição de Conteúdo 2">
+            <a:extLst>
+              <a:ext uri="{FF2B5EF4-FFF2-40B4-BE49-F238E27FC236}">
+                <a16:creationId xmlns:a16="http://schemas.microsoft.com/office/drawing/2014/main" id="{8F9FDCAA-50DC-4478-B334-9D55E2246449}"/>
+              </a:ext>
+            </a:extLst>
+          </p:cNvPr>
+          <p:cNvSpPr txBox="1">
+            <a:spLocks/>
+          </p:cNvSpPr>
+          <p:nvPr/>
+        </p:nvSpPr>
+        <p:spPr>
+          <a:xfrm>
+            <a:off x="838200" y="1517301"/>
+            <a:ext cx="10515600" cy="4618124"/>
+          </a:xfrm>
+          <a:prstGeom prst="rect">
+            <a:avLst/>
+          </a:prstGeom>
+        </p:spPr>
+        <p:txBody>
+          <a:bodyPr vert="horz" lIns="91440" tIns="45720" rIns="91440" bIns="45720" rtlCol="0">
+            <a:normAutofit/>
+          </a:bodyPr>
+          <a:lstStyle>
+            <a:lvl1pPr marL="0" indent="0" algn="ctr" defTabSz="914400" rtl="0" eaLnBrk="1" latinLnBrk="0" hangingPunct="1">
+              <a:lnSpc>
+                <a:spcPct val="90000"/>
+              </a:lnSpc>
+              <a:spcBef>
+                <a:spcPts val="1000"/>
+              </a:spcBef>
+              <a:buFont typeface="Arial" panose="020B0604020202020204" pitchFamily="34" charset="0"/>
+              <a:buNone/>
+              <a:defRPr sz="2400" kern="1200">
+                <a:solidFill>
+                  <a:schemeClr val="tx1"/>
+                </a:solidFill>
+                <a:latin typeface="+mn-lt"/>
+                <a:ea typeface="+mn-ea"/>
+                <a:cs typeface="+mn-cs"/>
+              </a:defRPr>
+            </a:lvl1pPr>
+            <a:lvl2pPr marL="457200" indent="0" algn="ctr" defTabSz="914400" rtl="0" eaLnBrk="1" latinLnBrk="0" hangingPunct="1">
+              <a:lnSpc>
+                <a:spcPct val="90000"/>
+              </a:lnSpc>
+              <a:spcBef>
+                <a:spcPts val="500"/>
+              </a:spcBef>
+              <a:buFont typeface="Arial" panose="020B0604020202020204" pitchFamily="34" charset="0"/>
+              <a:buNone/>
+              <a:defRPr sz="2000" kern="1200">
+                <a:solidFill>
+                  <a:schemeClr val="tx1"/>
+                </a:solidFill>
+                <a:latin typeface="+mn-lt"/>
+                <a:ea typeface="+mn-ea"/>
+                <a:cs typeface="+mn-cs"/>
+              </a:defRPr>
+            </a:lvl2pPr>
+            <a:lvl3pPr marL="914400" indent="0" algn="ctr" defTabSz="914400" rtl="0" eaLnBrk="1" latinLnBrk="0" hangingPunct="1">
+              <a:lnSpc>
+                <a:spcPct val="90000"/>
+              </a:lnSpc>
+              <a:spcBef>
+                <a:spcPts val="500"/>
+              </a:spcBef>
+              <a:buFont typeface="Arial" panose="020B0604020202020204" pitchFamily="34" charset="0"/>
+              <a:buNone/>
+              <a:defRPr sz="1800" kern="1200">
+                <a:solidFill>
+                  <a:schemeClr val="tx1"/>
+                </a:solidFill>
+                <a:latin typeface="+mn-lt"/>
+                <a:ea typeface="+mn-ea"/>
+                <a:cs typeface="+mn-cs"/>
+              </a:defRPr>
+            </a:lvl3pPr>
+            <a:lvl4pPr marL="1371600" indent="0" algn="ctr" defTabSz="914400" rtl="0" eaLnBrk="1" latinLnBrk="0" hangingPunct="1">
+              <a:lnSpc>
+                <a:spcPct val="90000"/>
+              </a:lnSpc>
+              <a:spcBef>
+                <a:spcPts val="500"/>
+              </a:spcBef>
+              <a:buFont typeface="Arial" panose="020B0604020202020204" pitchFamily="34" charset="0"/>
+              <a:buNone/>
+              <a:defRPr sz="1600" kern="1200">
+                <a:solidFill>
+                  <a:schemeClr val="tx1"/>
+                </a:solidFill>
+                <a:latin typeface="+mn-lt"/>
+                <a:ea typeface="+mn-ea"/>
+                <a:cs typeface="+mn-cs"/>
+              </a:defRPr>
+            </a:lvl4pPr>
+            <a:lvl5pPr marL="1828800" indent="0" algn="ctr" defTabSz="914400" rtl="0" eaLnBrk="1" latinLnBrk="0" hangingPunct="1">
+              <a:lnSpc>
+                <a:spcPct val="90000"/>
+              </a:lnSpc>
+              <a:spcBef>
+                <a:spcPts val="500"/>
+              </a:spcBef>
+              <a:buFont typeface="Arial" panose="020B0604020202020204" pitchFamily="34" charset="0"/>
+              <a:buNone/>
+              <a:defRPr sz="1600" kern="1200">
+                <a:solidFill>
+                  <a:schemeClr val="tx1"/>
+                </a:solidFill>
+                <a:latin typeface="+mn-lt"/>
+                <a:ea typeface="+mn-ea"/>
+                <a:cs typeface="+mn-cs"/>
+              </a:defRPr>
+            </a:lvl5pPr>
+            <a:lvl6pPr marL="2286000" indent="0" algn="ctr" defTabSz="914400" rtl="0" eaLnBrk="1" latinLnBrk="0" hangingPunct="1">
+              <a:lnSpc>
+                <a:spcPct val="90000"/>
+              </a:lnSpc>
+              <a:spcBef>
+                <a:spcPts val="500"/>
+              </a:spcBef>
+              <a:buFont typeface="Arial" panose="020B0604020202020204" pitchFamily="34" charset="0"/>
+              <a:buNone/>
+              <a:defRPr sz="1600" kern="1200">
+                <a:solidFill>
+                  <a:schemeClr val="tx1"/>
+                </a:solidFill>
+                <a:latin typeface="+mn-lt"/>
+                <a:ea typeface="+mn-ea"/>
+                <a:cs typeface="+mn-cs"/>
+              </a:defRPr>
+            </a:lvl6pPr>
+            <a:lvl7pPr marL="2743200" indent="0" algn="ctr" defTabSz="914400" rtl="0" eaLnBrk="1" latinLnBrk="0" hangingPunct="1">
+              <a:lnSpc>
+                <a:spcPct val="90000"/>
+              </a:lnSpc>
+              <a:spcBef>
+                <a:spcPts val="500"/>
+              </a:spcBef>
+              <a:buFont typeface="Arial" panose="020B0604020202020204" pitchFamily="34" charset="0"/>
+              <a:buNone/>
+              <a:defRPr sz="1600" kern="1200">
+                <a:solidFill>
+                  <a:schemeClr val="tx1"/>
+                </a:solidFill>
+                <a:latin typeface="+mn-lt"/>
+                <a:ea typeface="+mn-ea"/>
+                <a:cs typeface="+mn-cs"/>
+              </a:defRPr>
+            </a:lvl7pPr>
+            <a:lvl8pPr marL="3200400" indent="0" algn="ctr" defTabSz="914400" rtl="0" eaLnBrk="1" latinLnBrk="0" hangingPunct="1">
+              <a:lnSpc>
+                <a:spcPct val="90000"/>
+              </a:lnSpc>
+              <a:spcBef>
+                <a:spcPts val="500"/>
+              </a:spcBef>
+              <a:buFont typeface="Arial" panose="020B0604020202020204" pitchFamily="34" charset="0"/>
+              <a:buNone/>
+              <a:defRPr sz="1600" kern="1200">
+                <a:solidFill>
+                  <a:schemeClr val="tx1"/>
+                </a:solidFill>
+                <a:latin typeface="+mn-lt"/>
+                <a:ea typeface="+mn-ea"/>
+                <a:cs typeface="+mn-cs"/>
+              </a:defRPr>
+            </a:lvl8pPr>
+            <a:lvl9pPr marL="3657600" indent="0" algn="ctr" defTabSz="914400" rtl="0" eaLnBrk="1" latinLnBrk="0" hangingPunct="1">
+              <a:lnSpc>
+                <a:spcPct val="90000"/>
+              </a:lnSpc>
+              <a:spcBef>
+                <a:spcPts val="500"/>
+              </a:spcBef>
+              <a:buFont typeface="Arial" panose="020B0604020202020204" pitchFamily="34" charset="0"/>
+              <a:buNone/>
+              <a:defRPr sz="1600" kern="1200">
+                <a:solidFill>
+                  <a:schemeClr val="tx1"/>
+                </a:solidFill>
+                <a:latin typeface="+mn-lt"/>
+                <a:ea typeface="+mn-ea"/>
+                <a:cs typeface="+mn-cs"/>
+              </a:defRPr>
+            </a:lvl9pPr>
+          </a:lstStyle>
+          <a:p>
+            <a:endParaRPr lang="pt-PT" dirty="0"/>
+          </a:p>
+          <a:p>
+            <a:pPr algn="just"/>
+            <a:r>
+              <a:rPr lang="pt-PT" dirty="0"/>
+              <a:t>			</a:t>
+            </a:r>
+          </a:p>
+        </p:txBody>
+      </p:sp>
+      <p:sp>
+        <p:nvSpPr>
+          <p:cNvPr id="2" name="CaixaDeTexto 1">
+            <a:extLst>
+              <a:ext uri="{FF2B5EF4-FFF2-40B4-BE49-F238E27FC236}">
+                <a16:creationId xmlns:a16="http://schemas.microsoft.com/office/drawing/2014/main" id="{89763677-5807-429B-A389-00266AFDCE9C}"/>
+              </a:ext>
+            </a:extLst>
+          </p:cNvPr>
+          <p:cNvSpPr txBox="1"/>
+          <p:nvPr/>
+        </p:nvSpPr>
+        <p:spPr>
+          <a:xfrm>
+            <a:off x="713433" y="1391712"/>
+            <a:ext cx="10640367" cy="1512402"/>
+          </a:xfrm>
+          <a:prstGeom prst="rect">
+            <a:avLst/>
+          </a:prstGeom>
+          <a:noFill/>
+        </p:spPr>
+        <p:txBody>
+          <a:bodyPr wrap="square" rtlCol="0">
+            <a:spAutoFit/>
+          </a:bodyPr>
+          <a:lstStyle/>
+          <a:p>
+            <a:pPr marL="285750" indent="-285750" algn="just">
+              <a:buFont typeface="Arial" panose="020B0604020202020204" pitchFamily="34" charset="0"/>
+              <a:buChar char="•"/>
+            </a:pPr>
+            <a:r>
+              <a:rPr lang="pt-PT" sz="2400" dirty="0">
+                <a:hlinkClick r:id="rId2"/>
+              </a:rPr>
+              <a:t>GitLab com implementação em Java de </a:t>
+            </a:r>
+            <a:r>
+              <a:rPr lang="pt-PT" sz="2400" dirty="0" err="1">
+                <a:hlinkClick r:id="rId2"/>
+              </a:rPr>
+              <a:t>Neutreeko</a:t>
+            </a:r>
+            <a:endParaRPr lang="pt-PT" sz="2400" dirty="0">
+              <a:hlinkClick r:id="rId2"/>
+            </a:endParaRPr>
+          </a:p>
+          <a:p>
+            <a:pPr marL="285750" indent="-285750" algn="just">
+              <a:lnSpc>
+                <a:spcPct val="150000"/>
+              </a:lnSpc>
+              <a:buFont typeface="Arial" panose="020B0604020202020204" pitchFamily="34" charset="0"/>
+              <a:buChar char="•"/>
+            </a:pPr>
+            <a:r>
+              <a:rPr lang="pt-PT" sz="2400" dirty="0"/>
+              <a:t>Slides das aulas teóricas fornecidas pelos docentes</a:t>
+            </a:r>
+          </a:p>
+          <a:p>
+            <a:pPr marL="285750" indent="-285750" algn="just">
+              <a:lnSpc>
+                <a:spcPct val="150000"/>
+              </a:lnSpc>
+              <a:buFont typeface="Arial" panose="020B0604020202020204" pitchFamily="34" charset="0"/>
+              <a:buChar char="•"/>
+            </a:pPr>
+            <a:r>
+              <a:rPr lang="pt-PT" sz="2400" dirty="0">
+                <a:hlinkClick r:id="rId3"/>
+              </a:rPr>
+              <a:t>Pygame</a:t>
+            </a:r>
+            <a:r>
+              <a:rPr lang="pt-PT" sz="2400" dirty="0"/>
+              <a:t> </a:t>
+            </a:r>
+          </a:p>
+        </p:txBody>
+      </p:sp>
+    </p:spTree>
+    <p:extLst>
+      <p:ext uri="{BB962C8B-B14F-4D97-AF65-F5344CB8AC3E}">
+        <p14:creationId xmlns:p14="http://schemas.microsoft.com/office/powerpoint/2010/main" val="1768392279"/>
+      </p:ext>
+    </p:extLst>
+  </p:cSld>
+  <p:clrMapOvr>
+    <a:masterClrMapping/>
+  </p:clrMapOvr>
+</p:sld>
+</file>
+
 <file path=ppt/slides/slide2.xml><?xml version="1.0" encoding="utf-8"?>
 <p:sld xmlns:a="http://schemas.openxmlformats.org/drawingml/2006/main" xmlns:r="http://schemas.openxmlformats.org/officeDocument/2006/relationships" xmlns:p="http://schemas.openxmlformats.org/presentationml/2006/main">
   <p:cSld>
@@ -6034,7 +6518,7 @@
             <a:pPr algn="l"/>
             <a:r>
               <a:rPr lang="pt-PT" sz="1800" dirty="0" err="1"/>
-              <a:t>move_piece_up</a:t>
+              <a:t>checkUp</a:t>
             </a:r>
             <a:r>
               <a:rPr lang="pt-PT" sz="1800" dirty="0"/>
@@ -6042,15 +6526,15 @@
             </a:r>
             <a:r>
               <a:rPr lang="pt-PT" sz="1800" dirty="0" err="1"/>
-              <a:t>X,Y,Player</a:t>
+              <a:t>row</a:t>
             </a:r>
             <a:r>
               <a:rPr lang="pt-PT" sz="1800" dirty="0"/>
-              <a:t>);		 </a:t>
+              <a:t>, col); 		</a:t>
             </a:r>
             <a:r>
               <a:rPr lang="pt-PT" sz="1800" dirty="0" err="1"/>
-              <a:t>move_piece_down</a:t>
+              <a:t>checkDown</a:t>
             </a:r>
             <a:r>
               <a:rPr lang="pt-PT" sz="1800" dirty="0"/>
@@ -6058,15 +6542,15 @@
             </a:r>
             <a:r>
               <a:rPr lang="pt-PT" sz="1800" dirty="0" err="1"/>
-              <a:t>X,Y,Player</a:t>
+              <a:t>row</a:t>
             </a:r>
             <a:r>
               <a:rPr lang="pt-PT" sz="1800" dirty="0"/>
-              <a:t>);   	</a:t>
+              <a:t>, col); 		</a:t>
             </a:r>
             <a:r>
               <a:rPr lang="pt-PT" sz="1800" dirty="0" err="1"/>
-              <a:t>move_piece_left</a:t>
+              <a:t>checkRight</a:t>
             </a:r>
             <a:r>
               <a:rPr lang="pt-PT" sz="1800" dirty="0"/>
@@ -6074,7 +6558,7 @@
             </a:r>
             <a:r>
               <a:rPr lang="pt-PT" sz="1800" dirty="0" err="1"/>
-              <a:t>X,Y,Player</a:t>
+              <a:t>row,col</a:t>
             </a:r>
             <a:r>
               <a:rPr lang="pt-PT" sz="1800" dirty="0"/>
@@ -6085,7 +6569,7 @@
             <a:pPr algn="l"/>
             <a:r>
               <a:rPr lang="pt-PT" sz="1800" dirty="0" err="1"/>
-              <a:t>move_piece_up_right</a:t>
+              <a:t>checkLeft</a:t>
             </a:r>
             <a:r>
               <a:rPr lang="pt-PT" sz="1800" dirty="0"/>
@@ -6093,15 +6577,15 @@
             </a:r>
             <a:r>
               <a:rPr lang="pt-PT" sz="1800" dirty="0" err="1"/>
-              <a:t>X,Y,Player</a:t>
+              <a:t>row</a:t>
             </a:r>
             <a:r>
               <a:rPr lang="pt-PT" sz="1800" dirty="0"/>
-              <a:t>); 	 </a:t>
+              <a:t>, col);		</a:t>
             </a:r>
             <a:r>
               <a:rPr lang="pt-PT" sz="1800" dirty="0" err="1"/>
-              <a:t>move_piece_down_right</a:t>
+              <a:t>checkUpRight</a:t>
             </a:r>
             <a:r>
               <a:rPr lang="pt-PT" sz="1800" dirty="0"/>
@@ -6109,15 +6593,15 @@
             </a:r>
             <a:r>
               <a:rPr lang="pt-PT" sz="1800" dirty="0" err="1"/>
-              <a:t>X,Y,Player</a:t>
+              <a:t>row</a:t>
             </a:r>
             <a:r>
               <a:rPr lang="pt-PT" sz="1800" dirty="0"/>
-              <a:t>);	 </a:t>
+              <a:t>, col);		</a:t>
             </a:r>
             <a:r>
               <a:rPr lang="pt-PT" sz="1800" dirty="0" err="1"/>
-              <a:t>move_piece_right</a:t>
+              <a:t>checkUpLeft</a:t>
             </a:r>
             <a:r>
               <a:rPr lang="pt-PT" sz="1800" dirty="0"/>
@@ -6125,18 +6609,18 @@
             </a:r>
             <a:r>
               <a:rPr lang="pt-PT" sz="1800" dirty="0" err="1"/>
-              <a:t>X,Y,Player</a:t>
+              <a:t>row</a:t>
             </a:r>
             <a:r>
               <a:rPr lang="pt-PT" sz="1800" dirty="0"/>
-              <a:t>);</a:t>
+              <a:t>, col);</a:t>
             </a:r>
           </a:p>
           <a:p>
             <a:pPr algn="l"/>
             <a:r>
               <a:rPr lang="pt-PT" sz="1800" dirty="0" err="1"/>
-              <a:t>move_piece_up_left</a:t>
+              <a:t>checkDownRight</a:t>
             </a:r>
             <a:r>
               <a:rPr lang="pt-PT" sz="1800" dirty="0"/>
@@ -6144,15 +6628,15 @@
             </a:r>
             <a:r>
               <a:rPr lang="pt-PT" sz="1800" dirty="0" err="1"/>
-              <a:t>X,Y,Player</a:t>
+              <a:t>row</a:t>
             </a:r>
             <a:r>
               <a:rPr lang="pt-PT" sz="1800" dirty="0"/>
-              <a:t>);	 </a:t>
+              <a:t>, col);		</a:t>
             </a:r>
             <a:r>
               <a:rPr lang="pt-PT" sz="1800" dirty="0" err="1"/>
-              <a:t>move_piece_down_left</a:t>
+              <a:t>checkDownLeft</a:t>
             </a:r>
             <a:r>
               <a:rPr lang="pt-PT" sz="1800" dirty="0"/>
@@ -6160,11 +6644,11 @@
             </a:r>
             <a:r>
               <a:rPr lang="pt-PT" sz="1800" dirty="0" err="1"/>
-              <a:t>X,Y,Player</a:t>
+              <a:t>row</a:t>
             </a:r>
             <a:r>
               <a:rPr lang="pt-PT" sz="1800" dirty="0"/>
-              <a:t>);</a:t>
+              <a:t>, col);			</a:t>
             </a:r>
           </a:p>
           <a:p>
@@ -7753,7 +8237,7 @@
         <p:spPr>
           <a:xfrm>
             <a:off x="731240" y="2773608"/>
-            <a:ext cx="5257183" cy="3293209"/>
+            <a:ext cx="7874878" cy="3539430"/>
           </a:xfrm>
           <a:prstGeom prst="rect">
             <a:avLst/>
@@ -7804,6 +8288,17 @@
             <a:r>
               <a:rPr lang="pt-PT" sz="1600" dirty="0"/>
               <a:t>Para além disso, é também adicionada à avaliação da jogada um valor aleatório entre 0 e 5, de modo a poder diferenciar tabuleiros com a mesma avaliação.</a:t>
+            </a:r>
+          </a:p>
+          <a:p>
+            <a:pPr algn="just"/>
+            <a:endParaRPr lang="pt-PT" sz="1600" dirty="0"/>
+          </a:p>
+          <a:p>
+            <a:pPr algn="just"/>
+            <a:r>
+              <a:rPr lang="pt-PT" sz="1600" dirty="0"/>
+              <a:t>Apesar do jogo ser simplista, este envolve um certo nível de tática, que concluímos que passa não só por colocar peças em linha/coluna/diagonal mas também por colocar peças adjacentes umas às outras, incluindo peças adversárias.</a:t>
             </a:r>
           </a:p>
         </p:txBody>
@@ -7832,36 +8327,6 @@
           <a:xfrm>
             <a:off x="8830356" y="2773608"/>
             <a:ext cx="2630404" cy="3169666"/>
-          </a:xfrm>
-          <a:prstGeom prst="rect">
-            <a:avLst/>
-          </a:prstGeom>
-        </p:spPr>
-      </p:pic>
-      <p:pic>
-        <p:nvPicPr>
-          <p:cNvPr id="11" name="Imagem 10">
-            <a:extLst>
-              <a:ext uri="{FF2B5EF4-FFF2-40B4-BE49-F238E27FC236}">
-                <a16:creationId xmlns:a16="http://schemas.microsoft.com/office/drawing/2014/main" id="{9C2A8935-9ACD-422E-AD39-F11693853BD8}"/>
-              </a:ext>
-            </a:extLst>
-          </p:cNvPr>
-          <p:cNvPicPr>
-            <a:picLocks noChangeAspect="1"/>
-          </p:cNvPicPr>
-          <p:nvPr/>
-        </p:nvPicPr>
-        <p:blipFill>
-          <a:blip r:embed="rId3"/>
-          <a:stretch>
-            <a:fillRect/>
-          </a:stretch>
-        </p:blipFill>
-        <p:spPr>
-          <a:xfrm>
-            <a:off x="6203578" y="3345247"/>
-            <a:ext cx="2534554" cy="2026388"/>
           </a:xfrm>
           <a:prstGeom prst="rect">
             <a:avLst/>
@@ -8028,8 +8493,8 @@
         </p:nvSpPr>
         <p:spPr>
           <a:xfrm>
-            <a:off x="656948" y="1036507"/>
-            <a:ext cx="10260624" cy="2027788"/>
+            <a:off x="656948" y="1036506"/>
+            <a:ext cx="10260624" cy="4648255"/>
           </a:xfrm>
           <a:prstGeom prst="rect">
             <a:avLst/>
@@ -8251,21 +8716,75 @@
             </a:pPr>
             <a:r>
               <a:rPr lang="pt-PT" sz="1800" dirty="0"/>
-              <a:t>Estruturas de dados: classe Game, classe </a:t>
-            </a:r>
-            <a:r>
-              <a:rPr lang="pt-PT" sz="1800" dirty="0" err="1"/>
+              <a:t>Estruturas de dados</a:t>
+            </a:r>
+          </a:p>
+          <a:p>
+            <a:pPr marL="742950" lvl="1" indent="-285750" algn="just">
+              <a:buFont typeface="Arial" panose="020B0604020202020204" pitchFamily="34" charset="0"/>
+              <a:buChar char="•"/>
+            </a:pPr>
+            <a:r>
+              <a:rPr lang="pt-PT" sz="1400" dirty="0"/>
+              <a:t>Classe Game – armazena o objeto </a:t>
+            </a:r>
+            <a:r>
+              <a:rPr lang="pt-PT" sz="1400" dirty="0" err="1"/>
               <a:t>Board</a:t>
             </a:r>
             <a:r>
-              <a:rPr lang="pt-PT" sz="1800" dirty="0"/>
-              <a:t> e classe </a:t>
-            </a:r>
-            <a:r>
-              <a:rPr lang="pt-PT" sz="1800" dirty="0" err="1"/>
+              <a:rPr lang="pt-PT" sz="1400" dirty="0"/>
+              <a:t> num determinado jogo, posições das peças e contador de </a:t>
+            </a:r>
+            <a:r>
+              <a:rPr lang="pt-PT" sz="1400" dirty="0" err="1"/>
+              <a:t>hints</a:t>
+            </a:r>
+            <a:endParaRPr lang="pt-PT" sz="1400" dirty="0"/>
+          </a:p>
+          <a:p>
+            <a:pPr marL="742950" lvl="1" indent="-285750" algn="just">
+              <a:buFont typeface="Arial" panose="020B0604020202020204" pitchFamily="34" charset="0"/>
+              <a:buChar char="•"/>
+            </a:pPr>
+            <a:r>
+              <a:rPr lang="pt-PT" sz="1400" dirty="0"/>
+              <a:t>Classe </a:t>
+            </a:r>
+            <a:r>
+              <a:rPr lang="pt-PT" sz="1400" dirty="0" err="1"/>
+              <a:t>Board</a:t>
+            </a:r>
+            <a:r>
+              <a:rPr lang="pt-PT" sz="1400" dirty="0"/>
+              <a:t> – armazena a </a:t>
+            </a:r>
+            <a:r>
+              <a:rPr lang="pt-PT" sz="1400" dirty="0" err="1"/>
+              <a:t>Board</a:t>
+            </a:r>
+            <a:r>
+              <a:rPr lang="pt-PT" sz="1400" dirty="0"/>
+              <a:t> em si sobre forma de lista de lista</a:t>
+            </a:r>
+          </a:p>
+          <a:p>
+            <a:pPr marL="742950" lvl="1" indent="-285750" algn="just">
+              <a:buFont typeface="Arial" panose="020B0604020202020204" pitchFamily="34" charset="0"/>
+              <a:buChar char="•"/>
+            </a:pPr>
+            <a:r>
+              <a:rPr lang="pt-PT" sz="1400" dirty="0"/>
+              <a:t>Classe </a:t>
+            </a:r>
+            <a:r>
+              <a:rPr lang="pt-PT" sz="1400" dirty="0" err="1"/>
               <a:t>Piece</a:t>
             </a:r>
-            <a:endParaRPr lang="pt-PT" sz="1800" dirty="0"/>
+            <a:r>
+              <a:rPr lang="pt-PT" sz="1400" dirty="0"/>
+              <a:t> – armazena as informações de uma peça, nomeadamente a cor e as suas coordenadas</a:t>
+            </a:r>
           </a:p>
           <a:p>
             <a:pPr marL="285750" indent="-285750" algn="just">
@@ -8274,15 +8793,7 @@
             </a:pPr>
             <a:r>
               <a:rPr lang="pt-PT" sz="1800" dirty="0"/>
-              <a:t>Interface do jogo desenvolvida com </a:t>
-            </a:r>
-            <a:r>
-              <a:rPr lang="pt-PT" sz="1800" dirty="0" err="1"/>
-              <a:t>Pygame</a:t>
-            </a:r>
-            <a:r>
-              <a:rPr lang="pt-PT" sz="1800" dirty="0"/>
-              <a:t> 2.0</a:t>
+              <a:t>Interface do jogo desenvolvida com Pygame 2.0</a:t>
             </a:r>
           </a:p>
           <a:p>
@@ -8315,8 +8826,8 @@
         </p:blipFill>
         <p:spPr>
           <a:xfrm>
-            <a:off x="7845416" y="2783237"/>
-            <a:ext cx="2778032" cy="2903294"/>
+            <a:off x="8120525" y="3447903"/>
+            <a:ext cx="2531867" cy="2646030"/>
           </a:xfrm>
           <a:prstGeom prst="rect">
             <a:avLst/>
@@ -8345,8 +8856,8 @@
         </p:blipFill>
         <p:spPr>
           <a:xfrm>
-            <a:off x="1189054" y="2783237"/>
-            <a:ext cx="5967369" cy="2901525"/>
+            <a:off x="1484893" y="3447902"/>
+            <a:ext cx="5441910" cy="2646030"/>
           </a:xfrm>
           <a:prstGeom prst="rect">
             <a:avLst/>
@@ -8355,10 +8866,10 @@
       </p:pic>
       <p:sp>
         <p:nvSpPr>
-          <p:cNvPr id="17" name="Marcador de Posição de Conteúdo 2">
+          <p:cNvPr id="8" name="Marcador de Posição de Conteúdo 2">
             <a:extLst>
               <a:ext uri="{FF2B5EF4-FFF2-40B4-BE49-F238E27FC236}">
-                <a16:creationId xmlns:a16="http://schemas.microsoft.com/office/drawing/2014/main" id="{F6CD50DD-E3A5-4139-A3F6-6480DE7069D4}"/>
+                <a16:creationId xmlns:a16="http://schemas.microsoft.com/office/drawing/2014/main" id="{24D6C9F2-E86C-4477-8E8D-69FED830F576}"/>
               </a:ext>
             </a:extLst>
           </p:cNvPr>
@@ -8370,7 +8881,7 @@
         <p:spPr>
           <a:xfrm>
             <a:off x="512466" y="475563"/>
-            <a:ext cx="6340510" cy="875630"/>
+            <a:ext cx="6340510" cy="2588732"/>
           </a:xfrm>
           <a:prstGeom prst="rect">
             <a:avLst/>

--- a/Proj1/doc/Neutreeko.pptx
+++ b/Proj1/doc/Neutreeko.pptx
@@ -8053,7 +8053,7 @@
           <p:nvPr>
             <p:extLst>
               <p:ext uri="{D42A27DB-BD31-4B8C-83A1-F6EECF244321}">
-                <p14:modId xmlns:p14="http://schemas.microsoft.com/office/powerpoint/2010/main" val="2315259227"/>
+                <p14:modId xmlns:p14="http://schemas.microsoft.com/office/powerpoint/2010/main" val="3020182833"/>
               </p:ext>
             </p:extLst>
           </p:nvPr>
@@ -8173,7 +8173,7 @@
                     <a:p>
                       <a:r>
                         <a:rPr lang="pt-PT" dirty="0"/>
-                        <a:t>100 por ocorrência</a:t>
+                        <a:t>5 por ocorrência</a:t>
                       </a:r>
                     </a:p>
                   </a:txBody>
@@ -8193,7 +8193,7 @@
                     <a:p>
                       <a:r>
                         <a:rPr lang="pt-PT" dirty="0"/>
-                        <a:t>Peça da mesma na mesma linha/coluna/diagonal</a:t>
+                        <a:t>Peça da mesma cor na mesma linha/coluna/diagonal</a:t>
                       </a:r>
                     </a:p>
                   </a:txBody>
@@ -8206,7 +8206,7 @@
                     <a:p>
                       <a:r>
                         <a:rPr lang="pt-PT" dirty="0"/>
-                        <a:t>10 por ocorrência</a:t>
+                        <a:t>5 por ocorrência</a:t>
                       </a:r>
                     </a:p>
                   </a:txBody>
@@ -8236,7 +8236,7 @@
         </p:nvSpPr>
         <p:spPr>
           <a:xfrm>
-            <a:off x="731240" y="2773608"/>
+            <a:off x="731240" y="2755678"/>
             <a:ext cx="7874878" cy="3539430"/>
           </a:xfrm>
           <a:prstGeom prst="rect">
